--- a/aula13/Aula13.pptx
+++ b/aula13/Aula13.pptx
@@ -1,44 +1,557 @@
 
 <file path=ppt/presentation.xml><?xml version="1.0" encoding="utf-8"?>
-<p:presentation xmlns:a="http://schemas.openxmlformats.org/drawingml/2006/main" xmlns:p="http://schemas.openxmlformats.org/presentationml/2006/main" xmlns:r="http://schemas.openxmlformats.org/officeDocument/2006/relationships" xmlns:p14="http://schemas.microsoft.com/office/powerpoint/2010/main" xmlns:p15="http://schemas.microsoft.com/office/powerpoint/2012/main" xmlns:mc="http://schemas.openxmlformats.org/markup-compatibility/2006">
+<p:presentation xmlns:a="http://schemas.openxmlformats.org/drawingml/2006/main" xmlns:r="http://schemas.openxmlformats.org/officeDocument/2006/relationships" xmlns:p="http://schemas.openxmlformats.org/presentationml/2006/main">
   <p:sldMasterIdLst>
-    <p:sldMasterId id="2147483648" r:id="rId2"/>
-    <p:sldMasterId id="2147483661" r:id="rId3"/>
+    <p:sldMasterId id="2147483648" r:id="rId1"/>
+    <p:sldMasterId id="2147483661" r:id="rId2"/>
   </p:sldMasterIdLst>
   <p:notesMasterIdLst>
-    <p:notesMasterId r:id="rId4"/>
+    <p:notesMasterId r:id="rId25"/>
   </p:notesMasterIdLst>
   <p:sldIdLst>
-    <p:sldId id="256" r:id="rId5"/>
-    <p:sldId id="257" r:id="rId6"/>
-    <p:sldId id="258" r:id="rId7"/>
-    <p:sldId id="259" r:id="rId8"/>
-    <p:sldId id="260" r:id="rId9"/>
-    <p:sldId id="261" r:id="rId10"/>
-    <p:sldId id="262" r:id="rId11"/>
-    <p:sldId id="263" r:id="rId12"/>
-    <p:sldId id="264" r:id="rId13"/>
-    <p:sldId id="265" r:id="rId14"/>
-    <p:sldId id="266" r:id="rId15"/>
-    <p:sldId id="267" r:id="rId16"/>
-    <p:sldId id="268" r:id="rId17"/>
-    <p:sldId id="269" r:id="rId18"/>
-    <p:sldId id="270" r:id="rId19"/>
-    <p:sldId id="271" r:id="rId20"/>
-    <p:sldId id="272" r:id="rId21"/>
-    <p:sldId id="273" r:id="rId22"/>
-    <p:sldId id="274" r:id="rId23"/>
-    <p:sldId id="275" r:id="rId24"/>
-    <p:sldId id="276" r:id="rId25"/>
-    <p:sldId id="277" r:id="rId26"/>
+    <p:sldId id="256" r:id="rId3"/>
+    <p:sldId id="257" r:id="rId4"/>
+    <p:sldId id="258" r:id="rId5"/>
+    <p:sldId id="259" r:id="rId6"/>
+    <p:sldId id="260" r:id="rId7"/>
+    <p:sldId id="261" r:id="rId8"/>
+    <p:sldId id="262" r:id="rId9"/>
+    <p:sldId id="263" r:id="rId10"/>
+    <p:sldId id="264" r:id="rId11"/>
+    <p:sldId id="265" r:id="rId12"/>
+    <p:sldId id="266" r:id="rId13"/>
+    <p:sldId id="267" r:id="rId14"/>
+    <p:sldId id="268" r:id="rId15"/>
+    <p:sldId id="269" r:id="rId16"/>
+    <p:sldId id="270" r:id="rId17"/>
+    <p:sldId id="271" r:id="rId18"/>
+    <p:sldId id="272" r:id="rId19"/>
+    <p:sldId id="273" r:id="rId20"/>
+    <p:sldId id="274" r:id="rId21"/>
+    <p:sldId id="275" r:id="rId22"/>
+    <p:sldId id="276" r:id="rId23"/>
+    <p:sldId id="277" r:id="rId24"/>
   </p:sldIdLst>
-  <p:sldSz cx="9144000" cy="5143500"/>
+  <p:sldSz cx="9144000" cy="5143500" type="screen16x9"/>
   <p:notesSz cx="7559675" cy="10691813"/>
+  <p:defaultTextStyle>
+    <a:defPPr>
+      <a:defRPr lang="pt-BR"/>
+    </a:defPPr>
+    <a:lvl1pPr marL="0" algn="l" defTabSz="914400" rtl="0" eaLnBrk="1" latinLnBrk="0" hangingPunct="1">
+      <a:defRPr sz="1800" kern="1200">
+        <a:solidFill>
+          <a:schemeClr val="tx1"/>
+        </a:solidFill>
+        <a:latin typeface="+mn-lt"/>
+        <a:ea typeface="+mn-ea"/>
+        <a:cs typeface="+mn-cs"/>
+      </a:defRPr>
+    </a:lvl1pPr>
+    <a:lvl2pPr marL="457200" algn="l" defTabSz="914400" rtl="0" eaLnBrk="1" latinLnBrk="0" hangingPunct="1">
+      <a:defRPr sz="1800" kern="1200">
+        <a:solidFill>
+          <a:schemeClr val="tx1"/>
+        </a:solidFill>
+        <a:latin typeface="+mn-lt"/>
+        <a:ea typeface="+mn-ea"/>
+        <a:cs typeface="+mn-cs"/>
+      </a:defRPr>
+    </a:lvl2pPr>
+    <a:lvl3pPr marL="914400" algn="l" defTabSz="914400" rtl="0" eaLnBrk="1" latinLnBrk="0" hangingPunct="1">
+      <a:defRPr sz="1800" kern="1200">
+        <a:solidFill>
+          <a:schemeClr val="tx1"/>
+        </a:solidFill>
+        <a:latin typeface="+mn-lt"/>
+        <a:ea typeface="+mn-ea"/>
+        <a:cs typeface="+mn-cs"/>
+      </a:defRPr>
+    </a:lvl3pPr>
+    <a:lvl4pPr marL="1371600" algn="l" defTabSz="914400" rtl="0" eaLnBrk="1" latinLnBrk="0" hangingPunct="1">
+      <a:defRPr sz="1800" kern="1200">
+        <a:solidFill>
+          <a:schemeClr val="tx1"/>
+        </a:solidFill>
+        <a:latin typeface="+mn-lt"/>
+        <a:ea typeface="+mn-ea"/>
+        <a:cs typeface="+mn-cs"/>
+      </a:defRPr>
+    </a:lvl4pPr>
+    <a:lvl5pPr marL="1828800" algn="l" defTabSz="914400" rtl="0" eaLnBrk="1" latinLnBrk="0" hangingPunct="1">
+      <a:defRPr sz="1800" kern="1200">
+        <a:solidFill>
+          <a:schemeClr val="tx1"/>
+        </a:solidFill>
+        <a:latin typeface="+mn-lt"/>
+        <a:ea typeface="+mn-ea"/>
+        <a:cs typeface="+mn-cs"/>
+      </a:defRPr>
+    </a:lvl5pPr>
+    <a:lvl6pPr marL="2286000" algn="l" defTabSz="914400" rtl="0" eaLnBrk="1" latinLnBrk="0" hangingPunct="1">
+      <a:defRPr sz="1800" kern="1200">
+        <a:solidFill>
+          <a:schemeClr val="tx1"/>
+        </a:solidFill>
+        <a:latin typeface="+mn-lt"/>
+        <a:ea typeface="+mn-ea"/>
+        <a:cs typeface="+mn-cs"/>
+      </a:defRPr>
+    </a:lvl6pPr>
+    <a:lvl7pPr marL="2743200" algn="l" defTabSz="914400" rtl="0" eaLnBrk="1" latinLnBrk="0" hangingPunct="1">
+      <a:defRPr sz="1800" kern="1200">
+        <a:solidFill>
+          <a:schemeClr val="tx1"/>
+        </a:solidFill>
+        <a:latin typeface="+mn-lt"/>
+        <a:ea typeface="+mn-ea"/>
+        <a:cs typeface="+mn-cs"/>
+      </a:defRPr>
+    </a:lvl7pPr>
+    <a:lvl8pPr marL="3200400" algn="l" defTabSz="914400" rtl="0" eaLnBrk="1" latinLnBrk="0" hangingPunct="1">
+      <a:defRPr sz="1800" kern="1200">
+        <a:solidFill>
+          <a:schemeClr val="tx1"/>
+        </a:solidFill>
+        <a:latin typeface="+mn-lt"/>
+        <a:ea typeface="+mn-ea"/>
+        <a:cs typeface="+mn-cs"/>
+      </a:defRPr>
+    </a:lvl8pPr>
+    <a:lvl9pPr marL="3657600" algn="l" defTabSz="914400" rtl="0" eaLnBrk="1" latinLnBrk="0" hangingPunct="1">
+      <a:defRPr sz="1800" kern="1200">
+        <a:solidFill>
+          <a:schemeClr val="tx1"/>
+        </a:solidFill>
+        <a:latin typeface="+mn-lt"/>
+        <a:ea typeface="+mn-ea"/>
+        <a:cs typeface="+mn-cs"/>
+      </a:defRPr>
+    </a:lvl9pPr>
+  </p:defaultTextStyle>
 </p:presentation>
 </file>
 
 <file path=ppt/notesMasters/notesMaster1.xml><?xml version="1.0" encoding="utf-8"?>
-<p:notesMaster xmlns:a="http://schemas.openxmlformats.org/drawingml/2006/main" xmlns:p="http://schemas.openxmlformats.org/presentationml/2006/main" xmlns:r="http://schemas.openxmlformats.org/officeDocument/2006/relationships" xmlns:p14="http://schemas.microsoft.com/office/powerpoint/2010/main" xmlns:p15="http://schemas.microsoft.com/office/powerpoint/2012/main" xmlns:mc="http://schemas.openxmlformats.org/markup-compatibility/2006">
+<p:notesMaster xmlns:a="http://schemas.openxmlformats.org/drawingml/2006/main" xmlns:r="http://schemas.openxmlformats.org/officeDocument/2006/relationships" xmlns:p="http://schemas.openxmlformats.org/presentationml/2006/main">
+  <p:cSld>
+    <p:bg>
+      <p:bgRef idx="1001">
+        <a:schemeClr val="bg1"/>
+      </p:bgRef>
+    </p:bg>
+    <p:spTree>
+      <p:nvGrpSpPr>
+        <p:cNvPr id="1" name=""/>
+        <p:cNvGrpSpPr/>
+        <p:nvPr/>
+      </p:nvGrpSpPr>
+      <p:grpSpPr>
+        <a:xfrm>
+          <a:off x="0" y="0"/>
+          <a:ext cx="0" cy="0"/>
+          <a:chOff x="0" y="0"/>
+          <a:chExt cx="0" cy="0"/>
+        </a:xfrm>
+      </p:grpSpPr>
+      <p:sp>
+        <p:nvSpPr>
+          <p:cNvPr id="80" name="PlaceHolder 1"/>
+          <p:cNvSpPr>
+            <a:spLocks noGrp="1" noRot="1" noChangeAspect="1"/>
+          </p:cNvSpPr>
+          <p:nvPr>
+            <p:ph type="sldImg"/>
+          </p:nvPr>
+        </p:nvSpPr>
+        <p:spPr>
+          <a:xfrm>
+            <a:off x="216000" y="812520"/>
+            <a:ext cx="7127280" cy="4008960"/>
+          </a:xfrm>
+          <a:prstGeom prst="rect">
+            <a:avLst/>
+          </a:prstGeom>
+          <a:noFill/>
+          <a:ln w="0">
+            <a:noFill/>
+          </a:ln>
+        </p:spPr>
+        <p:txBody>
+          <a:bodyPr lIns="0" tIns="0" rIns="0" bIns="0" anchor="ctr">
+            <a:noAutofit/>
+          </a:bodyPr>
+          <a:lstStyle/>
+          <a:p>
+            <a:pPr algn="ctr"/>
+            <a:r>
+              <a:rPr lang="pt-BR" sz="4400" b="0" strike="noStrike" spc="-1">
+                <a:solidFill>
+                  <a:srgbClr val="000000"/>
+                </a:solidFill>
+                <a:latin typeface="Arial"/>
+              </a:rPr>
+              <a:t>Click to move the slide</a:t>
+            </a:r>
+          </a:p>
+        </p:txBody>
+      </p:sp>
+      <p:sp>
+        <p:nvSpPr>
+          <p:cNvPr id="81" name="PlaceHolder 2"/>
+          <p:cNvSpPr>
+            <a:spLocks noGrp="1"/>
+          </p:cNvSpPr>
+          <p:nvPr>
+            <p:ph type="body"/>
+          </p:nvPr>
+        </p:nvSpPr>
+        <p:spPr>
+          <a:xfrm>
+            <a:off x="756000" y="5078520"/>
+            <a:ext cx="6047640" cy="4811040"/>
+          </a:xfrm>
+          <a:prstGeom prst="rect">
+            <a:avLst/>
+          </a:prstGeom>
+          <a:noFill/>
+          <a:ln w="0">
+            <a:noFill/>
+          </a:ln>
+        </p:spPr>
+        <p:txBody>
+          <a:bodyPr lIns="0" tIns="0" rIns="0" bIns="0" anchor="t">
+            <a:noAutofit/>
+          </a:bodyPr>
+          <a:lstStyle/>
+          <a:p>
+            <a:pPr marL="216000" indent="0">
+              <a:buNone/>
+            </a:pPr>
+            <a:r>
+              <a:rPr lang="pt-BR" sz="2000" b="0" strike="noStrike" spc="-1">
+                <a:solidFill>
+                  <a:srgbClr val="000000"/>
+                </a:solidFill>
+                <a:latin typeface="Arial"/>
+              </a:rPr>
+              <a:t>Click to edit the notes format</a:t>
+            </a:r>
+          </a:p>
+        </p:txBody>
+      </p:sp>
+      <p:sp>
+        <p:nvSpPr>
+          <p:cNvPr id="82" name="PlaceHolder 3"/>
+          <p:cNvSpPr>
+            <a:spLocks noGrp="1"/>
+          </p:cNvSpPr>
+          <p:nvPr>
+            <p:ph type="hdr"/>
+          </p:nvPr>
+        </p:nvSpPr>
+        <p:spPr>
+          <a:xfrm>
+            <a:off x="0" y="0"/>
+            <a:ext cx="3280680" cy="534240"/>
+          </a:xfrm>
+          <a:prstGeom prst="rect">
+            <a:avLst/>
+          </a:prstGeom>
+          <a:noFill/>
+          <a:ln w="0">
+            <a:noFill/>
+          </a:ln>
+        </p:spPr>
+        <p:txBody>
+          <a:bodyPr lIns="0" tIns="0" rIns="0" bIns="0" anchor="t">
+            <a:noAutofit/>
+          </a:bodyPr>
+          <a:lstStyle/>
+          <a:p>
+            <a:pPr indent="0">
+              <a:buNone/>
+            </a:pPr>
+            <a:r>
+              <a:rPr lang="pt-BR" sz="1400" b="0" strike="noStrike" spc="-1">
+                <a:solidFill>
+                  <a:srgbClr val="000000"/>
+                </a:solidFill>
+                <a:latin typeface="Times New Roman"/>
+              </a:rPr>
+              <a:t>&lt;header&gt;</a:t>
+            </a:r>
+          </a:p>
+        </p:txBody>
+      </p:sp>
+      <p:sp>
+        <p:nvSpPr>
+          <p:cNvPr id="83" name="PlaceHolder 4"/>
+          <p:cNvSpPr>
+            <a:spLocks noGrp="1"/>
+          </p:cNvSpPr>
+          <p:nvPr>
+            <p:ph type="dt" idx="4"/>
+          </p:nvPr>
+        </p:nvSpPr>
+        <p:spPr>
+          <a:xfrm>
+            <a:off x="4278960" y="0"/>
+            <a:ext cx="3280680" cy="534240"/>
+          </a:xfrm>
+          <a:prstGeom prst="rect">
+            <a:avLst/>
+          </a:prstGeom>
+          <a:noFill/>
+          <a:ln w="0">
+            <a:noFill/>
+          </a:ln>
+        </p:spPr>
+        <p:txBody>
+          <a:bodyPr lIns="0" tIns="0" rIns="0" bIns="0" anchor="t">
+            <a:noAutofit/>
+          </a:bodyPr>
+          <a:lstStyle>
+            <a:lvl1pPr indent="0" algn="r">
+              <a:buNone/>
+              <a:defRPr lang="pt-BR" sz="1400" b="0" strike="noStrike" spc="-1">
+                <a:solidFill>
+                  <a:srgbClr val="000000"/>
+                </a:solidFill>
+                <a:latin typeface="Times New Roman"/>
+              </a:defRPr>
+            </a:lvl1pPr>
+          </a:lstStyle>
+          <a:p>
+            <a:pPr indent="0" algn="r">
+              <a:buNone/>
+            </a:pPr>
+            <a:r>
+              <a:rPr lang="pt-BR" sz="1400" b="0" strike="noStrike" spc="-1">
+                <a:solidFill>
+                  <a:srgbClr val="000000"/>
+                </a:solidFill>
+                <a:latin typeface="Times New Roman"/>
+              </a:rPr>
+              <a:t>&lt;date/time&gt;</a:t>
+            </a:r>
+          </a:p>
+        </p:txBody>
+      </p:sp>
+      <p:sp>
+        <p:nvSpPr>
+          <p:cNvPr id="84" name="PlaceHolder 5"/>
+          <p:cNvSpPr>
+            <a:spLocks noGrp="1"/>
+          </p:cNvSpPr>
+          <p:nvPr>
+            <p:ph type="ftr" idx="5"/>
+          </p:nvPr>
+        </p:nvSpPr>
+        <p:spPr>
+          <a:xfrm>
+            <a:off x="0" y="10157400"/>
+            <a:ext cx="3280680" cy="534240"/>
+          </a:xfrm>
+          <a:prstGeom prst="rect">
+            <a:avLst/>
+          </a:prstGeom>
+          <a:noFill/>
+          <a:ln w="0">
+            <a:noFill/>
+          </a:ln>
+        </p:spPr>
+        <p:txBody>
+          <a:bodyPr lIns="0" tIns="0" rIns="0" bIns="0" anchor="b">
+            <a:noAutofit/>
+          </a:bodyPr>
+          <a:lstStyle>
+            <a:lvl1pPr indent="0">
+              <a:buNone/>
+              <a:defRPr lang="pt-BR" sz="1400" b="0" strike="noStrike" spc="-1">
+                <a:solidFill>
+                  <a:srgbClr val="000000"/>
+                </a:solidFill>
+                <a:latin typeface="Times New Roman"/>
+              </a:defRPr>
+            </a:lvl1pPr>
+          </a:lstStyle>
+          <a:p>
+            <a:pPr indent="0">
+              <a:buNone/>
+            </a:pPr>
+            <a:r>
+              <a:rPr lang="pt-BR" sz="1400" b="0" strike="noStrike" spc="-1">
+                <a:solidFill>
+                  <a:srgbClr val="000000"/>
+                </a:solidFill>
+                <a:latin typeface="Times New Roman"/>
+              </a:rPr>
+              <a:t>&lt;footer&gt;</a:t>
+            </a:r>
+          </a:p>
+        </p:txBody>
+      </p:sp>
+      <p:sp>
+        <p:nvSpPr>
+          <p:cNvPr id="85" name="PlaceHolder 6"/>
+          <p:cNvSpPr>
+            <a:spLocks noGrp="1"/>
+          </p:cNvSpPr>
+          <p:nvPr>
+            <p:ph type="sldNum" idx="6"/>
+          </p:nvPr>
+        </p:nvSpPr>
+        <p:spPr>
+          <a:xfrm>
+            <a:off x="4278960" y="10157400"/>
+            <a:ext cx="3280680" cy="534240"/>
+          </a:xfrm>
+          <a:prstGeom prst="rect">
+            <a:avLst/>
+          </a:prstGeom>
+          <a:noFill/>
+          <a:ln w="0">
+            <a:noFill/>
+          </a:ln>
+        </p:spPr>
+        <p:txBody>
+          <a:bodyPr lIns="0" tIns="0" rIns="0" bIns="0" anchor="b">
+            <a:noAutofit/>
+          </a:bodyPr>
+          <a:lstStyle>
+            <a:lvl1pPr indent="0" algn="r">
+              <a:buNone/>
+              <a:defRPr lang="pt-BR" sz="1400" b="0" strike="noStrike" spc="-1">
+                <a:solidFill>
+                  <a:srgbClr val="000000"/>
+                </a:solidFill>
+                <a:latin typeface="Times New Roman"/>
+              </a:defRPr>
+            </a:lvl1pPr>
+          </a:lstStyle>
+          <a:p>
+            <a:pPr indent="0" algn="r">
+              <a:buNone/>
+            </a:pPr>
+            <a:fld id="{D5283AA9-D26E-4821-88B0-9C6ED1E99B39}" type="slidenum">
+              <a:rPr lang="pt-BR" sz="1400" b="0" strike="noStrike" spc="-1">
+                <a:solidFill>
+                  <a:srgbClr val="000000"/>
+                </a:solidFill>
+                <a:latin typeface="Times New Roman"/>
+              </a:rPr>
+              <a:t>‹nº›</a:t>
+            </a:fld>
+            <a:endParaRPr lang="pt-BR" sz="1400" b="0" strike="noStrike" spc="-1">
+              <a:solidFill>
+                <a:srgbClr val="000000"/>
+              </a:solidFill>
+              <a:latin typeface="Times New Roman"/>
+            </a:endParaRPr>
+          </a:p>
+        </p:txBody>
+      </p:sp>
+    </p:spTree>
+  </p:cSld>
+  <p:clrMap bg1="lt1" tx1="dk1" bg2="lt2" tx2="dk2" accent1="accent1" accent2="accent2" accent3="accent3" accent4="accent4" accent5="accent5" accent6="accent6" hlink="hlink" folHlink="folHlink"/>
+  <p:notesStyle>
+    <a:lvl1pPr marL="0" algn="l" defTabSz="914400" rtl="0" eaLnBrk="1" latinLnBrk="0" hangingPunct="1">
+      <a:defRPr sz="1200" kern="1200">
+        <a:solidFill>
+          <a:schemeClr val="tx1"/>
+        </a:solidFill>
+        <a:latin typeface="+mn-lt"/>
+        <a:ea typeface="+mn-ea"/>
+        <a:cs typeface="+mn-cs"/>
+      </a:defRPr>
+    </a:lvl1pPr>
+    <a:lvl2pPr marL="457200" algn="l" defTabSz="914400" rtl="0" eaLnBrk="1" latinLnBrk="0" hangingPunct="1">
+      <a:defRPr sz="1200" kern="1200">
+        <a:solidFill>
+          <a:schemeClr val="tx1"/>
+        </a:solidFill>
+        <a:latin typeface="+mn-lt"/>
+        <a:ea typeface="+mn-ea"/>
+        <a:cs typeface="+mn-cs"/>
+      </a:defRPr>
+    </a:lvl2pPr>
+    <a:lvl3pPr marL="914400" algn="l" defTabSz="914400" rtl="0" eaLnBrk="1" latinLnBrk="0" hangingPunct="1">
+      <a:defRPr sz="1200" kern="1200">
+        <a:solidFill>
+          <a:schemeClr val="tx1"/>
+        </a:solidFill>
+        <a:latin typeface="+mn-lt"/>
+        <a:ea typeface="+mn-ea"/>
+        <a:cs typeface="+mn-cs"/>
+      </a:defRPr>
+    </a:lvl3pPr>
+    <a:lvl4pPr marL="1371600" algn="l" defTabSz="914400" rtl="0" eaLnBrk="1" latinLnBrk="0" hangingPunct="1">
+      <a:defRPr sz="1200" kern="1200">
+        <a:solidFill>
+          <a:schemeClr val="tx1"/>
+        </a:solidFill>
+        <a:latin typeface="+mn-lt"/>
+        <a:ea typeface="+mn-ea"/>
+        <a:cs typeface="+mn-cs"/>
+      </a:defRPr>
+    </a:lvl4pPr>
+    <a:lvl5pPr marL="1828800" algn="l" defTabSz="914400" rtl="0" eaLnBrk="1" latinLnBrk="0" hangingPunct="1">
+      <a:defRPr sz="1200" kern="1200">
+        <a:solidFill>
+          <a:schemeClr val="tx1"/>
+        </a:solidFill>
+        <a:latin typeface="+mn-lt"/>
+        <a:ea typeface="+mn-ea"/>
+        <a:cs typeface="+mn-cs"/>
+      </a:defRPr>
+    </a:lvl5pPr>
+    <a:lvl6pPr marL="2286000" algn="l" defTabSz="914400" rtl="0" eaLnBrk="1" latinLnBrk="0" hangingPunct="1">
+      <a:defRPr sz="1200" kern="1200">
+        <a:solidFill>
+          <a:schemeClr val="tx1"/>
+        </a:solidFill>
+        <a:latin typeface="+mn-lt"/>
+        <a:ea typeface="+mn-ea"/>
+        <a:cs typeface="+mn-cs"/>
+      </a:defRPr>
+    </a:lvl6pPr>
+    <a:lvl7pPr marL="2743200" algn="l" defTabSz="914400" rtl="0" eaLnBrk="1" latinLnBrk="0" hangingPunct="1">
+      <a:defRPr sz="1200" kern="1200">
+        <a:solidFill>
+          <a:schemeClr val="tx1"/>
+        </a:solidFill>
+        <a:latin typeface="+mn-lt"/>
+        <a:ea typeface="+mn-ea"/>
+        <a:cs typeface="+mn-cs"/>
+      </a:defRPr>
+    </a:lvl7pPr>
+    <a:lvl8pPr marL="3200400" algn="l" defTabSz="914400" rtl="0" eaLnBrk="1" latinLnBrk="0" hangingPunct="1">
+      <a:defRPr sz="1200" kern="1200">
+        <a:solidFill>
+          <a:schemeClr val="tx1"/>
+        </a:solidFill>
+        <a:latin typeface="+mn-lt"/>
+        <a:ea typeface="+mn-ea"/>
+        <a:cs typeface="+mn-cs"/>
+      </a:defRPr>
+    </a:lvl8pPr>
+    <a:lvl9pPr marL="3657600" algn="l" defTabSz="914400" rtl="0" eaLnBrk="1" latinLnBrk="0" hangingPunct="1">
+      <a:defRPr sz="1200" kern="1200">
+        <a:solidFill>
+          <a:schemeClr val="tx1"/>
+        </a:solidFill>
+        <a:latin typeface="+mn-lt"/>
+        <a:ea typeface="+mn-ea"/>
+        <a:cs typeface="+mn-cs"/>
+      </a:defRPr>
+    </a:lvl9pPr>
+  </p:notesStyle>
+</p:notesMaster>
+</file>
+
+<file path=ppt/notesSlides/notesSlide1.xml><?xml version="1.0" encoding="utf-8"?>
+<p:notes xmlns:a="http://schemas.openxmlformats.org/drawingml/2006/main" xmlns:r="http://schemas.openxmlformats.org/officeDocument/2006/relationships" xmlns:p="http://schemas.openxmlformats.org/presentationml/2006/main">
   <p:cSld>
     <p:spTree>
       <p:nvGrpSpPr>
@@ -56,9 +569,9 @@
       </p:grpSpPr>
       <p:sp>
         <p:nvSpPr>
-          <p:cNvPr id="80" name="PlaceHolder 1"/>
-          <p:cNvSpPr>
-            <a:spLocks noGrp="1"/>
+          <p:cNvPr id="152" name="PlaceHolder 1"/>
+          <p:cNvSpPr>
+            <a:spLocks noGrp="1" noRot="1" noChangeAspect="1"/>
           </p:cNvSpPr>
           <p:nvPr>
             <p:ph type="sldImg"/>
@@ -66,397 +579,50 @@
         </p:nvSpPr>
         <p:spPr>
           <a:xfrm>
-            <a:off x="216000" y="812520"/>
-            <a:ext cx="7127280" cy="4008960"/>
-          </a:xfrm>
-          <a:prstGeom prst="rect">
-            <a:avLst/>
-          </a:prstGeom>
-          <a:noFill/>
-          <a:ln w="0">
-            <a:noFill/>
-          </a:ln>
-        </p:spPr>
-        <p:txBody>
-          <a:bodyPr lIns="0" rIns="0" tIns="0" bIns="0" anchor="ctr">
+            <a:off x="573120" y="1336680"/>
+            <a:ext cx="6409080" cy="3603960"/>
+          </a:xfrm>
+          <a:prstGeom prst="rect">
+            <a:avLst/>
+          </a:prstGeom>
+          <a:ln w="0">
+            <a:noFill/>
+          </a:ln>
+        </p:spPr>
+      </p:sp>
+      <p:sp>
+        <p:nvSpPr>
+          <p:cNvPr id="153" name="PlaceHolder 2"/>
+          <p:cNvSpPr>
+            <a:spLocks noGrp="1"/>
+          </p:cNvSpPr>
+          <p:nvPr>
+            <p:ph type="body"/>
+          </p:nvPr>
+        </p:nvSpPr>
+        <p:spPr>
+          <a:xfrm>
+            <a:off x="755640" y="5145120"/>
+            <a:ext cx="6044400" cy="4206240"/>
+          </a:xfrm>
+          <a:prstGeom prst="rect">
+            <a:avLst/>
+          </a:prstGeom>
+          <a:noFill/>
+          <a:ln w="0">
+            <a:noFill/>
+          </a:ln>
+        </p:spPr>
+        <p:txBody>
+          <a:bodyPr lIns="0" tIns="0" rIns="0" bIns="0" anchor="t">
             <a:noAutofit/>
           </a:bodyPr>
-          <a:p>
-            <a:pPr algn="ctr"/>
-            <a:r>
-              <a:rPr b="0" lang="pt-BR" sz="4400" spc="-1" strike="noStrike">
-                <a:solidFill>
-                  <a:srgbClr val="000000"/>
-                </a:solidFill>
-                <a:latin typeface="Arial"/>
-              </a:rPr>
-              <a:t>Click to move the slide</a:t>
-            </a:r>
-            <a:endParaRPr b="0" lang="pt-BR" sz="4400" spc="-1" strike="noStrike">
-              <a:solidFill>
-                <a:srgbClr val="000000"/>
-              </a:solidFill>
-              <a:latin typeface="Arial"/>
-            </a:endParaRPr>
-          </a:p>
-        </p:txBody>
-      </p:sp>
-      <p:sp>
-        <p:nvSpPr>
-          <p:cNvPr id="81" name="PlaceHolder 2"/>
-          <p:cNvSpPr>
-            <a:spLocks noGrp="1"/>
-          </p:cNvSpPr>
-          <p:nvPr>
-            <p:ph type="body"/>
-          </p:nvPr>
-        </p:nvSpPr>
-        <p:spPr>
-          <a:xfrm>
-            <a:off x="756000" y="5078520"/>
-            <a:ext cx="6047640" cy="4811040"/>
-          </a:xfrm>
-          <a:prstGeom prst="rect">
-            <a:avLst/>
-          </a:prstGeom>
-          <a:noFill/>
-          <a:ln w="0">
-            <a:noFill/>
-          </a:ln>
-        </p:spPr>
-        <p:txBody>
-          <a:bodyPr lIns="0" rIns="0" tIns="0" bIns="0" anchor="t">
-            <a:noAutofit/>
-          </a:bodyPr>
+          <a:lstStyle/>
           <a:p>
             <a:pPr marL="216000" indent="0">
               <a:buNone/>
             </a:pPr>
-            <a:r>
-              <a:rPr b="0" lang="pt-BR" sz="2000" spc="-1" strike="noStrike">
-                <a:solidFill>
-                  <a:srgbClr val="000000"/>
-                </a:solidFill>
-                <a:latin typeface="Arial"/>
-              </a:rPr>
-              <a:t>Click to edit the notes format</a:t>
-            </a:r>
-            <a:endParaRPr b="0" lang="pt-BR" sz="2000" spc="-1" strike="noStrike">
-              <a:solidFill>
-                <a:srgbClr val="000000"/>
-              </a:solidFill>
-              <a:latin typeface="Arial"/>
-            </a:endParaRPr>
-          </a:p>
-        </p:txBody>
-      </p:sp>
-      <p:sp>
-        <p:nvSpPr>
-          <p:cNvPr id="82" name="PlaceHolder 3"/>
-          <p:cNvSpPr>
-            <a:spLocks noGrp="1"/>
-          </p:cNvSpPr>
-          <p:nvPr>
-            <p:ph type="hdr"/>
-          </p:nvPr>
-        </p:nvSpPr>
-        <p:spPr>
-          <a:xfrm>
-            <a:off x="0" y="0"/>
-            <a:ext cx="3280680" cy="534240"/>
-          </a:xfrm>
-          <a:prstGeom prst="rect">
-            <a:avLst/>
-          </a:prstGeom>
-          <a:noFill/>
-          <a:ln w="0">
-            <a:noFill/>
-          </a:ln>
-        </p:spPr>
-        <p:txBody>
-          <a:bodyPr lIns="0" rIns="0" tIns="0" bIns="0" anchor="t">
-            <a:noAutofit/>
-          </a:bodyPr>
-          <a:p>
-            <a:pPr indent="0">
-              <a:buNone/>
-            </a:pPr>
-            <a:r>
-              <a:rPr b="0" lang="pt-BR" sz="1400" spc="-1" strike="noStrike">
-                <a:solidFill>
-                  <a:srgbClr val="000000"/>
-                </a:solidFill>
-                <a:latin typeface="Times New Roman"/>
-              </a:rPr>
-              <a:t>&lt;header&gt;</a:t>
-            </a:r>
-            <a:endParaRPr b="0" lang="pt-BR" sz="1400" spc="-1" strike="noStrike">
-              <a:solidFill>
-                <a:srgbClr val="000000"/>
-              </a:solidFill>
-              <a:latin typeface="Times New Roman"/>
-            </a:endParaRPr>
-          </a:p>
-        </p:txBody>
-      </p:sp>
-      <p:sp>
-        <p:nvSpPr>
-          <p:cNvPr id="83" name="PlaceHolder 4"/>
-          <p:cNvSpPr>
-            <a:spLocks noGrp="1"/>
-          </p:cNvSpPr>
-          <p:nvPr>
-            <p:ph type="dt" idx="4"/>
-          </p:nvPr>
-        </p:nvSpPr>
-        <p:spPr>
-          <a:xfrm>
-            <a:off x="4278960" y="0"/>
-            <a:ext cx="3280680" cy="534240"/>
-          </a:xfrm>
-          <a:prstGeom prst="rect">
-            <a:avLst/>
-          </a:prstGeom>
-          <a:noFill/>
-          <a:ln w="0">
-            <a:noFill/>
-          </a:ln>
-        </p:spPr>
-        <p:txBody>
-          <a:bodyPr lIns="0" rIns="0" tIns="0" bIns="0" anchor="t">
-            <a:noAutofit/>
-          </a:bodyPr>
-          <a:lstStyle>
-            <a:lvl1pPr indent="0" algn="r">
-              <a:buNone/>
-              <a:defRPr b="0" lang="pt-BR" sz="1400" spc="-1" strike="noStrike">
-                <a:solidFill>
-                  <a:srgbClr val="000000"/>
-                </a:solidFill>
-                <a:latin typeface="Times New Roman"/>
-              </a:defRPr>
-            </a:lvl1pPr>
-          </a:lstStyle>
-          <a:p>
-            <a:pPr indent="0" algn="r">
-              <a:buNone/>
-            </a:pPr>
-            <a:r>
-              <a:rPr b="0" lang="pt-BR" sz="1400" spc="-1" strike="noStrike">
-                <a:solidFill>
-                  <a:srgbClr val="000000"/>
-                </a:solidFill>
-                <a:latin typeface="Times New Roman"/>
-              </a:rPr>
-              <a:t>&lt;date/time&gt;</a:t>
-            </a:r>
-            <a:endParaRPr b="0" lang="pt-BR" sz="1400" spc="-1" strike="noStrike">
-              <a:solidFill>
-                <a:srgbClr val="000000"/>
-              </a:solidFill>
-              <a:latin typeface="Times New Roman"/>
-            </a:endParaRPr>
-          </a:p>
-        </p:txBody>
-      </p:sp>
-      <p:sp>
-        <p:nvSpPr>
-          <p:cNvPr id="84" name="PlaceHolder 5"/>
-          <p:cNvSpPr>
-            <a:spLocks noGrp="1"/>
-          </p:cNvSpPr>
-          <p:nvPr>
-            <p:ph type="ftr" idx="5"/>
-          </p:nvPr>
-        </p:nvSpPr>
-        <p:spPr>
-          <a:xfrm>
-            <a:off x="0" y="10157400"/>
-            <a:ext cx="3280680" cy="534240"/>
-          </a:xfrm>
-          <a:prstGeom prst="rect">
-            <a:avLst/>
-          </a:prstGeom>
-          <a:noFill/>
-          <a:ln w="0">
-            <a:noFill/>
-          </a:ln>
-        </p:spPr>
-        <p:txBody>
-          <a:bodyPr lIns="0" rIns="0" tIns="0" bIns="0" anchor="b">
-            <a:noAutofit/>
-          </a:bodyPr>
-          <a:lstStyle>
-            <a:lvl1pPr indent="0">
-              <a:buNone/>
-              <a:defRPr b="0" lang="pt-BR" sz="1400" spc="-1" strike="noStrike">
-                <a:solidFill>
-                  <a:srgbClr val="000000"/>
-                </a:solidFill>
-                <a:latin typeface="Times New Roman"/>
-              </a:defRPr>
-            </a:lvl1pPr>
-          </a:lstStyle>
-          <a:p>
-            <a:pPr indent="0">
-              <a:buNone/>
-            </a:pPr>
-            <a:r>
-              <a:rPr b="0" lang="pt-BR" sz="1400" spc="-1" strike="noStrike">
-                <a:solidFill>
-                  <a:srgbClr val="000000"/>
-                </a:solidFill>
-                <a:latin typeface="Times New Roman"/>
-              </a:rPr>
-              <a:t>&lt;footer&gt;</a:t>
-            </a:r>
-            <a:endParaRPr b="0" lang="pt-BR" sz="1400" spc="-1" strike="noStrike">
-              <a:solidFill>
-                <a:srgbClr val="000000"/>
-              </a:solidFill>
-              <a:latin typeface="Times New Roman"/>
-            </a:endParaRPr>
-          </a:p>
-        </p:txBody>
-      </p:sp>
-      <p:sp>
-        <p:nvSpPr>
-          <p:cNvPr id="85" name="PlaceHolder 6"/>
-          <p:cNvSpPr>
-            <a:spLocks noGrp="1"/>
-          </p:cNvSpPr>
-          <p:nvPr>
-            <p:ph type="sldNum" idx="6"/>
-          </p:nvPr>
-        </p:nvSpPr>
-        <p:spPr>
-          <a:xfrm>
-            <a:off x="4278960" y="10157400"/>
-            <a:ext cx="3280680" cy="534240"/>
-          </a:xfrm>
-          <a:prstGeom prst="rect">
-            <a:avLst/>
-          </a:prstGeom>
-          <a:noFill/>
-          <a:ln w="0">
-            <a:noFill/>
-          </a:ln>
-        </p:spPr>
-        <p:txBody>
-          <a:bodyPr lIns="0" rIns="0" tIns="0" bIns="0" anchor="b">
-            <a:noAutofit/>
-          </a:bodyPr>
-          <a:lstStyle>
-            <a:lvl1pPr indent="0" algn="r">
-              <a:buNone/>
-              <a:defRPr b="0" lang="pt-BR" sz="1400" spc="-1" strike="noStrike">
-                <a:solidFill>
-                  <a:srgbClr val="000000"/>
-                </a:solidFill>
-                <a:latin typeface="Times New Roman"/>
-              </a:defRPr>
-            </a:lvl1pPr>
-          </a:lstStyle>
-          <a:p>
-            <a:pPr indent="0" algn="r">
-              <a:buNone/>
-            </a:pPr>
-            <a:fld id="{D5283AA9-D26E-4821-88B0-9C6ED1E99B39}" type="slidenum">
-              <a:rPr b="0" lang="pt-BR" sz="1400" spc="-1" strike="noStrike">
-                <a:solidFill>
-                  <a:srgbClr val="000000"/>
-                </a:solidFill>
-                <a:latin typeface="Times New Roman"/>
-              </a:rPr>
-              <a:t>&lt;number&gt;</a:t>
-            </a:fld>
-            <a:endParaRPr b="0" lang="pt-BR" sz="1400" spc="-1" strike="noStrike">
-              <a:solidFill>
-                <a:srgbClr val="000000"/>
-              </a:solidFill>
-              <a:latin typeface="Times New Roman"/>
-            </a:endParaRPr>
-          </a:p>
-        </p:txBody>
-      </p:sp>
-    </p:spTree>
-  </p:cSld>
-  <p:clrMap bg1="lt1" bg2="lt2" tx1="dk1" tx2="dk2" accent1="accent1" accent2="accent2" accent3="accent3" accent4="accent4" accent5="accent5" accent6="accent6" hlink="hlink" folHlink="folHlink"/>
-</p:notesMaster>
-</file>
-
-<file path=ppt/notesSlides/notesSlide1.xml><?xml version="1.0" encoding="utf-8"?>
-<p:notes xmlns:a="http://schemas.openxmlformats.org/drawingml/2006/main" xmlns:p="http://schemas.openxmlformats.org/presentationml/2006/main" xmlns:r="http://schemas.openxmlformats.org/officeDocument/2006/relationships" xmlns:p14="http://schemas.microsoft.com/office/powerpoint/2010/main" xmlns:p15="http://schemas.microsoft.com/office/powerpoint/2012/main" xmlns:mc="http://schemas.openxmlformats.org/markup-compatibility/2006">
-  <p:cSld>
-    <p:spTree>
-      <p:nvGrpSpPr>
-        <p:cNvPr id="1" name=""/>
-        <p:cNvGrpSpPr/>
-        <p:nvPr/>
-      </p:nvGrpSpPr>
-      <p:grpSpPr>
-        <a:xfrm>
-          <a:off x="0" y="0"/>
-          <a:ext cx="0" cy="0"/>
-          <a:chOff x="0" y="0"/>
-          <a:chExt cx="0" cy="0"/>
-        </a:xfrm>
-      </p:grpSpPr>
-      <p:sp>
-        <p:nvSpPr>
-          <p:cNvPr id="152" name="PlaceHolder 1"/>
-          <p:cNvSpPr>
-            <a:spLocks noGrp="1"/>
-          </p:cNvSpPr>
-          <p:nvPr>
-            <p:ph type="sldImg"/>
-          </p:nvPr>
-        </p:nvSpPr>
-        <p:spPr>
-          <a:xfrm>
-            <a:off x="573120" y="1336680"/>
-            <a:ext cx="6409080" cy="3603960"/>
-          </a:xfrm>
-          <a:prstGeom prst="rect">
-            <a:avLst/>
-          </a:prstGeom>
-          <a:ln w="0">
-            <a:noFill/>
-          </a:ln>
-        </p:spPr>
-      </p:sp>
-      <p:sp>
-        <p:nvSpPr>
-          <p:cNvPr id="153" name="PlaceHolder 2"/>
-          <p:cNvSpPr>
-            <a:spLocks noGrp="1"/>
-          </p:cNvSpPr>
-          <p:nvPr>
-            <p:ph type="body"/>
-          </p:nvPr>
-        </p:nvSpPr>
-        <p:spPr>
-          <a:xfrm>
-            <a:off x="755640" y="5145120"/>
-            <a:ext cx="6044400" cy="4206240"/>
-          </a:xfrm>
-          <a:prstGeom prst="rect">
-            <a:avLst/>
-          </a:prstGeom>
-          <a:noFill/>
-          <a:ln w="0">
-            <a:noFill/>
-          </a:ln>
-        </p:spPr>
-        <p:txBody>
-          <a:bodyPr lIns="0" rIns="0" tIns="0" bIns="0" anchor="t">
-            <a:noAutofit/>
-          </a:bodyPr>
-          <a:p>
-            <a:pPr marL="216000" indent="0">
-              <a:buNone/>
-            </a:pPr>
-            <a:endParaRPr b="0" lang="pt-BR" sz="1800" spc="-1" strike="noStrike">
+            <a:endParaRPr lang="pt-BR" sz="1800" b="0" strike="noStrike" spc="-1">
               <a:solidFill>
                 <a:srgbClr val="000000"/>
               </a:solidFill>
@@ -489,7 +655,7 @@
           </a:ln>
         </p:spPr>
         <p:txBody>
-          <a:bodyPr lIns="0" rIns="0" tIns="0" bIns="0" anchor="b">
+          <a:bodyPr lIns="0" tIns="0" rIns="0" bIns="0" anchor="b">
             <a:noAutofit/>
           </a:bodyPr>
           <a:lstStyle>
@@ -499,9 +665,9 @@
               </a:lnSpc>
               <a:buNone/>
               <a:tabLst>
-                <a:tab algn="l" pos="0"/>
+                <a:tab pos="0" algn="l"/>
               </a:tabLst>
-              <a:defRPr b="0" lang="pt-BR" sz="1200" spc="-1" strike="noStrike">
+              <a:defRPr lang="pt-BR" sz="1200" b="0" strike="noStrike" spc="-1">
                 <a:solidFill>
                   <a:srgbClr val="000000"/>
                 </a:solidFill>
@@ -517,20 +683,20 @@
               </a:lnSpc>
               <a:buNone/>
               <a:tabLst>
-                <a:tab algn="l" pos="0"/>
+                <a:tab pos="0" algn="l"/>
               </a:tabLst>
             </a:pPr>
             <a:fld id="{253097C1-9957-4F44-8E79-A0F581F7C901}" type="slidenum">
-              <a:rPr b="0" lang="pt-BR" sz="1200" spc="-1" strike="noStrike">
+              <a:rPr lang="pt-BR" sz="1200" b="0" strike="noStrike" spc="-1">
                 <a:solidFill>
                   <a:srgbClr val="000000"/>
                 </a:solidFill>
                 <a:latin typeface="Times New Roman"/>
                 <a:ea typeface="+mn-ea"/>
               </a:rPr>
-              <a:t>&lt;number&gt;</a:t>
+              <a:t>1</a:t>
             </a:fld>
-            <a:endParaRPr b="0" lang="pt-BR" sz="1200" spc="-1" strike="noStrike">
+            <a:endParaRPr lang="pt-BR" sz="1200" b="0" strike="noStrike" spc="-1">
               <a:solidFill>
                 <a:srgbClr val="000000"/>
               </a:solidFill>
@@ -541,11 +707,14 @@
       </p:sp>
     </p:spTree>
   </p:cSld>
+  <p:clrMapOvr>
+    <a:masterClrMapping/>
+  </p:clrMapOvr>
 </p:notes>
 </file>
 
 <file path=ppt/slideLayouts/slideLayout1.xml><?xml version="1.0" encoding="utf-8"?>
-<p:sldLayout xmlns:a="http://schemas.openxmlformats.org/drawingml/2006/main" xmlns:p="http://schemas.openxmlformats.org/presentationml/2006/main" xmlns:r="http://schemas.openxmlformats.org/officeDocument/2006/relationships" xmlns:p14="http://schemas.microsoft.com/office/powerpoint/2010/main" xmlns:p15="http://schemas.microsoft.com/office/powerpoint/2012/main" xmlns:mc="http://schemas.openxmlformats.org/markup-compatibility/2006" type="blank" preserve="1">
+<p:sldLayout xmlns:a="http://schemas.openxmlformats.org/drawingml/2006/main" xmlns:r="http://schemas.openxmlformats.org/officeDocument/2006/relationships" xmlns:p="http://schemas.openxmlformats.org/presentationml/2006/main" type="blank" preserve="1">
   <p:cSld name="Blank Slide">
     <p:spTree>
       <p:nvGrpSpPr>
@@ -563,11 +732,14 @@
       </p:grpSpPr>
     </p:spTree>
   </p:cSld>
+  <p:clrMapOvr>
+    <a:masterClrMapping/>
+  </p:clrMapOvr>
 </p:sldLayout>
 </file>
 
 <file path=ppt/slideLayouts/slideLayout10.xml><?xml version="1.0" encoding="utf-8"?>
-<p:sldLayout xmlns:a="http://schemas.openxmlformats.org/drawingml/2006/main" xmlns:p="http://schemas.openxmlformats.org/presentationml/2006/main" xmlns:r="http://schemas.openxmlformats.org/officeDocument/2006/relationships" xmlns:p14="http://schemas.microsoft.com/office/powerpoint/2010/main" xmlns:p15="http://schemas.microsoft.com/office/powerpoint/2012/main" xmlns:mc="http://schemas.openxmlformats.org/markup-compatibility/2006" type="objOverTx" preserve="1">
+<p:sldLayout xmlns:a="http://schemas.openxmlformats.org/drawingml/2006/main" xmlns:r="http://schemas.openxmlformats.org/officeDocument/2006/relationships" xmlns:p="http://schemas.openxmlformats.org/presentationml/2006/main" type="objOverTx" preserve="1">
   <p:cSld name="Title, Content over Content">
     <p:spTree>
       <p:nvGrpSpPr>
@@ -607,14 +779,15 @@
           </a:ln>
         </p:spPr>
         <p:txBody>
-          <a:bodyPr lIns="0" rIns="0" tIns="0" bIns="0" anchor="ctr">
+          <a:bodyPr lIns="0" tIns="0" rIns="0" bIns="0" anchor="ctr">
             <a:noAutofit/>
           </a:bodyPr>
+          <a:lstStyle/>
           <a:p>
             <a:pPr indent="0" algn="ctr">
               <a:buNone/>
             </a:pPr>
-            <a:endParaRPr b="0" lang="pt-BR" sz="4400" spc="-1" strike="noStrike">
+            <a:endParaRPr lang="pt-BR" sz="4400" b="0" strike="noStrike" spc="-1">
               <a:solidFill>
                 <a:srgbClr val="000000"/>
               </a:solidFill>
@@ -647,9 +820,10 @@
           </a:ln>
         </p:spPr>
         <p:txBody>
-          <a:bodyPr lIns="0" rIns="0" tIns="0" bIns="0" anchor="t">
+          <a:bodyPr lIns="0" tIns="0" rIns="0" bIns="0" anchor="t">
             <a:normAutofit/>
           </a:bodyPr>
+          <a:lstStyle/>
           <a:p>
             <a:pPr indent="0">
               <a:spcBef>
@@ -657,7 +831,7 @@
               </a:spcBef>
               <a:buNone/>
             </a:pPr>
-            <a:endParaRPr b="0" lang="pt-BR" sz="3200" spc="-1" strike="noStrike">
+            <a:endParaRPr lang="pt-BR" sz="3200" b="0" strike="noStrike" spc="-1">
               <a:solidFill>
                 <a:srgbClr val="000000"/>
               </a:solidFill>
@@ -690,9 +864,10 @@
           </a:ln>
         </p:spPr>
         <p:txBody>
-          <a:bodyPr lIns="0" rIns="0" tIns="0" bIns="0" anchor="t">
+          <a:bodyPr lIns="0" tIns="0" rIns="0" bIns="0" anchor="t">
             <a:normAutofit/>
           </a:bodyPr>
+          <a:lstStyle/>
           <a:p>
             <a:pPr indent="0">
               <a:spcBef>
@@ -700,7 +875,7 @@
               </a:spcBef>
               <a:buNone/>
             </a:pPr>
-            <a:endParaRPr b="0" lang="pt-BR" sz="3200" spc="-1" strike="noStrike">
+            <a:endParaRPr lang="pt-BR" sz="3200" b="0" strike="noStrike" spc="-1">
               <a:solidFill>
                 <a:srgbClr val="000000"/>
               </a:solidFill>
@@ -711,11 +886,14 @@
       </p:sp>
     </p:spTree>
   </p:cSld>
+  <p:clrMapOvr>
+    <a:masterClrMapping/>
+  </p:clrMapOvr>
 </p:sldLayout>
 </file>
 
 <file path=ppt/slideLayouts/slideLayout11.xml><?xml version="1.0" encoding="utf-8"?>
-<p:sldLayout xmlns:a="http://schemas.openxmlformats.org/drawingml/2006/main" xmlns:p="http://schemas.openxmlformats.org/presentationml/2006/main" xmlns:r="http://schemas.openxmlformats.org/officeDocument/2006/relationships" xmlns:p14="http://schemas.microsoft.com/office/powerpoint/2010/main" xmlns:p15="http://schemas.microsoft.com/office/powerpoint/2012/main" xmlns:mc="http://schemas.openxmlformats.org/markup-compatibility/2006" type="fourObj" preserve="1">
+<p:sldLayout xmlns:a="http://schemas.openxmlformats.org/drawingml/2006/main" xmlns:r="http://schemas.openxmlformats.org/officeDocument/2006/relationships" xmlns:p="http://schemas.openxmlformats.org/presentationml/2006/main" type="fourObj" preserve="1">
   <p:cSld name="Title, 4 Content">
     <p:spTree>
       <p:nvGrpSpPr>
@@ -755,14 +933,15 @@
           </a:ln>
         </p:spPr>
         <p:txBody>
-          <a:bodyPr lIns="0" rIns="0" tIns="0" bIns="0" anchor="ctr">
+          <a:bodyPr lIns="0" tIns="0" rIns="0" bIns="0" anchor="ctr">
             <a:noAutofit/>
           </a:bodyPr>
+          <a:lstStyle/>
           <a:p>
             <a:pPr indent="0" algn="ctr">
               <a:buNone/>
             </a:pPr>
-            <a:endParaRPr b="0" lang="pt-BR" sz="4400" spc="-1" strike="noStrike">
+            <a:endParaRPr lang="pt-BR" sz="4400" b="0" strike="noStrike" spc="-1">
               <a:solidFill>
                 <a:srgbClr val="000000"/>
               </a:solidFill>
@@ -795,9 +974,10 @@
           </a:ln>
         </p:spPr>
         <p:txBody>
-          <a:bodyPr lIns="0" rIns="0" tIns="0" bIns="0" anchor="t">
+          <a:bodyPr lIns="0" tIns="0" rIns="0" bIns="0" anchor="t">
             <a:normAutofit/>
           </a:bodyPr>
+          <a:lstStyle/>
           <a:p>
             <a:pPr indent="0">
               <a:spcBef>
@@ -805,7 +985,7 @@
               </a:spcBef>
               <a:buNone/>
             </a:pPr>
-            <a:endParaRPr b="0" lang="pt-BR" sz="3200" spc="-1" strike="noStrike">
+            <a:endParaRPr lang="pt-BR" sz="3200" b="0" strike="noStrike" spc="-1">
               <a:solidFill>
                 <a:srgbClr val="000000"/>
               </a:solidFill>
@@ -838,9 +1018,10 @@
           </a:ln>
         </p:spPr>
         <p:txBody>
-          <a:bodyPr lIns="0" rIns="0" tIns="0" bIns="0" anchor="t">
+          <a:bodyPr lIns="0" tIns="0" rIns="0" bIns="0" anchor="t">
             <a:normAutofit/>
           </a:bodyPr>
+          <a:lstStyle/>
           <a:p>
             <a:pPr indent="0">
               <a:spcBef>
@@ -848,7 +1029,7 @@
               </a:spcBef>
               <a:buNone/>
             </a:pPr>
-            <a:endParaRPr b="0" lang="pt-BR" sz="3200" spc="-1" strike="noStrike">
+            <a:endParaRPr lang="pt-BR" sz="3200" b="0" strike="noStrike" spc="-1">
               <a:solidFill>
                 <a:srgbClr val="000000"/>
               </a:solidFill>
@@ -881,9 +1062,10 @@
           </a:ln>
         </p:spPr>
         <p:txBody>
-          <a:bodyPr lIns="0" rIns="0" tIns="0" bIns="0" anchor="t">
+          <a:bodyPr lIns="0" tIns="0" rIns="0" bIns="0" anchor="t">
             <a:normAutofit/>
           </a:bodyPr>
+          <a:lstStyle/>
           <a:p>
             <a:pPr indent="0">
               <a:spcBef>
@@ -891,7 +1073,7 @@
               </a:spcBef>
               <a:buNone/>
             </a:pPr>
-            <a:endParaRPr b="0" lang="pt-BR" sz="3200" spc="-1" strike="noStrike">
+            <a:endParaRPr lang="pt-BR" sz="3200" b="0" strike="noStrike" spc="-1">
               <a:solidFill>
                 <a:srgbClr val="000000"/>
               </a:solidFill>
@@ -924,9 +1106,10 @@
           </a:ln>
         </p:spPr>
         <p:txBody>
-          <a:bodyPr lIns="0" rIns="0" tIns="0" bIns="0" anchor="t">
+          <a:bodyPr lIns="0" tIns="0" rIns="0" bIns="0" anchor="t">
             <a:normAutofit/>
           </a:bodyPr>
+          <a:lstStyle/>
           <a:p>
             <a:pPr indent="0">
               <a:spcBef>
@@ -934,7 +1117,7 @@
               </a:spcBef>
               <a:buNone/>
             </a:pPr>
-            <a:endParaRPr b="0" lang="pt-BR" sz="3200" spc="-1" strike="noStrike">
+            <a:endParaRPr lang="pt-BR" sz="3200" b="0" strike="noStrike" spc="-1">
               <a:solidFill>
                 <a:srgbClr val="000000"/>
               </a:solidFill>
@@ -945,11 +1128,14 @@
       </p:sp>
     </p:spTree>
   </p:cSld>
+  <p:clrMapOvr>
+    <a:masterClrMapping/>
+  </p:clrMapOvr>
 </p:sldLayout>
 </file>
 
 <file path=ppt/slideLayouts/slideLayout12.xml><?xml version="1.0" encoding="utf-8"?>
-<p:sldLayout xmlns:a="http://schemas.openxmlformats.org/drawingml/2006/main" xmlns:p="http://schemas.openxmlformats.org/presentationml/2006/main" xmlns:r="http://schemas.openxmlformats.org/officeDocument/2006/relationships" xmlns:p14="http://schemas.microsoft.com/office/powerpoint/2010/main" xmlns:p15="http://schemas.microsoft.com/office/powerpoint/2012/main" xmlns:mc="http://schemas.openxmlformats.org/markup-compatibility/2006" type="blank" preserve="1">
+<p:sldLayout xmlns:a="http://schemas.openxmlformats.org/drawingml/2006/main" xmlns:r="http://schemas.openxmlformats.org/officeDocument/2006/relationships" xmlns:p="http://schemas.openxmlformats.org/presentationml/2006/main" type="blank" preserve="1">
   <p:cSld name="Title, 6 Content">
     <p:spTree>
       <p:nvGrpSpPr>
@@ -989,14 +1175,15 @@
           </a:ln>
         </p:spPr>
         <p:txBody>
-          <a:bodyPr lIns="0" rIns="0" tIns="0" bIns="0" anchor="ctr">
+          <a:bodyPr lIns="0" tIns="0" rIns="0" bIns="0" anchor="ctr">
             <a:noAutofit/>
           </a:bodyPr>
+          <a:lstStyle/>
           <a:p>
             <a:pPr indent="0" algn="ctr">
               <a:buNone/>
             </a:pPr>
-            <a:endParaRPr b="0" lang="pt-BR" sz="4400" spc="-1" strike="noStrike">
+            <a:endParaRPr lang="pt-BR" sz="4400" b="0" strike="noStrike" spc="-1">
               <a:solidFill>
                 <a:srgbClr val="000000"/>
               </a:solidFill>
@@ -1029,9 +1216,10 @@
           </a:ln>
         </p:spPr>
         <p:txBody>
-          <a:bodyPr lIns="0" rIns="0" tIns="0" bIns="0" anchor="t">
+          <a:bodyPr lIns="0" tIns="0" rIns="0" bIns="0" anchor="t">
             <a:normAutofit/>
           </a:bodyPr>
+          <a:lstStyle/>
           <a:p>
             <a:pPr indent="0">
               <a:spcBef>
@@ -1039,7 +1227,7 @@
               </a:spcBef>
               <a:buNone/>
             </a:pPr>
-            <a:endParaRPr b="0" lang="pt-BR" sz="3200" spc="-1" strike="noStrike">
+            <a:endParaRPr lang="pt-BR" sz="3200" b="0" strike="noStrike" spc="-1">
               <a:solidFill>
                 <a:srgbClr val="000000"/>
               </a:solidFill>
@@ -1072,9 +1260,10 @@
           </a:ln>
         </p:spPr>
         <p:txBody>
-          <a:bodyPr lIns="0" rIns="0" tIns="0" bIns="0" anchor="t">
+          <a:bodyPr lIns="0" tIns="0" rIns="0" bIns="0" anchor="t">
             <a:normAutofit/>
           </a:bodyPr>
+          <a:lstStyle/>
           <a:p>
             <a:pPr indent="0">
               <a:spcBef>
@@ -1082,7 +1271,7 @@
               </a:spcBef>
               <a:buNone/>
             </a:pPr>
-            <a:endParaRPr b="0" lang="pt-BR" sz="3200" spc="-1" strike="noStrike">
+            <a:endParaRPr lang="pt-BR" sz="3200" b="0" strike="noStrike" spc="-1">
               <a:solidFill>
                 <a:srgbClr val="000000"/>
               </a:solidFill>
@@ -1115,9 +1304,10 @@
           </a:ln>
         </p:spPr>
         <p:txBody>
-          <a:bodyPr lIns="0" rIns="0" tIns="0" bIns="0" anchor="t">
+          <a:bodyPr lIns="0" tIns="0" rIns="0" bIns="0" anchor="t">
             <a:normAutofit/>
           </a:bodyPr>
+          <a:lstStyle/>
           <a:p>
             <a:pPr indent="0">
               <a:spcBef>
@@ -1125,7 +1315,7 @@
               </a:spcBef>
               <a:buNone/>
             </a:pPr>
-            <a:endParaRPr b="0" lang="pt-BR" sz="3200" spc="-1" strike="noStrike">
+            <a:endParaRPr lang="pt-BR" sz="3200" b="0" strike="noStrike" spc="-1">
               <a:solidFill>
                 <a:srgbClr val="000000"/>
               </a:solidFill>
@@ -1158,9 +1348,10 @@
           </a:ln>
         </p:spPr>
         <p:txBody>
-          <a:bodyPr lIns="0" rIns="0" tIns="0" bIns="0" anchor="t">
+          <a:bodyPr lIns="0" tIns="0" rIns="0" bIns="0" anchor="t">
             <a:normAutofit/>
           </a:bodyPr>
+          <a:lstStyle/>
           <a:p>
             <a:pPr indent="0">
               <a:spcBef>
@@ -1168,7 +1359,7 @@
               </a:spcBef>
               <a:buNone/>
             </a:pPr>
-            <a:endParaRPr b="0" lang="pt-BR" sz="3200" spc="-1" strike="noStrike">
+            <a:endParaRPr lang="pt-BR" sz="3200" b="0" strike="noStrike" spc="-1">
               <a:solidFill>
                 <a:srgbClr val="000000"/>
               </a:solidFill>
@@ -1201,9 +1392,10 @@
           </a:ln>
         </p:spPr>
         <p:txBody>
-          <a:bodyPr lIns="0" rIns="0" tIns="0" bIns="0" anchor="t">
+          <a:bodyPr lIns="0" tIns="0" rIns="0" bIns="0" anchor="t">
             <a:normAutofit/>
           </a:bodyPr>
+          <a:lstStyle/>
           <a:p>
             <a:pPr indent="0">
               <a:spcBef>
@@ -1211,7 +1403,7 @@
               </a:spcBef>
               <a:buNone/>
             </a:pPr>
-            <a:endParaRPr b="0" lang="pt-BR" sz="3200" spc="-1" strike="noStrike">
+            <a:endParaRPr lang="pt-BR" sz="3200" b="0" strike="noStrike" spc="-1">
               <a:solidFill>
                 <a:srgbClr val="000000"/>
               </a:solidFill>
@@ -1244,9 +1436,10 @@
           </a:ln>
         </p:spPr>
         <p:txBody>
-          <a:bodyPr lIns="0" rIns="0" tIns="0" bIns="0" anchor="t">
+          <a:bodyPr lIns="0" tIns="0" rIns="0" bIns="0" anchor="t">
             <a:normAutofit/>
           </a:bodyPr>
+          <a:lstStyle/>
           <a:p>
             <a:pPr indent="0">
               <a:spcBef>
@@ -1254,7 +1447,7 @@
               </a:spcBef>
               <a:buNone/>
             </a:pPr>
-            <a:endParaRPr b="0" lang="pt-BR" sz="3200" spc="-1" strike="noStrike">
+            <a:endParaRPr lang="pt-BR" sz="3200" b="0" strike="noStrike" spc="-1">
               <a:solidFill>
                 <a:srgbClr val="000000"/>
               </a:solidFill>
@@ -1265,11 +1458,14 @@
       </p:sp>
     </p:spTree>
   </p:cSld>
+  <p:clrMapOvr>
+    <a:masterClrMapping/>
+  </p:clrMapOvr>
 </p:sldLayout>
 </file>
 
 <file path=ppt/slideLayouts/slideLayout13.xml><?xml version="1.0" encoding="utf-8"?>
-<p:sldLayout xmlns:a="http://schemas.openxmlformats.org/drawingml/2006/main" xmlns:p="http://schemas.openxmlformats.org/presentationml/2006/main" xmlns:r="http://schemas.openxmlformats.org/officeDocument/2006/relationships" xmlns:p14="http://schemas.microsoft.com/office/powerpoint/2010/main" xmlns:p15="http://schemas.microsoft.com/office/powerpoint/2012/main" xmlns:mc="http://schemas.openxmlformats.org/markup-compatibility/2006" type="blank" preserve="1">
+<p:sldLayout xmlns:a="http://schemas.openxmlformats.org/drawingml/2006/main" xmlns:r="http://schemas.openxmlformats.org/officeDocument/2006/relationships" xmlns:p="http://schemas.openxmlformats.org/presentationml/2006/main" type="blank" preserve="1">
   <p:cSld name="Blank Slide">
     <p:spTree>
       <p:nvGrpSpPr>
@@ -1298,6 +1494,7 @@
         <p:spPr/>
         <p:txBody>
           <a:bodyPr/>
+          <a:lstStyle/>
           <a:p>
             <a:r>
               <a:t>Footer</a:t>
@@ -1318,10 +1515,12 @@
         <p:spPr/>
         <p:txBody>
           <a:bodyPr/>
+          <a:lstStyle/>
           <a:p>
             <a:fld id="{604C6D8D-5A7A-4B67-B38C-35C3020CC10B}" type="slidenum">
-              <a:t>&lt;#&gt;</a:t>
+              <a:t>‹nº›</a:t>
             </a:fld>
+            <a:endParaRPr/>
           </a:p>
         </p:txBody>
       </p:sp>
@@ -1338,21 +1537,22 @@
         <p:spPr/>
         <p:txBody>
           <a:bodyPr/>
-          <a:p>
-            <a:r>
-              <a:rPr lang="pt-BR"/>
-              <a:t/>
-            </a:r>
+          <a:lstStyle/>
+          <a:p>
+            <a:endParaRPr/>
           </a:p>
         </p:txBody>
       </p:sp>
     </p:spTree>
   </p:cSld>
+  <p:clrMapOvr>
+    <a:masterClrMapping/>
+  </p:clrMapOvr>
 </p:sldLayout>
 </file>
 
 <file path=ppt/slideLayouts/slideLayout14.xml><?xml version="1.0" encoding="utf-8"?>
-<p:sldLayout xmlns:a="http://schemas.openxmlformats.org/drawingml/2006/main" xmlns:p="http://schemas.openxmlformats.org/presentationml/2006/main" xmlns:r="http://schemas.openxmlformats.org/officeDocument/2006/relationships" xmlns:p14="http://schemas.microsoft.com/office/powerpoint/2010/main" xmlns:p15="http://schemas.microsoft.com/office/powerpoint/2012/main" xmlns:mc="http://schemas.openxmlformats.org/markup-compatibility/2006" type="tx" preserve="1">
+<p:sldLayout xmlns:a="http://schemas.openxmlformats.org/drawingml/2006/main" xmlns:r="http://schemas.openxmlformats.org/officeDocument/2006/relationships" xmlns:p="http://schemas.openxmlformats.org/presentationml/2006/main" type="tx" preserve="1">
   <p:cSld name="Title Slide">
     <p:spTree>
       <p:nvGrpSpPr>
@@ -1392,14 +1592,15 @@
           </a:ln>
         </p:spPr>
         <p:txBody>
-          <a:bodyPr lIns="0" rIns="0" tIns="0" bIns="0" anchor="ctr">
+          <a:bodyPr lIns="0" tIns="0" rIns="0" bIns="0" anchor="ctr">
             <a:noAutofit/>
           </a:bodyPr>
+          <a:lstStyle/>
           <a:p>
             <a:pPr indent="0" algn="ctr">
               <a:buNone/>
             </a:pPr>
-            <a:endParaRPr b="0" lang="pt-BR" sz="4400" spc="-1" strike="noStrike">
+            <a:endParaRPr lang="pt-BR" sz="4400" b="0" strike="noStrike" spc="-1">
               <a:solidFill>
                 <a:srgbClr val="000000"/>
               </a:solidFill>
@@ -1432,14 +1633,15 @@
           </a:ln>
         </p:spPr>
         <p:txBody>
-          <a:bodyPr lIns="0" rIns="0" tIns="0" bIns="0" anchor="ctr">
+          <a:bodyPr lIns="0" tIns="0" rIns="0" bIns="0" anchor="ctr">
             <a:noAutofit/>
           </a:bodyPr>
+          <a:lstStyle/>
           <a:p>
             <a:pPr indent="0" algn="ctr">
               <a:buNone/>
             </a:pPr>
-            <a:endParaRPr b="0" lang="pt-BR" sz="3200" spc="-1" strike="noStrike">
+            <a:endParaRPr lang="pt-BR" sz="3200" b="0" strike="noStrike" spc="-1">
               <a:solidFill>
                 <a:srgbClr val="000000"/>
               </a:solidFill>
@@ -1461,6 +1663,7 @@
         <p:spPr/>
         <p:txBody>
           <a:bodyPr/>
+          <a:lstStyle/>
           <a:p>
             <a:r>
               <a:t>Footer</a:t>
@@ -1481,10 +1684,12 @@
         <p:spPr/>
         <p:txBody>
           <a:bodyPr/>
+          <a:lstStyle/>
           <a:p>
             <a:fld id="{404F09D7-EE02-4D49-B9F4-4F6ECEB40384}" type="slidenum">
-              <a:t>&lt;#&gt;</a:t>
+              <a:t>‹nº›</a:t>
             </a:fld>
+            <a:endParaRPr/>
           </a:p>
         </p:txBody>
       </p:sp>
@@ -1501,21 +1706,22 @@
         <p:spPr/>
         <p:txBody>
           <a:bodyPr/>
-          <a:p>
-            <a:r>
-              <a:rPr lang="pt-BR"/>
-              <a:t/>
-            </a:r>
+          <a:lstStyle/>
+          <a:p>
+            <a:endParaRPr/>
           </a:p>
         </p:txBody>
       </p:sp>
     </p:spTree>
   </p:cSld>
+  <p:clrMapOvr>
+    <a:masterClrMapping/>
+  </p:clrMapOvr>
 </p:sldLayout>
 </file>
 
 <file path=ppt/slideLayouts/slideLayout15.xml><?xml version="1.0" encoding="utf-8"?>
-<p:sldLayout xmlns:a="http://schemas.openxmlformats.org/drawingml/2006/main" xmlns:p="http://schemas.openxmlformats.org/presentationml/2006/main" xmlns:r="http://schemas.openxmlformats.org/officeDocument/2006/relationships" xmlns:p14="http://schemas.microsoft.com/office/powerpoint/2010/main" xmlns:p15="http://schemas.microsoft.com/office/powerpoint/2012/main" xmlns:mc="http://schemas.openxmlformats.org/markup-compatibility/2006" type="obj" preserve="1">
+<p:sldLayout xmlns:a="http://schemas.openxmlformats.org/drawingml/2006/main" xmlns:r="http://schemas.openxmlformats.org/officeDocument/2006/relationships" xmlns:p="http://schemas.openxmlformats.org/presentationml/2006/main" type="obj" preserve="1">
   <p:cSld name="Title, Content">
     <p:spTree>
       <p:nvGrpSpPr>
@@ -1555,14 +1761,15 @@
           </a:ln>
         </p:spPr>
         <p:txBody>
-          <a:bodyPr lIns="0" rIns="0" tIns="0" bIns="0" anchor="ctr">
+          <a:bodyPr lIns="0" tIns="0" rIns="0" bIns="0" anchor="ctr">
             <a:noAutofit/>
           </a:bodyPr>
+          <a:lstStyle/>
           <a:p>
             <a:pPr indent="0" algn="ctr">
               <a:buNone/>
             </a:pPr>
-            <a:endParaRPr b="0" lang="pt-BR" sz="4400" spc="-1" strike="noStrike">
+            <a:endParaRPr lang="pt-BR" sz="4400" b="0" strike="noStrike" spc="-1">
               <a:solidFill>
                 <a:srgbClr val="000000"/>
               </a:solidFill>
@@ -1595,9 +1802,10 @@
           </a:ln>
         </p:spPr>
         <p:txBody>
-          <a:bodyPr lIns="0" rIns="0" tIns="0" bIns="0" anchor="t">
+          <a:bodyPr lIns="0" tIns="0" rIns="0" bIns="0" anchor="t">
             <a:normAutofit/>
           </a:bodyPr>
+          <a:lstStyle/>
           <a:p>
             <a:pPr indent="0">
               <a:spcBef>
@@ -1605,7 +1813,7 @@
               </a:spcBef>
               <a:buNone/>
             </a:pPr>
-            <a:endParaRPr b="0" lang="pt-BR" sz="3200" spc="-1" strike="noStrike">
+            <a:endParaRPr lang="pt-BR" sz="3200" b="0" strike="noStrike" spc="-1">
               <a:solidFill>
                 <a:srgbClr val="000000"/>
               </a:solidFill>
@@ -1627,6 +1835,7 @@
         <p:spPr/>
         <p:txBody>
           <a:bodyPr/>
+          <a:lstStyle/>
           <a:p>
             <a:r>
               <a:t>Footer</a:t>
@@ -1647,10 +1856,12 @@
         <p:spPr/>
         <p:txBody>
           <a:bodyPr/>
+          <a:lstStyle/>
           <a:p>
             <a:fld id="{72730850-12B9-4BD5-AA9E-7BED11C45E71}" type="slidenum">
-              <a:t>&lt;#&gt;</a:t>
+              <a:t>‹nº›</a:t>
             </a:fld>
+            <a:endParaRPr/>
           </a:p>
         </p:txBody>
       </p:sp>
@@ -1667,21 +1878,22 @@
         <p:spPr/>
         <p:txBody>
           <a:bodyPr/>
-          <a:p>
-            <a:r>
-              <a:rPr lang="pt-BR"/>
-              <a:t/>
-            </a:r>
+          <a:lstStyle/>
+          <a:p>
+            <a:endParaRPr/>
           </a:p>
         </p:txBody>
       </p:sp>
     </p:spTree>
   </p:cSld>
+  <p:clrMapOvr>
+    <a:masterClrMapping/>
+  </p:clrMapOvr>
 </p:sldLayout>
 </file>
 
 <file path=ppt/slideLayouts/slideLayout16.xml><?xml version="1.0" encoding="utf-8"?>
-<p:sldLayout xmlns:a="http://schemas.openxmlformats.org/drawingml/2006/main" xmlns:p="http://schemas.openxmlformats.org/presentationml/2006/main" xmlns:r="http://schemas.openxmlformats.org/officeDocument/2006/relationships" xmlns:p14="http://schemas.microsoft.com/office/powerpoint/2010/main" xmlns:p15="http://schemas.microsoft.com/office/powerpoint/2012/main" xmlns:mc="http://schemas.openxmlformats.org/markup-compatibility/2006" type="twoObj" preserve="1">
+<p:sldLayout xmlns:a="http://schemas.openxmlformats.org/drawingml/2006/main" xmlns:r="http://schemas.openxmlformats.org/officeDocument/2006/relationships" xmlns:p="http://schemas.openxmlformats.org/presentationml/2006/main" type="twoObj" preserve="1">
   <p:cSld name="Title, 2 Content">
     <p:spTree>
       <p:nvGrpSpPr>
@@ -1721,14 +1933,15 @@
           </a:ln>
         </p:spPr>
         <p:txBody>
-          <a:bodyPr lIns="0" rIns="0" tIns="0" bIns="0" anchor="ctr">
+          <a:bodyPr lIns="0" tIns="0" rIns="0" bIns="0" anchor="ctr">
             <a:noAutofit/>
           </a:bodyPr>
+          <a:lstStyle/>
           <a:p>
             <a:pPr indent="0" algn="ctr">
               <a:buNone/>
             </a:pPr>
-            <a:endParaRPr b="0" lang="pt-BR" sz="4400" spc="-1" strike="noStrike">
+            <a:endParaRPr lang="pt-BR" sz="4400" b="0" strike="noStrike" spc="-1">
               <a:solidFill>
                 <a:srgbClr val="000000"/>
               </a:solidFill>
@@ -1761,9 +1974,10 @@
           </a:ln>
         </p:spPr>
         <p:txBody>
-          <a:bodyPr lIns="0" rIns="0" tIns="0" bIns="0" anchor="t">
+          <a:bodyPr lIns="0" tIns="0" rIns="0" bIns="0" anchor="t">
             <a:normAutofit/>
           </a:bodyPr>
+          <a:lstStyle/>
           <a:p>
             <a:pPr indent="0">
               <a:spcBef>
@@ -1771,7 +1985,7 @@
               </a:spcBef>
               <a:buNone/>
             </a:pPr>
-            <a:endParaRPr b="0" lang="pt-BR" sz="3200" spc="-1" strike="noStrike">
+            <a:endParaRPr lang="pt-BR" sz="3200" b="0" strike="noStrike" spc="-1">
               <a:solidFill>
                 <a:srgbClr val="000000"/>
               </a:solidFill>
@@ -1804,9 +2018,10 @@
           </a:ln>
         </p:spPr>
         <p:txBody>
-          <a:bodyPr lIns="0" rIns="0" tIns="0" bIns="0" anchor="t">
+          <a:bodyPr lIns="0" tIns="0" rIns="0" bIns="0" anchor="t">
             <a:normAutofit/>
           </a:bodyPr>
+          <a:lstStyle/>
           <a:p>
             <a:pPr indent="0">
               <a:spcBef>
@@ -1814,7 +2029,7 @@
               </a:spcBef>
               <a:buNone/>
             </a:pPr>
-            <a:endParaRPr b="0" lang="pt-BR" sz="3200" spc="-1" strike="noStrike">
+            <a:endParaRPr lang="pt-BR" sz="3200" b="0" strike="noStrike" spc="-1">
               <a:solidFill>
                 <a:srgbClr val="000000"/>
               </a:solidFill>
@@ -1836,6 +2051,7 @@
         <p:spPr/>
         <p:txBody>
           <a:bodyPr/>
+          <a:lstStyle/>
           <a:p>
             <a:r>
               <a:t>Footer</a:t>
@@ -1856,10 +2072,12 @@
         <p:spPr/>
         <p:txBody>
           <a:bodyPr/>
+          <a:lstStyle/>
           <a:p>
             <a:fld id="{FEA2D16F-7DD0-4DBF-91A4-CD477725FAB9}" type="slidenum">
-              <a:t>&lt;#&gt;</a:t>
+              <a:t>‹nº›</a:t>
             </a:fld>
+            <a:endParaRPr/>
           </a:p>
         </p:txBody>
       </p:sp>
@@ -1876,21 +2094,22 @@
         <p:spPr/>
         <p:txBody>
           <a:bodyPr/>
-          <a:p>
-            <a:r>
-              <a:rPr lang="pt-BR"/>
-              <a:t/>
-            </a:r>
+          <a:lstStyle/>
+          <a:p>
+            <a:endParaRPr/>
           </a:p>
         </p:txBody>
       </p:sp>
     </p:spTree>
   </p:cSld>
+  <p:clrMapOvr>
+    <a:masterClrMapping/>
+  </p:clrMapOvr>
 </p:sldLayout>
 </file>
 
 <file path=ppt/slideLayouts/slideLayout17.xml><?xml version="1.0" encoding="utf-8"?>
-<p:sldLayout xmlns:a="http://schemas.openxmlformats.org/drawingml/2006/main" xmlns:p="http://schemas.openxmlformats.org/presentationml/2006/main" xmlns:r="http://schemas.openxmlformats.org/officeDocument/2006/relationships" xmlns:p14="http://schemas.microsoft.com/office/powerpoint/2010/main" xmlns:p15="http://schemas.microsoft.com/office/powerpoint/2012/main" xmlns:mc="http://schemas.openxmlformats.org/markup-compatibility/2006" type="titleOnly" preserve="1">
+<p:sldLayout xmlns:a="http://schemas.openxmlformats.org/drawingml/2006/main" xmlns:r="http://schemas.openxmlformats.org/officeDocument/2006/relationships" xmlns:p="http://schemas.openxmlformats.org/presentationml/2006/main" type="titleOnly" preserve="1">
   <p:cSld name="Title Only">
     <p:spTree>
       <p:nvGrpSpPr>
@@ -1930,14 +2149,15 @@
           </a:ln>
         </p:spPr>
         <p:txBody>
-          <a:bodyPr lIns="0" rIns="0" tIns="0" bIns="0" anchor="ctr">
+          <a:bodyPr lIns="0" tIns="0" rIns="0" bIns="0" anchor="ctr">
             <a:noAutofit/>
           </a:bodyPr>
+          <a:lstStyle/>
           <a:p>
             <a:pPr indent="0" algn="ctr">
               <a:buNone/>
             </a:pPr>
-            <a:endParaRPr b="0" lang="pt-BR" sz="4400" spc="-1" strike="noStrike">
+            <a:endParaRPr lang="pt-BR" sz="4400" b="0" strike="noStrike" spc="-1">
               <a:solidFill>
                 <a:srgbClr val="000000"/>
               </a:solidFill>
@@ -1959,6 +2179,7 @@
         <p:spPr/>
         <p:txBody>
           <a:bodyPr/>
+          <a:lstStyle/>
           <a:p>
             <a:r>
               <a:t>Footer</a:t>
@@ -1979,10 +2200,12 @@
         <p:spPr/>
         <p:txBody>
           <a:bodyPr/>
+          <a:lstStyle/>
           <a:p>
             <a:fld id="{6152653E-D7E2-4481-884D-2B396AC176D8}" type="slidenum">
-              <a:t>&lt;#&gt;</a:t>
+              <a:t>‹nº›</a:t>
             </a:fld>
+            <a:endParaRPr/>
           </a:p>
         </p:txBody>
       </p:sp>
@@ -1999,21 +2222,22 @@
         <p:spPr/>
         <p:txBody>
           <a:bodyPr/>
-          <a:p>
-            <a:r>
-              <a:rPr lang="pt-BR"/>
-              <a:t/>
-            </a:r>
+          <a:lstStyle/>
+          <a:p>
+            <a:endParaRPr/>
           </a:p>
         </p:txBody>
       </p:sp>
     </p:spTree>
   </p:cSld>
+  <p:clrMapOvr>
+    <a:masterClrMapping/>
+  </p:clrMapOvr>
 </p:sldLayout>
 </file>
 
 <file path=ppt/slideLayouts/slideLayout18.xml><?xml version="1.0" encoding="utf-8"?>
-<p:sldLayout xmlns:a="http://schemas.openxmlformats.org/drawingml/2006/main" xmlns:p="http://schemas.openxmlformats.org/presentationml/2006/main" xmlns:r="http://schemas.openxmlformats.org/officeDocument/2006/relationships" xmlns:p14="http://schemas.microsoft.com/office/powerpoint/2010/main" xmlns:p15="http://schemas.microsoft.com/office/powerpoint/2012/main" xmlns:mc="http://schemas.openxmlformats.org/markup-compatibility/2006" type="objOnly" preserve="1">
+<p:sldLayout xmlns:a="http://schemas.openxmlformats.org/drawingml/2006/main" xmlns:r="http://schemas.openxmlformats.org/officeDocument/2006/relationships" xmlns:p="http://schemas.openxmlformats.org/presentationml/2006/main" type="objOnly" preserve="1">
   <p:cSld name="Centered Text">
     <p:spTree>
       <p:nvGrpSpPr>
@@ -2053,12 +2277,13 @@
           </a:ln>
         </p:spPr>
         <p:txBody>
-          <a:bodyPr lIns="0" rIns="0" tIns="0" bIns="0" anchor="ctr">
+          <a:bodyPr lIns="0" tIns="0" rIns="0" bIns="0" anchor="ctr">
             <a:noAutofit/>
           </a:bodyPr>
+          <a:lstStyle/>
           <a:p>
             <a:pPr algn="ctr"/>
-            <a:endParaRPr b="0" lang="pt-BR" sz="3200" spc="-1" strike="noStrike">
+            <a:endParaRPr lang="pt-BR" sz="3200" b="0" strike="noStrike" spc="-1">
               <a:solidFill>
                 <a:srgbClr val="000000"/>
               </a:solidFill>
@@ -2080,6 +2305,7 @@
         <p:spPr/>
         <p:txBody>
           <a:bodyPr/>
+          <a:lstStyle/>
           <a:p>
             <a:r>
               <a:t>Footer</a:t>
@@ -2100,10 +2326,12 @@
         <p:spPr/>
         <p:txBody>
           <a:bodyPr/>
+          <a:lstStyle/>
           <a:p>
             <a:fld id="{40CD2D2D-7263-41F5-9E4F-5F160DCC7C45}" type="slidenum">
-              <a:t>&lt;#&gt;</a:t>
+              <a:t>‹nº›</a:t>
             </a:fld>
+            <a:endParaRPr/>
           </a:p>
         </p:txBody>
       </p:sp>
@@ -2120,21 +2348,22 @@
         <p:spPr/>
         <p:txBody>
           <a:bodyPr/>
-          <a:p>
-            <a:r>
-              <a:rPr lang="pt-BR"/>
-              <a:t/>
-            </a:r>
+          <a:lstStyle/>
+          <a:p>
+            <a:endParaRPr/>
           </a:p>
         </p:txBody>
       </p:sp>
     </p:spTree>
   </p:cSld>
+  <p:clrMapOvr>
+    <a:masterClrMapping/>
+  </p:clrMapOvr>
 </p:sldLayout>
 </file>
 
 <file path=ppt/slideLayouts/slideLayout19.xml><?xml version="1.0" encoding="utf-8"?>
-<p:sldLayout xmlns:a="http://schemas.openxmlformats.org/drawingml/2006/main" xmlns:p="http://schemas.openxmlformats.org/presentationml/2006/main" xmlns:r="http://schemas.openxmlformats.org/officeDocument/2006/relationships" xmlns:p14="http://schemas.microsoft.com/office/powerpoint/2010/main" xmlns:p15="http://schemas.microsoft.com/office/powerpoint/2012/main" xmlns:mc="http://schemas.openxmlformats.org/markup-compatibility/2006" type="twoObjAndObj" preserve="1">
+<p:sldLayout xmlns:a="http://schemas.openxmlformats.org/drawingml/2006/main" xmlns:r="http://schemas.openxmlformats.org/officeDocument/2006/relationships" xmlns:p="http://schemas.openxmlformats.org/presentationml/2006/main" type="twoObjAndObj" preserve="1">
   <p:cSld name="Title, 2 Content and Content">
     <p:spTree>
       <p:nvGrpSpPr>
@@ -2174,14 +2403,15 @@
           </a:ln>
         </p:spPr>
         <p:txBody>
-          <a:bodyPr lIns="0" rIns="0" tIns="0" bIns="0" anchor="ctr">
+          <a:bodyPr lIns="0" tIns="0" rIns="0" bIns="0" anchor="ctr">
             <a:noAutofit/>
           </a:bodyPr>
+          <a:lstStyle/>
           <a:p>
             <a:pPr indent="0" algn="ctr">
               <a:buNone/>
             </a:pPr>
-            <a:endParaRPr b="0" lang="pt-BR" sz="4400" spc="-1" strike="noStrike">
+            <a:endParaRPr lang="pt-BR" sz="4400" b="0" strike="noStrike" spc="-1">
               <a:solidFill>
                 <a:srgbClr val="000000"/>
               </a:solidFill>
@@ -2214,9 +2444,10 @@
           </a:ln>
         </p:spPr>
         <p:txBody>
-          <a:bodyPr lIns="0" rIns="0" tIns="0" bIns="0" anchor="t">
+          <a:bodyPr lIns="0" tIns="0" rIns="0" bIns="0" anchor="t">
             <a:normAutofit/>
           </a:bodyPr>
+          <a:lstStyle/>
           <a:p>
             <a:pPr indent="0">
               <a:spcBef>
@@ -2224,7 +2455,7 @@
               </a:spcBef>
               <a:buNone/>
             </a:pPr>
-            <a:endParaRPr b="0" lang="pt-BR" sz="3200" spc="-1" strike="noStrike">
+            <a:endParaRPr lang="pt-BR" sz="3200" b="0" strike="noStrike" spc="-1">
               <a:solidFill>
                 <a:srgbClr val="000000"/>
               </a:solidFill>
@@ -2257,9 +2488,10 @@
           </a:ln>
         </p:spPr>
         <p:txBody>
-          <a:bodyPr lIns="0" rIns="0" tIns="0" bIns="0" anchor="t">
+          <a:bodyPr lIns="0" tIns="0" rIns="0" bIns="0" anchor="t">
             <a:normAutofit/>
           </a:bodyPr>
+          <a:lstStyle/>
           <a:p>
             <a:pPr indent="0">
               <a:spcBef>
@@ -2267,7 +2499,7 @@
               </a:spcBef>
               <a:buNone/>
             </a:pPr>
-            <a:endParaRPr b="0" lang="pt-BR" sz="3200" spc="-1" strike="noStrike">
+            <a:endParaRPr lang="pt-BR" sz="3200" b="0" strike="noStrike" spc="-1">
               <a:solidFill>
                 <a:srgbClr val="000000"/>
               </a:solidFill>
@@ -2300,9 +2532,10 @@
           </a:ln>
         </p:spPr>
         <p:txBody>
-          <a:bodyPr lIns="0" rIns="0" tIns="0" bIns="0" anchor="t">
+          <a:bodyPr lIns="0" tIns="0" rIns="0" bIns="0" anchor="t">
             <a:normAutofit/>
           </a:bodyPr>
+          <a:lstStyle/>
           <a:p>
             <a:pPr indent="0">
               <a:spcBef>
@@ -2310,7 +2543,7 @@
               </a:spcBef>
               <a:buNone/>
             </a:pPr>
-            <a:endParaRPr b="0" lang="pt-BR" sz="3200" spc="-1" strike="noStrike">
+            <a:endParaRPr lang="pt-BR" sz="3200" b="0" strike="noStrike" spc="-1">
               <a:solidFill>
                 <a:srgbClr val="000000"/>
               </a:solidFill>
@@ -2332,6 +2565,7 @@
         <p:spPr/>
         <p:txBody>
           <a:bodyPr/>
+          <a:lstStyle/>
           <a:p>
             <a:r>
               <a:t>Footer</a:t>
@@ -2352,10 +2586,12 @@
         <p:spPr/>
         <p:txBody>
           <a:bodyPr/>
+          <a:lstStyle/>
           <a:p>
             <a:fld id="{06B994F2-7B13-4302-BE2A-A98DB714DCEC}" type="slidenum">
-              <a:t>&lt;#&gt;</a:t>
+              <a:t>‹nº›</a:t>
             </a:fld>
+            <a:endParaRPr/>
           </a:p>
         </p:txBody>
       </p:sp>
@@ -2372,21 +2608,22 @@
         <p:spPr/>
         <p:txBody>
           <a:bodyPr/>
-          <a:p>
-            <a:r>
-              <a:rPr lang="pt-BR"/>
-              <a:t/>
-            </a:r>
+          <a:lstStyle/>
+          <a:p>
+            <a:endParaRPr/>
           </a:p>
         </p:txBody>
       </p:sp>
     </p:spTree>
   </p:cSld>
+  <p:clrMapOvr>
+    <a:masterClrMapping/>
+  </p:clrMapOvr>
 </p:sldLayout>
 </file>
 
 <file path=ppt/slideLayouts/slideLayout2.xml><?xml version="1.0" encoding="utf-8"?>
-<p:sldLayout xmlns:a="http://schemas.openxmlformats.org/drawingml/2006/main" xmlns:p="http://schemas.openxmlformats.org/presentationml/2006/main" xmlns:r="http://schemas.openxmlformats.org/officeDocument/2006/relationships" xmlns:p14="http://schemas.microsoft.com/office/powerpoint/2010/main" xmlns:p15="http://schemas.microsoft.com/office/powerpoint/2012/main" xmlns:mc="http://schemas.openxmlformats.org/markup-compatibility/2006" type="tx" preserve="1">
+<p:sldLayout xmlns:a="http://schemas.openxmlformats.org/drawingml/2006/main" xmlns:r="http://schemas.openxmlformats.org/officeDocument/2006/relationships" xmlns:p="http://schemas.openxmlformats.org/presentationml/2006/main" type="tx" preserve="1">
   <p:cSld name="Title Slide">
     <p:spTree>
       <p:nvGrpSpPr>
@@ -2426,14 +2663,15 @@
           </a:ln>
         </p:spPr>
         <p:txBody>
-          <a:bodyPr lIns="0" rIns="0" tIns="0" bIns="0" anchor="ctr">
+          <a:bodyPr lIns="0" tIns="0" rIns="0" bIns="0" anchor="ctr">
             <a:noAutofit/>
           </a:bodyPr>
+          <a:lstStyle/>
           <a:p>
             <a:pPr indent="0" algn="ctr">
               <a:buNone/>
             </a:pPr>
-            <a:endParaRPr b="0" lang="pt-BR" sz="4400" spc="-1" strike="noStrike">
+            <a:endParaRPr lang="pt-BR" sz="4400" b="0" strike="noStrike" spc="-1">
               <a:solidFill>
                 <a:srgbClr val="000000"/>
               </a:solidFill>
@@ -2466,14 +2704,15 @@
           </a:ln>
         </p:spPr>
         <p:txBody>
-          <a:bodyPr lIns="0" rIns="0" tIns="0" bIns="0" anchor="ctr">
+          <a:bodyPr lIns="0" tIns="0" rIns="0" bIns="0" anchor="ctr">
             <a:noAutofit/>
           </a:bodyPr>
+          <a:lstStyle/>
           <a:p>
             <a:pPr indent="0" algn="ctr">
               <a:buNone/>
             </a:pPr>
-            <a:endParaRPr b="0" lang="pt-BR" sz="3200" spc="-1" strike="noStrike">
+            <a:endParaRPr lang="pt-BR" sz="3200" b="0" strike="noStrike" spc="-1">
               <a:solidFill>
                 <a:srgbClr val="000000"/>
               </a:solidFill>
@@ -2484,11 +2723,14 @@
       </p:sp>
     </p:spTree>
   </p:cSld>
+  <p:clrMapOvr>
+    <a:masterClrMapping/>
+  </p:clrMapOvr>
 </p:sldLayout>
 </file>
 
 <file path=ppt/slideLayouts/slideLayout20.xml><?xml version="1.0" encoding="utf-8"?>
-<p:sldLayout xmlns:a="http://schemas.openxmlformats.org/drawingml/2006/main" xmlns:p="http://schemas.openxmlformats.org/presentationml/2006/main" xmlns:r="http://schemas.openxmlformats.org/officeDocument/2006/relationships" xmlns:p14="http://schemas.microsoft.com/office/powerpoint/2010/main" xmlns:p15="http://schemas.microsoft.com/office/powerpoint/2012/main" xmlns:mc="http://schemas.openxmlformats.org/markup-compatibility/2006" type="objAndTwoObj" preserve="1">
+<p:sldLayout xmlns:a="http://schemas.openxmlformats.org/drawingml/2006/main" xmlns:r="http://schemas.openxmlformats.org/officeDocument/2006/relationships" xmlns:p="http://schemas.openxmlformats.org/presentationml/2006/main" type="objAndTwoObj" preserve="1">
   <p:cSld name="Title Content and 2 Content">
     <p:spTree>
       <p:nvGrpSpPr>
@@ -2528,14 +2770,15 @@
           </a:ln>
         </p:spPr>
         <p:txBody>
-          <a:bodyPr lIns="0" rIns="0" tIns="0" bIns="0" anchor="ctr">
+          <a:bodyPr lIns="0" tIns="0" rIns="0" bIns="0" anchor="ctr">
             <a:noAutofit/>
           </a:bodyPr>
+          <a:lstStyle/>
           <a:p>
             <a:pPr indent="0" algn="ctr">
               <a:buNone/>
             </a:pPr>
-            <a:endParaRPr b="0" lang="pt-BR" sz="4400" spc="-1" strike="noStrike">
+            <a:endParaRPr lang="pt-BR" sz="4400" b="0" strike="noStrike" spc="-1">
               <a:solidFill>
                 <a:srgbClr val="000000"/>
               </a:solidFill>
@@ -2568,9 +2811,10 @@
           </a:ln>
         </p:spPr>
         <p:txBody>
-          <a:bodyPr lIns="0" rIns="0" tIns="0" bIns="0" anchor="t">
+          <a:bodyPr lIns="0" tIns="0" rIns="0" bIns="0" anchor="t">
             <a:normAutofit/>
           </a:bodyPr>
+          <a:lstStyle/>
           <a:p>
             <a:pPr indent="0">
               <a:spcBef>
@@ -2578,7 +2822,7 @@
               </a:spcBef>
               <a:buNone/>
             </a:pPr>
-            <a:endParaRPr b="0" lang="pt-BR" sz="3200" spc="-1" strike="noStrike">
+            <a:endParaRPr lang="pt-BR" sz="3200" b="0" strike="noStrike" spc="-1">
               <a:solidFill>
                 <a:srgbClr val="000000"/>
               </a:solidFill>
@@ -2611,9 +2855,10 @@
           </a:ln>
         </p:spPr>
         <p:txBody>
-          <a:bodyPr lIns="0" rIns="0" tIns="0" bIns="0" anchor="t">
+          <a:bodyPr lIns="0" tIns="0" rIns="0" bIns="0" anchor="t">
             <a:normAutofit/>
           </a:bodyPr>
+          <a:lstStyle/>
           <a:p>
             <a:pPr indent="0">
               <a:spcBef>
@@ -2621,7 +2866,7 @@
               </a:spcBef>
               <a:buNone/>
             </a:pPr>
-            <a:endParaRPr b="0" lang="pt-BR" sz="3200" spc="-1" strike="noStrike">
+            <a:endParaRPr lang="pt-BR" sz="3200" b="0" strike="noStrike" spc="-1">
               <a:solidFill>
                 <a:srgbClr val="000000"/>
               </a:solidFill>
@@ -2654,9 +2899,10 @@
           </a:ln>
         </p:spPr>
         <p:txBody>
-          <a:bodyPr lIns="0" rIns="0" tIns="0" bIns="0" anchor="t">
+          <a:bodyPr lIns="0" tIns="0" rIns="0" bIns="0" anchor="t">
             <a:normAutofit/>
           </a:bodyPr>
+          <a:lstStyle/>
           <a:p>
             <a:pPr indent="0">
               <a:spcBef>
@@ -2664,7 +2910,7 @@
               </a:spcBef>
               <a:buNone/>
             </a:pPr>
-            <a:endParaRPr b="0" lang="pt-BR" sz="3200" spc="-1" strike="noStrike">
+            <a:endParaRPr lang="pt-BR" sz="3200" b="0" strike="noStrike" spc="-1">
               <a:solidFill>
                 <a:srgbClr val="000000"/>
               </a:solidFill>
@@ -2686,6 +2932,7 @@
         <p:spPr/>
         <p:txBody>
           <a:bodyPr/>
+          <a:lstStyle/>
           <a:p>
             <a:r>
               <a:t>Footer</a:t>
@@ -2706,10 +2953,12 @@
         <p:spPr/>
         <p:txBody>
           <a:bodyPr/>
+          <a:lstStyle/>
           <a:p>
             <a:fld id="{D7B81EE9-C68A-4817-A8B5-70A348071D84}" type="slidenum">
-              <a:t>&lt;#&gt;</a:t>
+              <a:t>‹nº›</a:t>
             </a:fld>
+            <a:endParaRPr/>
           </a:p>
         </p:txBody>
       </p:sp>
@@ -2726,21 +2975,22 @@
         <p:spPr/>
         <p:txBody>
           <a:bodyPr/>
-          <a:p>
-            <a:r>
-              <a:rPr lang="pt-BR"/>
-              <a:t/>
-            </a:r>
+          <a:lstStyle/>
+          <a:p>
+            <a:endParaRPr/>
           </a:p>
         </p:txBody>
       </p:sp>
     </p:spTree>
   </p:cSld>
+  <p:clrMapOvr>
+    <a:masterClrMapping/>
+  </p:clrMapOvr>
 </p:sldLayout>
 </file>
 
 <file path=ppt/slideLayouts/slideLayout21.xml><?xml version="1.0" encoding="utf-8"?>
-<p:sldLayout xmlns:a="http://schemas.openxmlformats.org/drawingml/2006/main" xmlns:p="http://schemas.openxmlformats.org/presentationml/2006/main" xmlns:r="http://schemas.openxmlformats.org/officeDocument/2006/relationships" xmlns:p14="http://schemas.microsoft.com/office/powerpoint/2010/main" xmlns:p15="http://schemas.microsoft.com/office/powerpoint/2012/main" xmlns:mc="http://schemas.openxmlformats.org/markup-compatibility/2006" type="twoObjOverTx" preserve="1">
+<p:sldLayout xmlns:a="http://schemas.openxmlformats.org/drawingml/2006/main" xmlns:r="http://schemas.openxmlformats.org/officeDocument/2006/relationships" xmlns:p="http://schemas.openxmlformats.org/presentationml/2006/main" type="twoObjOverTx" preserve="1">
   <p:cSld name="Title, 2 Content over Content">
     <p:spTree>
       <p:nvGrpSpPr>
@@ -2780,14 +3030,15 @@
           </a:ln>
         </p:spPr>
         <p:txBody>
-          <a:bodyPr lIns="0" rIns="0" tIns="0" bIns="0" anchor="ctr">
+          <a:bodyPr lIns="0" tIns="0" rIns="0" bIns="0" anchor="ctr">
             <a:noAutofit/>
           </a:bodyPr>
+          <a:lstStyle/>
           <a:p>
             <a:pPr indent="0" algn="ctr">
               <a:buNone/>
             </a:pPr>
-            <a:endParaRPr b="0" lang="pt-BR" sz="4400" spc="-1" strike="noStrike">
+            <a:endParaRPr lang="pt-BR" sz="4400" b="0" strike="noStrike" spc="-1">
               <a:solidFill>
                 <a:srgbClr val="000000"/>
               </a:solidFill>
@@ -2820,9 +3071,10 @@
           </a:ln>
         </p:spPr>
         <p:txBody>
-          <a:bodyPr lIns="0" rIns="0" tIns="0" bIns="0" anchor="t">
+          <a:bodyPr lIns="0" tIns="0" rIns="0" bIns="0" anchor="t">
             <a:normAutofit/>
           </a:bodyPr>
+          <a:lstStyle/>
           <a:p>
             <a:pPr indent="0">
               <a:spcBef>
@@ -2830,7 +3082,7 @@
               </a:spcBef>
               <a:buNone/>
             </a:pPr>
-            <a:endParaRPr b="0" lang="pt-BR" sz="3200" spc="-1" strike="noStrike">
+            <a:endParaRPr lang="pt-BR" sz="3200" b="0" strike="noStrike" spc="-1">
               <a:solidFill>
                 <a:srgbClr val="000000"/>
               </a:solidFill>
@@ -2863,9 +3115,10 @@
           </a:ln>
         </p:spPr>
         <p:txBody>
-          <a:bodyPr lIns="0" rIns="0" tIns="0" bIns="0" anchor="t">
+          <a:bodyPr lIns="0" tIns="0" rIns="0" bIns="0" anchor="t">
             <a:normAutofit/>
           </a:bodyPr>
+          <a:lstStyle/>
           <a:p>
             <a:pPr indent="0">
               <a:spcBef>
@@ -2873,7 +3126,7 @@
               </a:spcBef>
               <a:buNone/>
             </a:pPr>
-            <a:endParaRPr b="0" lang="pt-BR" sz="3200" spc="-1" strike="noStrike">
+            <a:endParaRPr lang="pt-BR" sz="3200" b="0" strike="noStrike" spc="-1">
               <a:solidFill>
                 <a:srgbClr val="000000"/>
               </a:solidFill>
@@ -2906,9 +3159,10 @@
           </a:ln>
         </p:spPr>
         <p:txBody>
-          <a:bodyPr lIns="0" rIns="0" tIns="0" bIns="0" anchor="t">
+          <a:bodyPr lIns="0" tIns="0" rIns="0" bIns="0" anchor="t">
             <a:normAutofit/>
           </a:bodyPr>
+          <a:lstStyle/>
           <a:p>
             <a:pPr indent="0">
               <a:spcBef>
@@ -2916,7 +3170,7 @@
               </a:spcBef>
               <a:buNone/>
             </a:pPr>
-            <a:endParaRPr b="0" lang="pt-BR" sz="3200" spc="-1" strike="noStrike">
+            <a:endParaRPr lang="pt-BR" sz="3200" b="0" strike="noStrike" spc="-1">
               <a:solidFill>
                 <a:srgbClr val="000000"/>
               </a:solidFill>
@@ -2938,6 +3192,7 @@
         <p:spPr/>
         <p:txBody>
           <a:bodyPr/>
+          <a:lstStyle/>
           <a:p>
             <a:r>
               <a:t>Footer</a:t>
@@ -2958,10 +3213,12 @@
         <p:spPr/>
         <p:txBody>
           <a:bodyPr/>
+          <a:lstStyle/>
           <a:p>
             <a:fld id="{3C32A336-9651-40DC-88F5-4CA3D5EE445D}" type="slidenum">
-              <a:t>&lt;#&gt;</a:t>
+              <a:t>‹nº›</a:t>
             </a:fld>
+            <a:endParaRPr/>
           </a:p>
         </p:txBody>
       </p:sp>
@@ -2978,21 +3235,22 @@
         <p:spPr/>
         <p:txBody>
           <a:bodyPr/>
-          <a:p>
-            <a:r>
-              <a:rPr lang="pt-BR"/>
-              <a:t/>
-            </a:r>
+          <a:lstStyle/>
+          <a:p>
+            <a:endParaRPr/>
           </a:p>
         </p:txBody>
       </p:sp>
     </p:spTree>
   </p:cSld>
+  <p:clrMapOvr>
+    <a:masterClrMapping/>
+  </p:clrMapOvr>
 </p:sldLayout>
 </file>
 
 <file path=ppt/slideLayouts/slideLayout22.xml><?xml version="1.0" encoding="utf-8"?>
-<p:sldLayout xmlns:a="http://schemas.openxmlformats.org/drawingml/2006/main" xmlns:p="http://schemas.openxmlformats.org/presentationml/2006/main" xmlns:r="http://schemas.openxmlformats.org/officeDocument/2006/relationships" xmlns:p14="http://schemas.microsoft.com/office/powerpoint/2010/main" xmlns:p15="http://schemas.microsoft.com/office/powerpoint/2012/main" xmlns:mc="http://schemas.openxmlformats.org/markup-compatibility/2006" type="objOverTx" preserve="1">
+<p:sldLayout xmlns:a="http://schemas.openxmlformats.org/drawingml/2006/main" xmlns:r="http://schemas.openxmlformats.org/officeDocument/2006/relationships" xmlns:p="http://schemas.openxmlformats.org/presentationml/2006/main" type="objOverTx" preserve="1">
   <p:cSld name="Title, Content over Content">
     <p:spTree>
       <p:nvGrpSpPr>
@@ -3032,14 +3290,15 @@
           </a:ln>
         </p:spPr>
         <p:txBody>
-          <a:bodyPr lIns="0" rIns="0" tIns="0" bIns="0" anchor="ctr">
+          <a:bodyPr lIns="0" tIns="0" rIns="0" bIns="0" anchor="ctr">
             <a:noAutofit/>
           </a:bodyPr>
+          <a:lstStyle/>
           <a:p>
             <a:pPr indent="0" algn="ctr">
               <a:buNone/>
             </a:pPr>
-            <a:endParaRPr b="0" lang="pt-BR" sz="4400" spc="-1" strike="noStrike">
+            <a:endParaRPr lang="pt-BR" sz="4400" b="0" strike="noStrike" spc="-1">
               <a:solidFill>
                 <a:srgbClr val="000000"/>
               </a:solidFill>
@@ -3072,9 +3331,10 @@
           </a:ln>
         </p:spPr>
         <p:txBody>
-          <a:bodyPr lIns="0" rIns="0" tIns="0" bIns="0" anchor="t">
+          <a:bodyPr lIns="0" tIns="0" rIns="0" bIns="0" anchor="t">
             <a:normAutofit/>
           </a:bodyPr>
+          <a:lstStyle/>
           <a:p>
             <a:pPr indent="0">
               <a:spcBef>
@@ -3082,7 +3342,7 @@
               </a:spcBef>
               <a:buNone/>
             </a:pPr>
-            <a:endParaRPr b="0" lang="pt-BR" sz="3200" spc="-1" strike="noStrike">
+            <a:endParaRPr lang="pt-BR" sz="3200" b="0" strike="noStrike" spc="-1">
               <a:solidFill>
                 <a:srgbClr val="000000"/>
               </a:solidFill>
@@ -3115,9 +3375,10 @@
           </a:ln>
         </p:spPr>
         <p:txBody>
-          <a:bodyPr lIns="0" rIns="0" tIns="0" bIns="0" anchor="t">
+          <a:bodyPr lIns="0" tIns="0" rIns="0" bIns="0" anchor="t">
             <a:normAutofit/>
           </a:bodyPr>
+          <a:lstStyle/>
           <a:p>
             <a:pPr indent="0">
               <a:spcBef>
@@ -3125,7 +3386,7 @@
               </a:spcBef>
               <a:buNone/>
             </a:pPr>
-            <a:endParaRPr b="0" lang="pt-BR" sz="3200" spc="-1" strike="noStrike">
+            <a:endParaRPr lang="pt-BR" sz="3200" b="0" strike="noStrike" spc="-1">
               <a:solidFill>
                 <a:srgbClr val="000000"/>
               </a:solidFill>
@@ -3147,6 +3408,7 @@
         <p:spPr/>
         <p:txBody>
           <a:bodyPr/>
+          <a:lstStyle/>
           <a:p>
             <a:r>
               <a:t>Footer</a:t>
@@ -3167,10 +3429,12 @@
         <p:spPr/>
         <p:txBody>
           <a:bodyPr/>
+          <a:lstStyle/>
           <a:p>
             <a:fld id="{E2CFA3D6-63B0-4D45-B4B7-BEBE0A1EDDAF}" type="slidenum">
-              <a:t>&lt;#&gt;</a:t>
+              <a:t>‹nº›</a:t>
             </a:fld>
+            <a:endParaRPr/>
           </a:p>
         </p:txBody>
       </p:sp>
@@ -3187,21 +3451,22 @@
         <p:spPr/>
         <p:txBody>
           <a:bodyPr/>
-          <a:p>
-            <a:r>
-              <a:rPr lang="pt-BR"/>
-              <a:t/>
-            </a:r>
+          <a:lstStyle/>
+          <a:p>
+            <a:endParaRPr/>
           </a:p>
         </p:txBody>
       </p:sp>
     </p:spTree>
   </p:cSld>
+  <p:clrMapOvr>
+    <a:masterClrMapping/>
+  </p:clrMapOvr>
 </p:sldLayout>
 </file>
 
 <file path=ppt/slideLayouts/slideLayout23.xml><?xml version="1.0" encoding="utf-8"?>
-<p:sldLayout xmlns:a="http://schemas.openxmlformats.org/drawingml/2006/main" xmlns:p="http://schemas.openxmlformats.org/presentationml/2006/main" xmlns:r="http://schemas.openxmlformats.org/officeDocument/2006/relationships" xmlns:p14="http://schemas.microsoft.com/office/powerpoint/2010/main" xmlns:p15="http://schemas.microsoft.com/office/powerpoint/2012/main" xmlns:mc="http://schemas.openxmlformats.org/markup-compatibility/2006" type="fourObj" preserve="1">
+<p:sldLayout xmlns:a="http://schemas.openxmlformats.org/drawingml/2006/main" xmlns:r="http://schemas.openxmlformats.org/officeDocument/2006/relationships" xmlns:p="http://schemas.openxmlformats.org/presentationml/2006/main" type="fourObj" preserve="1">
   <p:cSld name="Title, 4 Content">
     <p:spTree>
       <p:nvGrpSpPr>
@@ -3241,14 +3506,15 @@
           </a:ln>
         </p:spPr>
         <p:txBody>
-          <a:bodyPr lIns="0" rIns="0" tIns="0" bIns="0" anchor="ctr">
+          <a:bodyPr lIns="0" tIns="0" rIns="0" bIns="0" anchor="ctr">
             <a:noAutofit/>
           </a:bodyPr>
+          <a:lstStyle/>
           <a:p>
             <a:pPr indent="0" algn="ctr">
               <a:buNone/>
             </a:pPr>
-            <a:endParaRPr b="0" lang="pt-BR" sz="4400" spc="-1" strike="noStrike">
+            <a:endParaRPr lang="pt-BR" sz="4400" b="0" strike="noStrike" spc="-1">
               <a:solidFill>
                 <a:srgbClr val="000000"/>
               </a:solidFill>
@@ -3281,9 +3547,10 @@
           </a:ln>
         </p:spPr>
         <p:txBody>
-          <a:bodyPr lIns="0" rIns="0" tIns="0" bIns="0" anchor="t">
+          <a:bodyPr lIns="0" tIns="0" rIns="0" bIns="0" anchor="t">
             <a:normAutofit/>
           </a:bodyPr>
+          <a:lstStyle/>
           <a:p>
             <a:pPr indent="0">
               <a:spcBef>
@@ -3291,7 +3558,7 @@
               </a:spcBef>
               <a:buNone/>
             </a:pPr>
-            <a:endParaRPr b="0" lang="pt-BR" sz="3200" spc="-1" strike="noStrike">
+            <a:endParaRPr lang="pt-BR" sz="3200" b="0" strike="noStrike" spc="-1">
               <a:solidFill>
                 <a:srgbClr val="000000"/>
               </a:solidFill>
@@ -3324,9 +3591,10 @@
           </a:ln>
         </p:spPr>
         <p:txBody>
-          <a:bodyPr lIns="0" rIns="0" tIns="0" bIns="0" anchor="t">
+          <a:bodyPr lIns="0" tIns="0" rIns="0" bIns="0" anchor="t">
             <a:normAutofit/>
           </a:bodyPr>
+          <a:lstStyle/>
           <a:p>
             <a:pPr indent="0">
               <a:spcBef>
@@ -3334,7 +3602,7 @@
               </a:spcBef>
               <a:buNone/>
             </a:pPr>
-            <a:endParaRPr b="0" lang="pt-BR" sz="3200" spc="-1" strike="noStrike">
+            <a:endParaRPr lang="pt-BR" sz="3200" b="0" strike="noStrike" spc="-1">
               <a:solidFill>
                 <a:srgbClr val="000000"/>
               </a:solidFill>
@@ -3367,9 +3635,10 @@
           </a:ln>
         </p:spPr>
         <p:txBody>
-          <a:bodyPr lIns="0" rIns="0" tIns="0" bIns="0" anchor="t">
+          <a:bodyPr lIns="0" tIns="0" rIns="0" bIns="0" anchor="t">
             <a:normAutofit/>
           </a:bodyPr>
+          <a:lstStyle/>
           <a:p>
             <a:pPr indent="0">
               <a:spcBef>
@@ -3377,7 +3646,7 @@
               </a:spcBef>
               <a:buNone/>
             </a:pPr>
-            <a:endParaRPr b="0" lang="pt-BR" sz="3200" spc="-1" strike="noStrike">
+            <a:endParaRPr lang="pt-BR" sz="3200" b="0" strike="noStrike" spc="-1">
               <a:solidFill>
                 <a:srgbClr val="000000"/>
               </a:solidFill>
@@ -3410,9 +3679,10 @@
           </a:ln>
         </p:spPr>
         <p:txBody>
-          <a:bodyPr lIns="0" rIns="0" tIns="0" bIns="0" anchor="t">
+          <a:bodyPr lIns="0" tIns="0" rIns="0" bIns="0" anchor="t">
             <a:normAutofit/>
           </a:bodyPr>
+          <a:lstStyle/>
           <a:p>
             <a:pPr indent="0">
               <a:spcBef>
@@ -3420,7 +3690,7 @@
               </a:spcBef>
               <a:buNone/>
             </a:pPr>
-            <a:endParaRPr b="0" lang="pt-BR" sz="3200" spc="-1" strike="noStrike">
+            <a:endParaRPr lang="pt-BR" sz="3200" b="0" strike="noStrike" spc="-1">
               <a:solidFill>
                 <a:srgbClr val="000000"/>
               </a:solidFill>
@@ -3442,6 +3712,7 @@
         <p:spPr/>
         <p:txBody>
           <a:bodyPr/>
+          <a:lstStyle/>
           <a:p>
             <a:r>
               <a:t>Footer</a:t>
@@ -3462,10 +3733,12 @@
         <p:spPr/>
         <p:txBody>
           <a:bodyPr/>
+          <a:lstStyle/>
           <a:p>
             <a:fld id="{EAB07A8F-4E69-443B-86CE-53B1B11B3F33}" type="slidenum">
-              <a:t>&lt;#&gt;</a:t>
+              <a:t>‹nº›</a:t>
             </a:fld>
+            <a:endParaRPr/>
           </a:p>
         </p:txBody>
       </p:sp>
@@ -3482,21 +3755,22 @@
         <p:spPr/>
         <p:txBody>
           <a:bodyPr/>
-          <a:p>
-            <a:r>
-              <a:rPr lang="pt-BR"/>
-              <a:t/>
-            </a:r>
+          <a:lstStyle/>
+          <a:p>
+            <a:endParaRPr/>
           </a:p>
         </p:txBody>
       </p:sp>
     </p:spTree>
   </p:cSld>
+  <p:clrMapOvr>
+    <a:masterClrMapping/>
+  </p:clrMapOvr>
 </p:sldLayout>
 </file>
 
 <file path=ppt/slideLayouts/slideLayout24.xml><?xml version="1.0" encoding="utf-8"?>
-<p:sldLayout xmlns:a="http://schemas.openxmlformats.org/drawingml/2006/main" xmlns:p="http://schemas.openxmlformats.org/presentationml/2006/main" xmlns:r="http://schemas.openxmlformats.org/officeDocument/2006/relationships" xmlns:p14="http://schemas.microsoft.com/office/powerpoint/2010/main" xmlns:p15="http://schemas.microsoft.com/office/powerpoint/2012/main" xmlns:mc="http://schemas.openxmlformats.org/markup-compatibility/2006" type="blank" preserve="1">
+<p:sldLayout xmlns:a="http://schemas.openxmlformats.org/drawingml/2006/main" xmlns:r="http://schemas.openxmlformats.org/officeDocument/2006/relationships" xmlns:p="http://schemas.openxmlformats.org/presentationml/2006/main" type="blank" preserve="1">
   <p:cSld name="Title, 6 Content">
     <p:spTree>
       <p:nvGrpSpPr>
@@ -3536,14 +3810,15 @@
           </a:ln>
         </p:spPr>
         <p:txBody>
-          <a:bodyPr lIns="0" rIns="0" tIns="0" bIns="0" anchor="ctr">
+          <a:bodyPr lIns="0" tIns="0" rIns="0" bIns="0" anchor="ctr">
             <a:noAutofit/>
           </a:bodyPr>
+          <a:lstStyle/>
           <a:p>
             <a:pPr indent="0" algn="ctr">
               <a:buNone/>
             </a:pPr>
-            <a:endParaRPr b="0" lang="pt-BR" sz="4400" spc="-1" strike="noStrike">
+            <a:endParaRPr lang="pt-BR" sz="4400" b="0" strike="noStrike" spc="-1">
               <a:solidFill>
                 <a:srgbClr val="000000"/>
               </a:solidFill>
@@ -3576,9 +3851,10 @@
           </a:ln>
         </p:spPr>
         <p:txBody>
-          <a:bodyPr lIns="0" rIns="0" tIns="0" bIns="0" anchor="t">
+          <a:bodyPr lIns="0" tIns="0" rIns="0" bIns="0" anchor="t">
             <a:normAutofit/>
           </a:bodyPr>
+          <a:lstStyle/>
           <a:p>
             <a:pPr indent="0">
               <a:spcBef>
@@ -3586,7 +3862,7 @@
               </a:spcBef>
               <a:buNone/>
             </a:pPr>
-            <a:endParaRPr b="0" lang="pt-BR" sz="3200" spc="-1" strike="noStrike">
+            <a:endParaRPr lang="pt-BR" sz="3200" b="0" strike="noStrike" spc="-1">
               <a:solidFill>
                 <a:srgbClr val="000000"/>
               </a:solidFill>
@@ -3619,9 +3895,10 @@
           </a:ln>
         </p:spPr>
         <p:txBody>
-          <a:bodyPr lIns="0" rIns="0" tIns="0" bIns="0" anchor="t">
+          <a:bodyPr lIns="0" tIns="0" rIns="0" bIns="0" anchor="t">
             <a:normAutofit/>
           </a:bodyPr>
+          <a:lstStyle/>
           <a:p>
             <a:pPr indent="0">
               <a:spcBef>
@@ -3629,7 +3906,7 @@
               </a:spcBef>
               <a:buNone/>
             </a:pPr>
-            <a:endParaRPr b="0" lang="pt-BR" sz="3200" spc="-1" strike="noStrike">
+            <a:endParaRPr lang="pt-BR" sz="3200" b="0" strike="noStrike" spc="-1">
               <a:solidFill>
                 <a:srgbClr val="000000"/>
               </a:solidFill>
@@ -3662,9 +3939,10 @@
           </a:ln>
         </p:spPr>
         <p:txBody>
-          <a:bodyPr lIns="0" rIns="0" tIns="0" bIns="0" anchor="t">
+          <a:bodyPr lIns="0" tIns="0" rIns="0" bIns="0" anchor="t">
             <a:normAutofit/>
           </a:bodyPr>
+          <a:lstStyle/>
           <a:p>
             <a:pPr indent="0">
               <a:spcBef>
@@ -3672,7 +3950,7 @@
               </a:spcBef>
               <a:buNone/>
             </a:pPr>
-            <a:endParaRPr b="0" lang="pt-BR" sz="3200" spc="-1" strike="noStrike">
+            <a:endParaRPr lang="pt-BR" sz="3200" b="0" strike="noStrike" spc="-1">
               <a:solidFill>
                 <a:srgbClr val="000000"/>
               </a:solidFill>
@@ -3705,9 +3983,10 @@
           </a:ln>
         </p:spPr>
         <p:txBody>
-          <a:bodyPr lIns="0" rIns="0" tIns="0" bIns="0" anchor="t">
+          <a:bodyPr lIns="0" tIns="0" rIns="0" bIns="0" anchor="t">
             <a:normAutofit/>
           </a:bodyPr>
+          <a:lstStyle/>
           <a:p>
             <a:pPr indent="0">
               <a:spcBef>
@@ -3715,7 +3994,7 @@
               </a:spcBef>
               <a:buNone/>
             </a:pPr>
-            <a:endParaRPr b="0" lang="pt-BR" sz="3200" spc="-1" strike="noStrike">
+            <a:endParaRPr lang="pt-BR" sz="3200" b="0" strike="noStrike" spc="-1">
               <a:solidFill>
                 <a:srgbClr val="000000"/>
               </a:solidFill>
@@ -3748,9 +4027,10 @@
           </a:ln>
         </p:spPr>
         <p:txBody>
-          <a:bodyPr lIns="0" rIns="0" tIns="0" bIns="0" anchor="t">
+          <a:bodyPr lIns="0" tIns="0" rIns="0" bIns="0" anchor="t">
             <a:normAutofit/>
           </a:bodyPr>
+          <a:lstStyle/>
           <a:p>
             <a:pPr indent="0">
               <a:spcBef>
@@ -3758,7 +4038,7 @@
               </a:spcBef>
               <a:buNone/>
             </a:pPr>
-            <a:endParaRPr b="0" lang="pt-BR" sz="3200" spc="-1" strike="noStrike">
+            <a:endParaRPr lang="pt-BR" sz="3200" b="0" strike="noStrike" spc="-1">
               <a:solidFill>
                 <a:srgbClr val="000000"/>
               </a:solidFill>
@@ -3791,9 +4071,10 @@
           </a:ln>
         </p:spPr>
         <p:txBody>
-          <a:bodyPr lIns="0" rIns="0" tIns="0" bIns="0" anchor="t">
+          <a:bodyPr lIns="0" tIns="0" rIns="0" bIns="0" anchor="t">
             <a:normAutofit/>
           </a:bodyPr>
+          <a:lstStyle/>
           <a:p>
             <a:pPr indent="0">
               <a:spcBef>
@@ -3801,7 +4082,7 @@
               </a:spcBef>
               <a:buNone/>
             </a:pPr>
-            <a:endParaRPr b="0" lang="pt-BR" sz="3200" spc="-1" strike="noStrike">
+            <a:endParaRPr lang="pt-BR" sz="3200" b="0" strike="noStrike" spc="-1">
               <a:solidFill>
                 <a:srgbClr val="000000"/>
               </a:solidFill>
@@ -3823,6 +4104,7 @@
         <p:spPr/>
         <p:txBody>
           <a:bodyPr/>
+          <a:lstStyle/>
           <a:p>
             <a:r>
               <a:t>Footer</a:t>
@@ -3843,10 +4125,12 @@
         <p:spPr/>
         <p:txBody>
           <a:bodyPr/>
+          <a:lstStyle/>
           <a:p>
             <a:fld id="{162B73F7-053B-4DC3-9DBB-F2D8CB09FAC3}" type="slidenum">
-              <a:t>&lt;#&gt;</a:t>
+              <a:t>‹nº›</a:t>
             </a:fld>
+            <a:endParaRPr/>
           </a:p>
         </p:txBody>
       </p:sp>
@@ -3863,21 +4147,22 @@
         <p:spPr/>
         <p:txBody>
           <a:bodyPr/>
-          <a:p>
-            <a:r>
-              <a:rPr lang="pt-BR"/>
-              <a:t/>
-            </a:r>
+          <a:lstStyle/>
+          <a:p>
+            <a:endParaRPr/>
           </a:p>
         </p:txBody>
       </p:sp>
     </p:spTree>
   </p:cSld>
+  <p:clrMapOvr>
+    <a:masterClrMapping/>
+  </p:clrMapOvr>
 </p:sldLayout>
 </file>
 
 <file path=ppt/slideLayouts/slideLayout3.xml><?xml version="1.0" encoding="utf-8"?>
-<p:sldLayout xmlns:a="http://schemas.openxmlformats.org/drawingml/2006/main" xmlns:p="http://schemas.openxmlformats.org/presentationml/2006/main" xmlns:r="http://schemas.openxmlformats.org/officeDocument/2006/relationships" xmlns:p14="http://schemas.microsoft.com/office/powerpoint/2010/main" xmlns:p15="http://schemas.microsoft.com/office/powerpoint/2012/main" xmlns:mc="http://schemas.openxmlformats.org/markup-compatibility/2006" type="obj" preserve="1">
+<p:sldLayout xmlns:a="http://schemas.openxmlformats.org/drawingml/2006/main" xmlns:r="http://schemas.openxmlformats.org/officeDocument/2006/relationships" xmlns:p="http://schemas.openxmlformats.org/presentationml/2006/main" type="obj" preserve="1">
   <p:cSld name="Title, Content">
     <p:spTree>
       <p:nvGrpSpPr>
@@ -3917,14 +4202,15 @@
           </a:ln>
         </p:spPr>
         <p:txBody>
-          <a:bodyPr lIns="0" rIns="0" tIns="0" bIns="0" anchor="ctr">
+          <a:bodyPr lIns="0" tIns="0" rIns="0" bIns="0" anchor="ctr">
             <a:noAutofit/>
           </a:bodyPr>
+          <a:lstStyle/>
           <a:p>
             <a:pPr indent="0" algn="ctr">
               <a:buNone/>
             </a:pPr>
-            <a:endParaRPr b="0" lang="pt-BR" sz="4400" spc="-1" strike="noStrike">
+            <a:endParaRPr lang="pt-BR" sz="4400" b="0" strike="noStrike" spc="-1">
               <a:solidFill>
                 <a:srgbClr val="000000"/>
               </a:solidFill>
@@ -3957,9 +4243,10 @@
           </a:ln>
         </p:spPr>
         <p:txBody>
-          <a:bodyPr lIns="0" rIns="0" tIns="0" bIns="0" anchor="t">
+          <a:bodyPr lIns="0" tIns="0" rIns="0" bIns="0" anchor="t">
             <a:normAutofit/>
           </a:bodyPr>
+          <a:lstStyle/>
           <a:p>
             <a:pPr indent="0">
               <a:spcBef>
@@ -3967,7 +4254,7 @@
               </a:spcBef>
               <a:buNone/>
             </a:pPr>
-            <a:endParaRPr b="0" lang="pt-BR" sz="3200" spc="-1" strike="noStrike">
+            <a:endParaRPr lang="pt-BR" sz="3200" b="0" strike="noStrike" spc="-1">
               <a:solidFill>
                 <a:srgbClr val="000000"/>
               </a:solidFill>
@@ -3978,11 +4265,14 @@
       </p:sp>
     </p:spTree>
   </p:cSld>
+  <p:clrMapOvr>
+    <a:masterClrMapping/>
+  </p:clrMapOvr>
 </p:sldLayout>
 </file>
 
 <file path=ppt/slideLayouts/slideLayout4.xml><?xml version="1.0" encoding="utf-8"?>
-<p:sldLayout xmlns:a="http://schemas.openxmlformats.org/drawingml/2006/main" xmlns:p="http://schemas.openxmlformats.org/presentationml/2006/main" xmlns:r="http://schemas.openxmlformats.org/officeDocument/2006/relationships" xmlns:p14="http://schemas.microsoft.com/office/powerpoint/2010/main" xmlns:p15="http://schemas.microsoft.com/office/powerpoint/2012/main" xmlns:mc="http://schemas.openxmlformats.org/markup-compatibility/2006" type="twoObj" preserve="1">
+<p:sldLayout xmlns:a="http://schemas.openxmlformats.org/drawingml/2006/main" xmlns:r="http://schemas.openxmlformats.org/officeDocument/2006/relationships" xmlns:p="http://schemas.openxmlformats.org/presentationml/2006/main" type="twoObj" preserve="1">
   <p:cSld name="Title, 2 Content">
     <p:spTree>
       <p:nvGrpSpPr>
@@ -4022,14 +4312,15 @@
           </a:ln>
         </p:spPr>
         <p:txBody>
-          <a:bodyPr lIns="0" rIns="0" tIns="0" bIns="0" anchor="ctr">
+          <a:bodyPr lIns="0" tIns="0" rIns="0" bIns="0" anchor="ctr">
             <a:noAutofit/>
           </a:bodyPr>
+          <a:lstStyle/>
           <a:p>
             <a:pPr indent="0" algn="ctr">
               <a:buNone/>
             </a:pPr>
-            <a:endParaRPr b="0" lang="pt-BR" sz="4400" spc="-1" strike="noStrike">
+            <a:endParaRPr lang="pt-BR" sz="4400" b="0" strike="noStrike" spc="-1">
               <a:solidFill>
                 <a:srgbClr val="000000"/>
               </a:solidFill>
@@ -4062,9 +4353,10 @@
           </a:ln>
         </p:spPr>
         <p:txBody>
-          <a:bodyPr lIns="0" rIns="0" tIns="0" bIns="0" anchor="t">
+          <a:bodyPr lIns="0" tIns="0" rIns="0" bIns="0" anchor="t">
             <a:normAutofit/>
           </a:bodyPr>
+          <a:lstStyle/>
           <a:p>
             <a:pPr indent="0">
               <a:spcBef>
@@ -4072,7 +4364,7 @@
               </a:spcBef>
               <a:buNone/>
             </a:pPr>
-            <a:endParaRPr b="0" lang="pt-BR" sz="3200" spc="-1" strike="noStrike">
+            <a:endParaRPr lang="pt-BR" sz="3200" b="0" strike="noStrike" spc="-1">
               <a:solidFill>
                 <a:srgbClr val="000000"/>
               </a:solidFill>
@@ -4105,9 +4397,10 @@
           </a:ln>
         </p:spPr>
         <p:txBody>
-          <a:bodyPr lIns="0" rIns="0" tIns="0" bIns="0" anchor="t">
+          <a:bodyPr lIns="0" tIns="0" rIns="0" bIns="0" anchor="t">
             <a:normAutofit/>
           </a:bodyPr>
+          <a:lstStyle/>
           <a:p>
             <a:pPr indent="0">
               <a:spcBef>
@@ -4115,7 +4408,7 @@
               </a:spcBef>
               <a:buNone/>
             </a:pPr>
-            <a:endParaRPr b="0" lang="pt-BR" sz="3200" spc="-1" strike="noStrike">
+            <a:endParaRPr lang="pt-BR" sz="3200" b="0" strike="noStrike" spc="-1">
               <a:solidFill>
                 <a:srgbClr val="000000"/>
               </a:solidFill>
@@ -4126,11 +4419,14 @@
       </p:sp>
     </p:spTree>
   </p:cSld>
+  <p:clrMapOvr>
+    <a:masterClrMapping/>
+  </p:clrMapOvr>
 </p:sldLayout>
 </file>
 
 <file path=ppt/slideLayouts/slideLayout5.xml><?xml version="1.0" encoding="utf-8"?>
-<p:sldLayout xmlns:a="http://schemas.openxmlformats.org/drawingml/2006/main" xmlns:p="http://schemas.openxmlformats.org/presentationml/2006/main" xmlns:r="http://schemas.openxmlformats.org/officeDocument/2006/relationships" xmlns:p14="http://schemas.microsoft.com/office/powerpoint/2010/main" xmlns:p15="http://schemas.microsoft.com/office/powerpoint/2012/main" xmlns:mc="http://schemas.openxmlformats.org/markup-compatibility/2006" type="titleOnly" preserve="1">
+<p:sldLayout xmlns:a="http://schemas.openxmlformats.org/drawingml/2006/main" xmlns:r="http://schemas.openxmlformats.org/officeDocument/2006/relationships" xmlns:p="http://schemas.openxmlformats.org/presentationml/2006/main" type="titleOnly" preserve="1">
   <p:cSld name="Title Only">
     <p:spTree>
       <p:nvGrpSpPr>
@@ -4170,14 +4466,15 @@
           </a:ln>
         </p:spPr>
         <p:txBody>
-          <a:bodyPr lIns="0" rIns="0" tIns="0" bIns="0" anchor="ctr">
+          <a:bodyPr lIns="0" tIns="0" rIns="0" bIns="0" anchor="ctr">
             <a:noAutofit/>
           </a:bodyPr>
+          <a:lstStyle/>
           <a:p>
             <a:pPr indent="0" algn="ctr">
               <a:buNone/>
             </a:pPr>
-            <a:endParaRPr b="0" lang="pt-BR" sz="4400" spc="-1" strike="noStrike">
+            <a:endParaRPr lang="pt-BR" sz="4400" b="0" strike="noStrike" spc="-1">
               <a:solidFill>
                 <a:srgbClr val="000000"/>
               </a:solidFill>
@@ -4188,11 +4485,14 @@
       </p:sp>
     </p:spTree>
   </p:cSld>
+  <p:clrMapOvr>
+    <a:masterClrMapping/>
+  </p:clrMapOvr>
 </p:sldLayout>
 </file>
 
 <file path=ppt/slideLayouts/slideLayout6.xml><?xml version="1.0" encoding="utf-8"?>
-<p:sldLayout xmlns:a="http://schemas.openxmlformats.org/drawingml/2006/main" xmlns:p="http://schemas.openxmlformats.org/presentationml/2006/main" xmlns:r="http://schemas.openxmlformats.org/officeDocument/2006/relationships" xmlns:p14="http://schemas.microsoft.com/office/powerpoint/2010/main" xmlns:p15="http://schemas.microsoft.com/office/powerpoint/2012/main" xmlns:mc="http://schemas.openxmlformats.org/markup-compatibility/2006" type="objOnly" preserve="1">
+<p:sldLayout xmlns:a="http://schemas.openxmlformats.org/drawingml/2006/main" xmlns:r="http://schemas.openxmlformats.org/officeDocument/2006/relationships" xmlns:p="http://schemas.openxmlformats.org/presentationml/2006/main" type="objOnly" preserve="1">
   <p:cSld name="Centered Text">
     <p:spTree>
       <p:nvGrpSpPr>
@@ -4232,12 +4532,13 @@
           </a:ln>
         </p:spPr>
         <p:txBody>
-          <a:bodyPr lIns="0" rIns="0" tIns="0" bIns="0" anchor="ctr">
+          <a:bodyPr lIns="0" tIns="0" rIns="0" bIns="0" anchor="ctr">
             <a:noAutofit/>
           </a:bodyPr>
+          <a:lstStyle/>
           <a:p>
             <a:pPr algn="ctr"/>
-            <a:endParaRPr b="0" lang="pt-BR" sz="3200" spc="-1" strike="noStrike">
+            <a:endParaRPr lang="pt-BR" sz="3200" b="0" strike="noStrike" spc="-1">
               <a:solidFill>
                 <a:srgbClr val="000000"/>
               </a:solidFill>
@@ -4248,11 +4549,14 @@
       </p:sp>
     </p:spTree>
   </p:cSld>
+  <p:clrMapOvr>
+    <a:masterClrMapping/>
+  </p:clrMapOvr>
 </p:sldLayout>
 </file>
 
 <file path=ppt/slideLayouts/slideLayout7.xml><?xml version="1.0" encoding="utf-8"?>
-<p:sldLayout xmlns:a="http://schemas.openxmlformats.org/drawingml/2006/main" xmlns:p="http://schemas.openxmlformats.org/presentationml/2006/main" xmlns:r="http://schemas.openxmlformats.org/officeDocument/2006/relationships" xmlns:p14="http://schemas.microsoft.com/office/powerpoint/2010/main" xmlns:p15="http://schemas.microsoft.com/office/powerpoint/2012/main" xmlns:mc="http://schemas.openxmlformats.org/markup-compatibility/2006" type="twoObjAndObj" preserve="1">
+<p:sldLayout xmlns:a="http://schemas.openxmlformats.org/drawingml/2006/main" xmlns:r="http://schemas.openxmlformats.org/officeDocument/2006/relationships" xmlns:p="http://schemas.openxmlformats.org/presentationml/2006/main" type="twoObjAndObj" preserve="1">
   <p:cSld name="Title, 2 Content and Content">
     <p:spTree>
       <p:nvGrpSpPr>
@@ -4292,14 +4596,15 @@
           </a:ln>
         </p:spPr>
         <p:txBody>
-          <a:bodyPr lIns="0" rIns="0" tIns="0" bIns="0" anchor="ctr">
+          <a:bodyPr lIns="0" tIns="0" rIns="0" bIns="0" anchor="ctr">
             <a:noAutofit/>
           </a:bodyPr>
+          <a:lstStyle/>
           <a:p>
             <a:pPr indent="0" algn="ctr">
               <a:buNone/>
             </a:pPr>
-            <a:endParaRPr b="0" lang="pt-BR" sz="4400" spc="-1" strike="noStrike">
+            <a:endParaRPr lang="pt-BR" sz="4400" b="0" strike="noStrike" spc="-1">
               <a:solidFill>
                 <a:srgbClr val="000000"/>
               </a:solidFill>
@@ -4332,9 +4637,10 @@
           </a:ln>
         </p:spPr>
         <p:txBody>
-          <a:bodyPr lIns="0" rIns="0" tIns="0" bIns="0" anchor="t">
+          <a:bodyPr lIns="0" tIns="0" rIns="0" bIns="0" anchor="t">
             <a:normAutofit/>
           </a:bodyPr>
+          <a:lstStyle/>
           <a:p>
             <a:pPr indent="0">
               <a:spcBef>
@@ -4342,7 +4648,7 @@
               </a:spcBef>
               <a:buNone/>
             </a:pPr>
-            <a:endParaRPr b="0" lang="pt-BR" sz="3200" spc="-1" strike="noStrike">
+            <a:endParaRPr lang="pt-BR" sz="3200" b="0" strike="noStrike" spc="-1">
               <a:solidFill>
                 <a:srgbClr val="000000"/>
               </a:solidFill>
@@ -4375,9 +4681,10 @@
           </a:ln>
         </p:spPr>
         <p:txBody>
-          <a:bodyPr lIns="0" rIns="0" tIns="0" bIns="0" anchor="t">
+          <a:bodyPr lIns="0" tIns="0" rIns="0" bIns="0" anchor="t">
             <a:normAutofit/>
           </a:bodyPr>
+          <a:lstStyle/>
           <a:p>
             <a:pPr indent="0">
               <a:spcBef>
@@ -4385,7 +4692,7 @@
               </a:spcBef>
               <a:buNone/>
             </a:pPr>
-            <a:endParaRPr b="0" lang="pt-BR" sz="3200" spc="-1" strike="noStrike">
+            <a:endParaRPr lang="pt-BR" sz="3200" b="0" strike="noStrike" spc="-1">
               <a:solidFill>
                 <a:srgbClr val="000000"/>
               </a:solidFill>
@@ -4418,9 +4725,10 @@
           </a:ln>
         </p:spPr>
         <p:txBody>
-          <a:bodyPr lIns="0" rIns="0" tIns="0" bIns="0" anchor="t">
+          <a:bodyPr lIns="0" tIns="0" rIns="0" bIns="0" anchor="t">
             <a:normAutofit/>
           </a:bodyPr>
+          <a:lstStyle/>
           <a:p>
             <a:pPr indent="0">
               <a:spcBef>
@@ -4428,7 +4736,7 @@
               </a:spcBef>
               <a:buNone/>
             </a:pPr>
-            <a:endParaRPr b="0" lang="pt-BR" sz="3200" spc="-1" strike="noStrike">
+            <a:endParaRPr lang="pt-BR" sz="3200" b="0" strike="noStrike" spc="-1">
               <a:solidFill>
                 <a:srgbClr val="000000"/>
               </a:solidFill>
@@ -4439,11 +4747,14 @@
       </p:sp>
     </p:spTree>
   </p:cSld>
+  <p:clrMapOvr>
+    <a:masterClrMapping/>
+  </p:clrMapOvr>
 </p:sldLayout>
 </file>
 
 <file path=ppt/slideLayouts/slideLayout8.xml><?xml version="1.0" encoding="utf-8"?>
-<p:sldLayout xmlns:a="http://schemas.openxmlformats.org/drawingml/2006/main" xmlns:p="http://schemas.openxmlformats.org/presentationml/2006/main" xmlns:r="http://schemas.openxmlformats.org/officeDocument/2006/relationships" xmlns:p14="http://schemas.microsoft.com/office/powerpoint/2010/main" xmlns:p15="http://schemas.microsoft.com/office/powerpoint/2012/main" xmlns:mc="http://schemas.openxmlformats.org/markup-compatibility/2006" type="objAndTwoObj" preserve="1">
+<p:sldLayout xmlns:a="http://schemas.openxmlformats.org/drawingml/2006/main" xmlns:r="http://schemas.openxmlformats.org/officeDocument/2006/relationships" xmlns:p="http://schemas.openxmlformats.org/presentationml/2006/main" type="objAndTwoObj" preserve="1">
   <p:cSld name="Title Content and 2 Content">
     <p:spTree>
       <p:nvGrpSpPr>
@@ -4483,14 +4794,15 @@
           </a:ln>
         </p:spPr>
         <p:txBody>
-          <a:bodyPr lIns="0" rIns="0" tIns="0" bIns="0" anchor="ctr">
+          <a:bodyPr lIns="0" tIns="0" rIns="0" bIns="0" anchor="ctr">
             <a:noAutofit/>
           </a:bodyPr>
+          <a:lstStyle/>
           <a:p>
             <a:pPr indent="0" algn="ctr">
               <a:buNone/>
             </a:pPr>
-            <a:endParaRPr b="0" lang="pt-BR" sz="4400" spc="-1" strike="noStrike">
+            <a:endParaRPr lang="pt-BR" sz="4400" b="0" strike="noStrike" spc="-1">
               <a:solidFill>
                 <a:srgbClr val="000000"/>
               </a:solidFill>
@@ -4523,9 +4835,10 @@
           </a:ln>
         </p:spPr>
         <p:txBody>
-          <a:bodyPr lIns="0" rIns="0" tIns="0" bIns="0" anchor="t">
+          <a:bodyPr lIns="0" tIns="0" rIns="0" bIns="0" anchor="t">
             <a:normAutofit/>
           </a:bodyPr>
+          <a:lstStyle/>
           <a:p>
             <a:pPr indent="0">
               <a:spcBef>
@@ -4533,7 +4846,7 @@
               </a:spcBef>
               <a:buNone/>
             </a:pPr>
-            <a:endParaRPr b="0" lang="pt-BR" sz="3200" spc="-1" strike="noStrike">
+            <a:endParaRPr lang="pt-BR" sz="3200" b="0" strike="noStrike" spc="-1">
               <a:solidFill>
                 <a:srgbClr val="000000"/>
               </a:solidFill>
@@ -4566,9 +4879,10 @@
           </a:ln>
         </p:spPr>
         <p:txBody>
-          <a:bodyPr lIns="0" rIns="0" tIns="0" bIns="0" anchor="t">
+          <a:bodyPr lIns="0" tIns="0" rIns="0" bIns="0" anchor="t">
             <a:normAutofit/>
           </a:bodyPr>
+          <a:lstStyle/>
           <a:p>
             <a:pPr indent="0">
               <a:spcBef>
@@ -4576,7 +4890,7 @@
               </a:spcBef>
               <a:buNone/>
             </a:pPr>
-            <a:endParaRPr b="0" lang="pt-BR" sz="3200" spc="-1" strike="noStrike">
+            <a:endParaRPr lang="pt-BR" sz="3200" b="0" strike="noStrike" spc="-1">
               <a:solidFill>
                 <a:srgbClr val="000000"/>
               </a:solidFill>
@@ -4609,9 +4923,10 @@
           </a:ln>
         </p:spPr>
         <p:txBody>
-          <a:bodyPr lIns="0" rIns="0" tIns="0" bIns="0" anchor="t">
+          <a:bodyPr lIns="0" tIns="0" rIns="0" bIns="0" anchor="t">
             <a:normAutofit/>
           </a:bodyPr>
+          <a:lstStyle/>
           <a:p>
             <a:pPr indent="0">
               <a:spcBef>
@@ -4619,7 +4934,7 @@
               </a:spcBef>
               <a:buNone/>
             </a:pPr>
-            <a:endParaRPr b="0" lang="pt-BR" sz="3200" spc="-1" strike="noStrike">
+            <a:endParaRPr lang="pt-BR" sz="3200" b="0" strike="noStrike" spc="-1">
               <a:solidFill>
                 <a:srgbClr val="000000"/>
               </a:solidFill>
@@ -4630,11 +4945,14 @@
       </p:sp>
     </p:spTree>
   </p:cSld>
+  <p:clrMapOvr>
+    <a:masterClrMapping/>
+  </p:clrMapOvr>
 </p:sldLayout>
 </file>
 
 <file path=ppt/slideLayouts/slideLayout9.xml><?xml version="1.0" encoding="utf-8"?>
-<p:sldLayout xmlns:a="http://schemas.openxmlformats.org/drawingml/2006/main" xmlns:p="http://schemas.openxmlformats.org/presentationml/2006/main" xmlns:r="http://schemas.openxmlformats.org/officeDocument/2006/relationships" xmlns:p14="http://schemas.microsoft.com/office/powerpoint/2010/main" xmlns:p15="http://schemas.microsoft.com/office/powerpoint/2012/main" xmlns:mc="http://schemas.openxmlformats.org/markup-compatibility/2006" type="twoObjOverTx" preserve="1">
+<p:sldLayout xmlns:a="http://schemas.openxmlformats.org/drawingml/2006/main" xmlns:r="http://schemas.openxmlformats.org/officeDocument/2006/relationships" xmlns:p="http://schemas.openxmlformats.org/presentationml/2006/main" type="twoObjOverTx" preserve="1">
   <p:cSld name="Title, 2 Content over Content">
     <p:spTree>
       <p:nvGrpSpPr>
@@ -4674,14 +4992,15 @@
           </a:ln>
         </p:spPr>
         <p:txBody>
-          <a:bodyPr lIns="0" rIns="0" tIns="0" bIns="0" anchor="ctr">
+          <a:bodyPr lIns="0" tIns="0" rIns="0" bIns="0" anchor="ctr">
             <a:noAutofit/>
           </a:bodyPr>
+          <a:lstStyle/>
           <a:p>
             <a:pPr indent="0" algn="ctr">
               <a:buNone/>
             </a:pPr>
-            <a:endParaRPr b="0" lang="pt-BR" sz="4400" spc="-1" strike="noStrike">
+            <a:endParaRPr lang="pt-BR" sz="4400" b="0" strike="noStrike" spc="-1">
               <a:solidFill>
                 <a:srgbClr val="000000"/>
               </a:solidFill>
@@ -4714,9 +5033,10 @@
           </a:ln>
         </p:spPr>
         <p:txBody>
-          <a:bodyPr lIns="0" rIns="0" tIns="0" bIns="0" anchor="t">
+          <a:bodyPr lIns="0" tIns="0" rIns="0" bIns="0" anchor="t">
             <a:normAutofit/>
           </a:bodyPr>
+          <a:lstStyle/>
           <a:p>
             <a:pPr indent="0">
               <a:spcBef>
@@ -4724,7 +5044,7 @@
               </a:spcBef>
               <a:buNone/>
             </a:pPr>
-            <a:endParaRPr b="0" lang="pt-BR" sz="3200" spc="-1" strike="noStrike">
+            <a:endParaRPr lang="pt-BR" sz="3200" b="0" strike="noStrike" spc="-1">
               <a:solidFill>
                 <a:srgbClr val="000000"/>
               </a:solidFill>
@@ -4757,9 +5077,10 @@
           </a:ln>
         </p:spPr>
         <p:txBody>
-          <a:bodyPr lIns="0" rIns="0" tIns="0" bIns="0" anchor="t">
+          <a:bodyPr lIns="0" tIns="0" rIns="0" bIns="0" anchor="t">
             <a:normAutofit/>
           </a:bodyPr>
+          <a:lstStyle/>
           <a:p>
             <a:pPr indent="0">
               <a:spcBef>
@@ -4767,7 +5088,7 @@
               </a:spcBef>
               <a:buNone/>
             </a:pPr>
-            <a:endParaRPr b="0" lang="pt-BR" sz="3200" spc="-1" strike="noStrike">
+            <a:endParaRPr lang="pt-BR" sz="3200" b="0" strike="noStrike" spc="-1">
               <a:solidFill>
                 <a:srgbClr val="000000"/>
               </a:solidFill>
@@ -4800,9 +5121,10 @@
           </a:ln>
         </p:spPr>
         <p:txBody>
-          <a:bodyPr lIns="0" rIns="0" tIns="0" bIns="0" anchor="t">
+          <a:bodyPr lIns="0" tIns="0" rIns="0" bIns="0" anchor="t">
             <a:normAutofit/>
           </a:bodyPr>
+          <a:lstStyle/>
           <a:p>
             <a:pPr indent="0">
               <a:spcBef>
@@ -4810,7 +5132,7 @@
               </a:spcBef>
               <a:buNone/>
             </a:pPr>
-            <a:endParaRPr b="0" lang="pt-BR" sz="3200" spc="-1" strike="noStrike">
+            <a:endParaRPr lang="pt-BR" sz="3200" b="0" strike="noStrike" spc="-1">
               <a:solidFill>
                 <a:srgbClr val="000000"/>
               </a:solidFill>
@@ -4821,17 +5143,21 @@
       </p:sp>
     </p:spTree>
   </p:cSld>
+  <p:clrMapOvr>
+    <a:masterClrMapping/>
+  </p:clrMapOvr>
 </p:sldLayout>
 </file>
 
 <file path=ppt/slideMasters/slideMaster1.xml><?xml version="1.0" encoding="utf-8"?>
-<p:sldMaster xmlns:a="http://schemas.openxmlformats.org/drawingml/2006/main" xmlns:p="http://schemas.openxmlformats.org/presentationml/2006/main" xmlns:r="http://schemas.openxmlformats.org/officeDocument/2006/relationships" xmlns:p14="http://schemas.microsoft.com/office/powerpoint/2010/main" xmlns:p15="http://schemas.microsoft.com/office/powerpoint/2012/main" xmlns:mc="http://schemas.openxmlformats.org/markup-compatibility/2006">
+<p:sldMaster xmlns:a="http://schemas.openxmlformats.org/drawingml/2006/main" xmlns:r="http://schemas.openxmlformats.org/officeDocument/2006/relationships" xmlns:p="http://schemas.openxmlformats.org/presentationml/2006/main">
   <p:cSld>
     <p:bg>
       <p:bgPr>
         <a:solidFill>
           <a:schemeClr val="lt1"/>
         </a:solidFill>
+        <a:effectLst/>
       </p:bgPr>
     </p:bg>
     <p:spTree>
@@ -4850,7 +5176,7 @@
       </p:grpSpPr>
       <p:sp>
         <p:nvSpPr>
-          <p:cNvPr id="0" name="Google Shape;11;p20"/>
+          <p:cNvPr id="3" name="Google Shape;11;p20"/>
           <p:cNvSpPr/>
           <p:nvPr/>
         </p:nvSpPr>
@@ -4868,6 +5194,7 @@
               <a:gd name="textAreaBottom" fmla="*/ 1210320 h 1205280"/>
             </a:gdLst>
             <a:ahLst/>
+            <a:cxnLst/>
             <a:rect l="textAreaLeft" t="textAreaTop" r="textAreaRight" b="textAreaBottom"/>
             <a:pathLst>
               <a:path w="50808" h="43566">
@@ -4928,32 +5255,39 @@
             </a:pathLst>
           </a:custGeom>
           <a:solidFill>
-            <a:srgbClr val="ff5464"/>
+            <a:srgbClr val="FF5464"/>
           </a:solidFill>
           <a:ln w="0">
             <a:noFill/>
           </a:ln>
         </p:spPr>
         <p:style>
-          <a:lnRef idx="0"/>
-          <a:fillRef idx="0"/>
-          <a:effectRef idx="0"/>
+          <a:lnRef idx="0">
+            <a:scrgbClr r="0" g="0" b="0"/>
+          </a:lnRef>
+          <a:fillRef idx="0">
+            <a:scrgbClr r="0" g="0" b="0"/>
+          </a:fillRef>
+          <a:effectRef idx="0">
+            <a:scrgbClr r="0" g="0" b="0"/>
+          </a:effectRef>
           <a:fontRef idx="minor"/>
         </p:style>
         <p:txBody>
-          <a:bodyPr lIns="90000" rIns="90000" tIns="91440" bIns="91440" anchor="ctr">
+          <a:bodyPr lIns="90000" tIns="91440" rIns="90000" bIns="91440" anchor="ctr">
             <a:noAutofit/>
           </a:bodyPr>
+          <a:lstStyle/>
           <a:p>
             <a:pPr>
               <a:lnSpc>
                 <a:spcPct val="100000"/>
               </a:lnSpc>
               <a:tabLst>
-                <a:tab algn="l" pos="0"/>
+                <a:tab pos="0" algn="l"/>
               </a:tabLst>
             </a:pPr>
-            <a:endParaRPr b="0" lang="pt-BR" sz="1400" spc="-1" strike="noStrike">
+            <a:endParaRPr lang="pt-BR" sz="1400" b="0" strike="noStrike" spc="-1">
               <a:solidFill>
                 <a:srgbClr val="000000"/>
               </a:solidFill>
@@ -4965,7 +5299,7 @@
       </p:sp>
       <p:sp>
         <p:nvSpPr>
-          <p:cNvPr id="1" name="PlaceHolder 1"/>
+          <p:cNvPr id="4" name="PlaceHolder 1"/>
           <p:cNvSpPr>
             <a:spLocks noGrp="1"/>
           </p:cNvSpPr>
@@ -4987,15 +5321,16 @@
           </a:ln>
         </p:spPr>
         <p:txBody>
-          <a:bodyPr lIns="0" rIns="0" tIns="0" bIns="0" anchor="ctr">
+          <a:bodyPr lIns="0" tIns="0" rIns="0" bIns="0" anchor="ctr">
             <a:noAutofit/>
           </a:bodyPr>
+          <a:lstStyle/>
           <a:p>
             <a:pPr indent="0" algn="ctr">
               <a:buNone/>
             </a:pPr>
             <a:r>
-              <a:rPr b="0" lang="pt-BR" sz="4400" spc="-1" strike="noStrike">
+              <a:rPr lang="pt-BR" sz="4400" b="0" strike="noStrike" spc="-1">
                 <a:solidFill>
                   <a:srgbClr val="000000"/>
                 </a:solidFill>
@@ -5003,12 +5338,6 @@
               </a:rPr>
               <a:t>Click to edit the title text format</a:t>
             </a:r>
-            <a:endParaRPr b="0" lang="pt-BR" sz="4400" spc="-1" strike="noStrike">
-              <a:solidFill>
-                <a:srgbClr val="000000"/>
-              </a:solidFill>
-              <a:latin typeface="Arial"/>
-            </a:endParaRPr>
           </a:p>
         </p:txBody>
       </p:sp>
@@ -5036,9 +5365,10 @@
           </a:ln>
         </p:spPr>
         <p:txBody>
-          <a:bodyPr lIns="0" rIns="0" tIns="0" bIns="0" anchor="t">
+          <a:bodyPr lIns="0" tIns="0" rIns="0" bIns="0" anchor="t">
             <a:normAutofit/>
           </a:bodyPr>
+          <a:lstStyle/>
           <a:p>
             <a:pPr marL="432000" indent="-324000">
               <a:spcBef>
@@ -5052,7 +5382,7 @@
               <a:buChar char=""/>
             </a:pPr>
             <a:r>
-              <a:rPr b="0" lang="pt-BR" sz="3200" spc="-1" strike="noStrike">
+              <a:rPr lang="pt-BR" sz="3200" b="0" strike="noStrike" spc="-1">
                 <a:solidFill>
                   <a:srgbClr val="000000"/>
                 </a:solidFill>
@@ -5060,15 +5390,9 @@
               </a:rPr>
               <a:t>Click to edit the outline text format</a:t>
             </a:r>
-            <a:endParaRPr b="0" lang="pt-BR" sz="3200" spc="-1" strike="noStrike">
-              <a:solidFill>
-                <a:srgbClr val="000000"/>
-              </a:solidFill>
-              <a:latin typeface="Arial"/>
-            </a:endParaRPr>
-          </a:p>
-          <a:p>
-            <a:pPr lvl="1" marL="864000" indent="-324000">
+          </a:p>
+          <a:p>
+            <a:pPr marL="864000" lvl="1" indent="-324000">
               <a:spcBef>
                 <a:spcPts val="1134"/>
               </a:spcBef>
@@ -5080,7 +5404,7 @@
               <a:buChar char=""/>
             </a:pPr>
             <a:r>
-              <a:rPr b="0" lang="pt-BR" sz="2800" spc="-1" strike="noStrike">
+              <a:rPr lang="pt-BR" sz="2800" b="0" strike="noStrike" spc="-1">
                 <a:solidFill>
                   <a:srgbClr val="000000"/>
                 </a:solidFill>
@@ -5088,15 +5412,9 @@
               </a:rPr>
               <a:t>Second Outline Level</a:t>
             </a:r>
-            <a:endParaRPr b="0" lang="pt-BR" sz="2800" spc="-1" strike="noStrike">
-              <a:solidFill>
-                <a:srgbClr val="000000"/>
-              </a:solidFill>
-              <a:latin typeface="Arial"/>
-            </a:endParaRPr>
-          </a:p>
-          <a:p>
-            <a:pPr lvl="2" marL="1296000" indent="-288000">
+          </a:p>
+          <a:p>
+            <a:pPr marL="1296000" lvl="2" indent="-288000">
               <a:spcBef>
                 <a:spcPts val="850"/>
               </a:spcBef>
@@ -5108,7 +5426,7 @@
               <a:buChar char=""/>
             </a:pPr>
             <a:r>
-              <a:rPr b="0" lang="pt-BR" sz="2400" spc="-1" strike="noStrike">
+              <a:rPr lang="pt-BR" sz="2400" b="0" strike="noStrike" spc="-1">
                 <a:solidFill>
                   <a:srgbClr val="000000"/>
                 </a:solidFill>
@@ -5116,15 +5434,9 @@
               </a:rPr>
               <a:t>Third Outline Level</a:t>
             </a:r>
-            <a:endParaRPr b="0" lang="pt-BR" sz="2400" spc="-1" strike="noStrike">
-              <a:solidFill>
-                <a:srgbClr val="000000"/>
-              </a:solidFill>
-              <a:latin typeface="Arial"/>
-            </a:endParaRPr>
-          </a:p>
-          <a:p>
-            <a:pPr lvl="3" marL="1728000" indent="-216000">
+          </a:p>
+          <a:p>
+            <a:pPr marL="1728000" lvl="3" indent="-216000">
               <a:spcBef>
                 <a:spcPts val="567"/>
               </a:spcBef>
@@ -5136,7 +5448,7 @@
               <a:buChar char=""/>
             </a:pPr>
             <a:r>
-              <a:rPr b="0" lang="pt-BR" sz="2000" spc="-1" strike="noStrike">
+              <a:rPr lang="pt-BR" sz="2000" b="0" strike="noStrike" spc="-1">
                 <a:solidFill>
                   <a:srgbClr val="000000"/>
                 </a:solidFill>
@@ -5144,15 +5456,9 @@
               </a:rPr>
               <a:t>Fourth Outline Level</a:t>
             </a:r>
-            <a:endParaRPr b="0" lang="pt-BR" sz="2000" spc="-1" strike="noStrike">
-              <a:solidFill>
-                <a:srgbClr val="000000"/>
-              </a:solidFill>
-              <a:latin typeface="Arial"/>
-            </a:endParaRPr>
-          </a:p>
-          <a:p>
-            <a:pPr lvl="4" marL="2160000" indent="-216000">
+          </a:p>
+          <a:p>
+            <a:pPr marL="2160000" lvl="4" indent="-216000">
               <a:spcBef>
                 <a:spcPts val="283"/>
               </a:spcBef>
@@ -5164,7 +5470,7 @@
               <a:buChar char=""/>
             </a:pPr>
             <a:r>
-              <a:rPr b="0" lang="pt-BR" sz="2000" spc="-1" strike="noStrike">
+              <a:rPr lang="pt-BR" sz="2000" b="0" strike="noStrike" spc="-1">
                 <a:solidFill>
                   <a:srgbClr val="000000"/>
                 </a:solidFill>
@@ -5172,15 +5478,9 @@
               </a:rPr>
               <a:t>Fifth Outline Level</a:t>
             </a:r>
-            <a:endParaRPr b="0" lang="pt-BR" sz="2000" spc="-1" strike="noStrike">
-              <a:solidFill>
-                <a:srgbClr val="000000"/>
-              </a:solidFill>
-              <a:latin typeface="Arial"/>
-            </a:endParaRPr>
-          </a:p>
-          <a:p>
-            <a:pPr lvl="5" marL="2592000" indent="-216000">
+          </a:p>
+          <a:p>
+            <a:pPr marL="2592000" lvl="5" indent="-216000">
               <a:spcBef>
                 <a:spcPts val="283"/>
               </a:spcBef>
@@ -5192,7 +5492,7 @@
               <a:buChar char=""/>
             </a:pPr>
             <a:r>
-              <a:rPr b="0" lang="pt-BR" sz="2000" spc="-1" strike="noStrike">
+              <a:rPr lang="pt-BR" sz="2000" b="0" strike="noStrike" spc="-1">
                 <a:solidFill>
                   <a:srgbClr val="000000"/>
                 </a:solidFill>
@@ -5200,15 +5500,9 @@
               </a:rPr>
               <a:t>Sixth Outline Level</a:t>
             </a:r>
-            <a:endParaRPr b="0" lang="pt-BR" sz="2000" spc="-1" strike="noStrike">
-              <a:solidFill>
-                <a:srgbClr val="000000"/>
-              </a:solidFill>
-              <a:latin typeface="Arial"/>
-            </a:endParaRPr>
-          </a:p>
-          <a:p>
-            <a:pPr lvl="6" marL="3024000" indent="-216000">
+          </a:p>
+          <a:p>
+            <a:pPr marL="3024000" lvl="6" indent="-216000">
               <a:spcBef>
                 <a:spcPts val="283"/>
               </a:spcBef>
@@ -5220,7 +5514,7 @@
               <a:buChar char=""/>
             </a:pPr>
             <a:r>
-              <a:rPr b="0" lang="pt-BR" sz="2000" spc="-1" strike="noStrike">
+              <a:rPr lang="pt-BR" sz="2000" b="0" strike="noStrike" spc="-1">
                 <a:solidFill>
                   <a:srgbClr val="000000"/>
                 </a:solidFill>
@@ -5228,43 +5522,318 @@
               </a:rPr>
               <a:t>Seventh Outline Level</a:t>
             </a:r>
-            <a:endParaRPr b="0" lang="pt-BR" sz="2000" spc="-1" strike="noStrike">
-              <a:solidFill>
-                <a:srgbClr val="000000"/>
-              </a:solidFill>
-              <a:latin typeface="Arial"/>
-            </a:endParaRPr>
           </a:p>
         </p:txBody>
       </p:sp>
     </p:spTree>
   </p:cSld>
-  <p:clrMap bg1="lt1" bg2="lt2" tx1="dk1" tx2="dk2" accent1="accent1" accent2="accent2" accent3="accent3" accent4="accent4" accent5="accent5" accent6="accent6" hlink="hlink" folHlink="folHlink"/>
+  <p:clrMap bg1="lt1" tx1="dk1" bg2="lt2" tx2="dk2" accent1="accent1" accent2="accent2" accent3="accent3" accent4="accent4" accent5="accent5" accent6="accent6" hlink="hlink" folHlink="folHlink"/>
   <p:sldLayoutIdLst>
-    <p:sldLayoutId id="2147483649" r:id="rId2"/>
-    <p:sldLayoutId id="2147483650" r:id="rId3"/>
-    <p:sldLayoutId id="2147483651" r:id="rId4"/>
-    <p:sldLayoutId id="2147483652" r:id="rId5"/>
-    <p:sldLayoutId id="2147483653" r:id="rId6"/>
-    <p:sldLayoutId id="2147483654" r:id="rId7"/>
-    <p:sldLayoutId id="2147483655" r:id="rId8"/>
-    <p:sldLayoutId id="2147483656" r:id="rId9"/>
-    <p:sldLayoutId id="2147483657" r:id="rId10"/>
-    <p:sldLayoutId id="2147483658" r:id="rId11"/>
-    <p:sldLayoutId id="2147483659" r:id="rId12"/>
-    <p:sldLayoutId id="2147483660" r:id="rId13"/>
+    <p:sldLayoutId id="2147483649" r:id="rId1"/>
+    <p:sldLayoutId id="2147483650" r:id="rId2"/>
+    <p:sldLayoutId id="2147483651" r:id="rId3"/>
+    <p:sldLayoutId id="2147483652" r:id="rId4"/>
+    <p:sldLayoutId id="2147483653" r:id="rId5"/>
+    <p:sldLayoutId id="2147483654" r:id="rId6"/>
+    <p:sldLayoutId id="2147483655" r:id="rId7"/>
+    <p:sldLayoutId id="2147483656" r:id="rId8"/>
+    <p:sldLayoutId id="2147483657" r:id="rId9"/>
+    <p:sldLayoutId id="2147483658" r:id="rId10"/>
+    <p:sldLayoutId id="2147483659" r:id="rId11"/>
+    <p:sldLayoutId id="2147483660" r:id="rId12"/>
   </p:sldLayoutIdLst>
+  <p:txStyles>
+    <p:titleStyle>
+      <a:lvl1pPr algn="l" defTabSz="914400" rtl="0" eaLnBrk="1" latinLnBrk="0" hangingPunct="1">
+        <a:lnSpc>
+          <a:spcPct val="90000"/>
+        </a:lnSpc>
+        <a:spcBef>
+          <a:spcPct val="0"/>
+        </a:spcBef>
+        <a:buNone/>
+        <a:defRPr sz="4400" kern="1200">
+          <a:solidFill>
+            <a:schemeClr val="tx1"/>
+          </a:solidFill>
+          <a:latin typeface="+mj-lt"/>
+          <a:ea typeface="+mj-ea"/>
+          <a:cs typeface="+mj-cs"/>
+        </a:defRPr>
+      </a:lvl1pPr>
+    </p:titleStyle>
+    <p:bodyStyle>
+      <a:lvl1pPr marL="228600" indent="-228600" algn="l" defTabSz="914400" rtl="0" eaLnBrk="1" latinLnBrk="0" hangingPunct="1">
+        <a:lnSpc>
+          <a:spcPct val="90000"/>
+        </a:lnSpc>
+        <a:spcBef>
+          <a:spcPts val="1000"/>
+        </a:spcBef>
+        <a:buFont typeface="Arial" panose="020B0604020202020204" pitchFamily="34" charset="0"/>
+        <a:buChar char="•"/>
+        <a:defRPr sz="2800" kern="1200">
+          <a:solidFill>
+            <a:schemeClr val="tx1"/>
+          </a:solidFill>
+          <a:latin typeface="+mn-lt"/>
+          <a:ea typeface="+mn-ea"/>
+          <a:cs typeface="+mn-cs"/>
+        </a:defRPr>
+      </a:lvl1pPr>
+      <a:lvl2pPr marL="685800" indent="-228600" algn="l" defTabSz="914400" rtl="0" eaLnBrk="1" latinLnBrk="0" hangingPunct="1">
+        <a:lnSpc>
+          <a:spcPct val="90000"/>
+        </a:lnSpc>
+        <a:spcBef>
+          <a:spcPts val="500"/>
+        </a:spcBef>
+        <a:buFont typeface="Arial" panose="020B0604020202020204" pitchFamily="34" charset="0"/>
+        <a:buChar char="•"/>
+        <a:defRPr sz="2400" kern="1200">
+          <a:solidFill>
+            <a:schemeClr val="tx1"/>
+          </a:solidFill>
+          <a:latin typeface="+mn-lt"/>
+          <a:ea typeface="+mn-ea"/>
+          <a:cs typeface="+mn-cs"/>
+        </a:defRPr>
+      </a:lvl2pPr>
+      <a:lvl3pPr marL="1143000" indent="-228600" algn="l" defTabSz="914400" rtl="0" eaLnBrk="1" latinLnBrk="0" hangingPunct="1">
+        <a:lnSpc>
+          <a:spcPct val="90000"/>
+        </a:lnSpc>
+        <a:spcBef>
+          <a:spcPts val="500"/>
+        </a:spcBef>
+        <a:buFont typeface="Arial" panose="020B0604020202020204" pitchFamily="34" charset="0"/>
+        <a:buChar char="•"/>
+        <a:defRPr sz="2000" kern="1200">
+          <a:solidFill>
+            <a:schemeClr val="tx1"/>
+          </a:solidFill>
+          <a:latin typeface="+mn-lt"/>
+          <a:ea typeface="+mn-ea"/>
+          <a:cs typeface="+mn-cs"/>
+        </a:defRPr>
+      </a:lvl3pPr>
+      <a:lvl4pPr marL="1600200" indent="-228600" algn="l" defTabSz="914400" rtl="0" eaLnBrk="1" latinLnBrk="0" hangingPunct="1">
+        <a:lnSpc>
+          <a:spcPct val="90000"/>
+        </a:lnSpc>
+        <a:spcBef>
+          <a:spcPts val="500"/>
+        </a:spcBef>
+        <a:buFont typeface="Arial" panose="020B0604020202020204" pitchFamily="34" charset="0"/>
+        <a:buChar char="•"/>
+        <a:defRPr sz="1800" kern="1200">
+          <a:solidFill>
+            <a:schemeClr val="tx1"/>
+          </a:solidFill>
+          <a:latin typeface="+mn-lt"/>
+          <a:ea typeface="+mn-ea"/>
+          <a:cs typeface="+mn-cs"/>
+        </a:defRPr>
+      </a:lvl4pPr>
+      <a:lvl5pPr marL="2057400" indent="-228600" algn="l" defTabSz="914400" rtl="0" eaLnBrk="1" latinLnBrk="0" hangingPunct="1">
+        <a:lnSpc>
+          <a:spcPct val="90000"/>
+        </a:lnSpc>
+        <a:spcBef>
+          <a:spcPts val="500"/>
+        </a:spcBef>
+        <a:buFont typeface="Arial" panose="020B0604020202020204" pitchFamily="34" charset="0"/>
+        <a:buChar char="•"/>
+        <a:defRPr sz="1800" kern="1200">
+          <a:solidFill>
+            <a:schemeClr val="tx1"/>
+          </a:solidFill>
+          <a:latin typeface="+mn-lt"/>
+          <a:ea typeface="+mn-ea"/>
+          <a:cs typeface="+mn-cs"/>
+        </a:defRPr>
+      </a:lvl5pPr>
+      <a:lvl6pPr marL="2514600" indent="-228600" algn="l" defTabSz="914400" rtl="0" eaLnBrk="1" latinLnBrk="0" hangingPunct="1">
+        <a:lnSpc>
+          <a:spcPct val="90000"/>
+        </a:lnSpc>
+        <a:spcBef>
+          <a:spcPts val="500"/>
+        </a:spcBef>
+        <a:buFont typeface="Arial" panose="020B0604020202020204" pitchFamily="34" charset="0"/>
+        <a:buChar char="•"/>
+        <a:defRPr sz="1800" kern="1200">
+          <a:solidFill>
+            <a:schemeClr val="tx1"/>
+          </a:solidFill>
+          <a:latin typeface="+mn-lt"/>
+          <a:ea typeface="+mn-ea"/>
+          <a:cs typeface="+mn-cs"/>
+        </a:defRPr>
+      </a:lvl6pPr>
+      <a:lvl7pPr marL="2971800" indent="-228600" algn="l" defTabSz="914400" rtl="0" eaLnBrk="1" latinLnBrk="0" hangingPunct="1">
+        <a:lnSpc>
+          <a:spcPct val="90000"/>
+        </a:lnSpc>
+        <a:spcBef>
+          <a:spcPts val="500"/>
+        </a:spcBef>
+        <a:buFont typeface="Arial" panose="020B0604020202020204" pitchFamily="34" charset="0"/>
+        <a:buChar char="•"/>
+        <a:defRPr sz="1800" kern="1200">
+          <a:solidFill>
+            <a:schemeClr val="tx1"/>
+          </a:solidFill>
+          <a:latin typeface="+mn-lt"/>
+          <a:ea typeface="+mn-ea"/>
+          <a:cs typeface="+mn-cs"/>
+        </a:defRPr>
+      </a:lvl7pPr>
+      <a:lvl8pPr marL="3429000" indent="-228600" algn="l" defTabSz="914400" rtl="0" eaLnBrk="1" latinLnBrk="0" hangingPunct="1">
+        <a:lnSpc>
+          <a:spcPct val="90000"/>
+        </a:lnSpc>
+        <a:spcBef>
+          <a:spcPts val="500"/>
+        </a:spcBef>
+        <a:buFont typeface="Arial" panose="020B0604020202020204" pitchFamily="34" charset="0"/>
+        <a:buChar char="•"/>
+        <a:defRPr sz="1800" kern="1200">
+          <a:solidFill>
+            <a:schemeClr val="tx1"/>
+          </a:solidFill>
+          <a:latin typeface="+mn-lt"/>
+          <a:ea typeface="+mn-ea"/>
+          <a:cs typeface="+mn-cs"/>
+        </a:defRPr>
+      </a:lvl8pPr>
+      <a:lvl9pPr marL="3886200" indent="-228600" algn="l" defTabSz="914400" rtl="0" eaLnBrk="1" latinLnBrk="0" hangingPunct="1">
+        <a:lnSpc>
+          <a:spcPct val="90000"/>
+        </a:lnSpc>
+        <a:spcBef>
+          <a:spcPts val="500"/>
+        </a:spcBef>
+        <a:buFont typeface="Arial" panose="020B0604020202020204" pitchFamily="34" charset="0"/>
+        <a:buChar char="•"/>
+        <a:defRPr sz="1800" kern="1200">
+          <a:solidFill>
+            <a:schemeClr val="tx1"/>
+          </a:solidFill>
+          <a:latin typeface="+mn-lt"/>
+          <a:ea typeface="+mn-ea"/>
+          <a:cs typeface="+mn-cs"/>
+        </a:defRPr>
+      </a:lvl9pPr>
+    </p:bodyStyle>
+    <p:otherStyle>
+      <a:defPPr>
+        <a:defRPr lang="pt-BR"/>
+      </a:defPPr>
+      <a:lvl1pPr marL="0" algn="l" defTabSz="914400" rtl="0" eaLnBrk="1" latinLnBrk="0" hangingPunct="1">
+        <a:defRPr sz="1800" kern="1200">
+          <a:solidFill>
+            <a:schemeClr val="tx1"/>
+          </a:solidFill>
+          <a:latin typeface="+mn-lt"/>
+          <a:ea typeface="+mn-ea"/>
+          <a:cs typeface="+mn-cs"/>
+        </a:defRPr>
+      </a:lvl1pPr>
+      <a:lvl2pPr marL="457200" algn="l" defTabSz="914400" rtl="0" eaLnBrk="1" latinLnBrk="0" hangingPunct="1">
+        <a:defRPr sz="1800" kern="1200">
+          <a:solidFill>
+            <a:schemeClr val="tx1"/>
+          </a:solidFill>
+          <a:latin typeface="+mn-lt"/>
+          <a:ea typeface="+mn-ea"/>
+          <a:cs typeface="+mn-cs"/>
+        </a:defRPr>
+      </a:lvl2pPr>
+      <a:lvl3pPr marL="914400" algn="l" defTabSz="914400" rtl="0" eaLnBrk="1" latinLnBrk="0" hangingPunct="1">
+        <a:defRPr sz="1800" kern="1200">
+          <a:solidFill>
+            <a:schemeClr val="tx1"/>
+          </a:solidFill>
+          <a:latin typeface="+mn-lt"/>
+          <a:ea typeface="+mn-ea"/>
+          <a:cs typeface="+mn-cs"/>
+        </a:defRPr>
+      </a:lvl3pPr>
+      <a:lvl4pPr marL="1371600" algn="l" defTabSz="914400" rtl="0" eaLnBrk="1" latinLnBrk="0" hangingPunct="1">
+        <a:defRPr sz="1800" kern="1200">
+          <a:solidFill>
+            <a:schemeClr val="tx1"/>
+          </a:solidFill>
+          <a:latin typeface="+mn-lt"/>
+          <a:ea typeface="+mn-ea"/>
+          <a:cs typeface="+mn-cs"/>
+        </a:defRPr>
+      </a:lvl4pPr>
+      <a:lvl5pPr marL="1828800" algn="l" defTabSz="914400" rtl="0" eaLnBrk="1" latinLnBrk="0" hangingPunct="1">
+        <a:defRPr sz="1800" kern="1200">
+          <a:solidFill>
+            <a:schemeClr val="tx1"/>
+          </a:solidFill>
+          <a:latin typeface="+mn-lt"/>
+          <a:ea typeface="+mn-ea"/>
+          <a:cs typeface="+mn-cs"/>
+        </a:defRPr>
+      </a:lvl5pPr>
+      <a:lvl6pPr marL="2286000" algn="l" defTabSz="914400" rtl="0" eaLnBrk="1" latinLnBrk="0" hangingPunct="1">
+        <a:defRPr sz="1800" kern="1200">
+          <a:solidFill>
+            <a:schemeClr val="tx1"/>
+          </a:solidFill>
+          <a:latin typeface="+mn-lt"/>
+          <a:ea typeface="+mn-ea"/>
+          <a:cs typeface="+mn-cs"/>
+        </a:defRPr>
+      </a:lvl6pPr>
+      <a:lvl7pPr marL="2743200" algn="l" defTabSz="914400" rtl="0" eaLnBrk="1" latinLnBrk="0" hangingPunct="1">
+        <a:defRPr sz="1800" kern="1200">
+          <a:solidFill>
+            <a:schemeClr val="tx1"/>
+          </a:solidFill>
+          <a:latin typeface="+mn-lt"/>
+          <a:ea typeface="+mn-ea"/>
+          <a:cs typeface="+mn-cs"/>
+        </a:defRPr>
+      </a:lvl7pPr>
+      <a:lvl8pPr marL="3200400" algn="l" defTabSz="914400" rtl="0" eaLnBrk="1" latinLnBrk="0" hangingPunct="1">
+        <a:defRPr sz="1800" kern="1200">
+          <a:solidFill>
+            <a:schemeClr val="tx1"/>
+          </a:solidFill>
+          <a:latin typeface="+mn-lt"/>
+          <a:ea typeface="+mn-ea"/>
+          <a:cs typeface="+mn-cs"/>
+        </a:defRPr>
+      </a:lvl8pPr>
+      <a:lvl9pPr marL="3657600" algn="l" defTabSz="914400" rtl="0" eaLnBrk="1" latinLnBrk="0" hangingPunct="1">
+        <a:defRPr sz="1800" kern="1200">
+          <a:solidFill>
+            <a:schemeClr val="tx1"/>
+          </a:solidFill>
+          <a:latin typeface="+mn-lt"/>
+          <a:ea typeface="+mn-ea"/>
+          <a:cs typeface="+mn-cs"/>
+        </a:defRPr>
+      </a:lvl9pPr>
+    </p:otherStyle>
+  </p:txStyles>
 </p:sldMaster>
 </file>
 
 <file path=ppt/slideMasters/slideMaster2.xml><?xml version="1.0" encoding="utf-8"?>
-<p:sldMaster xmlns:a="http://schemas.openxmlformats.org/drawingml/2006/main" xmlns:p="http://schemas.openxmlformats.org/presentationml/2006/main" xmlns:r="http://schemas.openxmlformats.org/officeDocument/2006/relationships" xmlns:p14="http://schemas.microsoft.com/office/powerpoint/2010/main" xmlns:p15="http://schemas.microsoft.com/office/powerpoint/2012/main" xmlns:mc="http://schemas.openxmlformats.org/markup-compatibility/2006">
+<p:sldMaster xmlns:a="http://schemas.openxmlformats.org/drawingml/2006/main" xmlns:r="http://schemas.openxmlformats.org/officeDocument/2006/relationships" xmlns:p="http://schemas.openxmlformats.org/presentationml/2006/main">
   <p:cSld>
     <p:bg>
       <p:bgPr>
         <a:solidFill>
           <a:schemeClr val="lt1"/>
         </a:solidFill>
+        <a:effectLst/>
       </p:bgPr>
     </p:bg>
     <p:spTree>
@@ -5305,7 +5874,7 @@
           </a:ln>
         </p:spPr>
         <p:txBody>
-          <a:bodyPr lIns="90000" rIns="90000" tIns="-45000" bIns="-45000" anchor="t">
+          <a:bodyPr lIns="90000" tIns="-45000" rIns="90000" bIns="-45000" anchor="t">
             <a:noAutofit/>
           </a:bodyPr>
           <a:lstStyle>
@@ -5315,9 +5884,9 @@
               </a:lnSpc>
               <a:buNone/>
               <a:tabLst>
-                <a:tab algn="l" pos="0"/>
+                <a:tab pos="0" algn="l"/>
               </a:tabLst>
-              <a:defRPr b="0" lang="pt-BR" sz="1400" spc="-1" strike="noStrike">
+              <a:defRPr lang="pt-BR" sz="1400" b="0" strike="noStrike" spc="-1">
                 <a:solidFill>
                   <a:srgbClr val="000000"/>
                 </a:solidFill>
@@ -5333,11 +5902,11 @@
               </a:lnSpc>
               <a:buNone/>
               <a:tabLst>
-                <a:tab algn="l" pos="0"/>
+                <a:tab pos="0" algn="l"/>
               </a:tabLst>
             </a:pPr>
             <a:r>
-              <a:rPr b="0" lang="pt-BR" sz="1400" spc="-1" strike="noStrike">
+              <a:rPr lang="pt-BR" sz="1400" b="0" strike="noStrike" spc="-1">
                 <a:solidFill>
                   <a:srgbClr val="000000"/>
                 </a:solidFill>
@@ -5346,7 +5915,7 @@
               </a:rPr>
               <a:t>&lt;footer&gt;</a:t>
             </a:r>
-            <a:endParaRPr b="0" lang="pt-BR" sz="1400" spc="-1" strike="noStrike">
+            <a:endParaRPr lang="pt-BR" sz="1400" b="0" strike="noStrike" spc="-1">
               <a:solidFill>
                 <a:srgbClr val="000000"/>
               </a:solidFill>
@@ -5379,7 +5948,7 @@
           </a:ln>
         </p:spPr>
         <p:txBody>
-          <a:bodyPr lIns="90000" rIns="90000" tIns="-45000" bIns="-45000" anchor="t">
+          <a:bodyPr lIns="90000" tIns="-45000" rIns="90000" bIns="-45000" anchor="t">
             <a:noAutofit/>
           </a:bodyPr>
           <a:lstStyle>
@@ -5389,9 +5958,9 @@
               </a:lnSpc>
               <a:buNone/>
               <a:tabLst>
-                <a:tab algn="l" pos="0"/>
+                <a:tab pos="0" algn="l"/>
               </a:tabLst>
-              <a:defRPr b="0" lang="pt-BR" sz="1400" spc="-1" strike="noStrike">
+              <a:defRPr lang="pt-BR" sz="1400" b="0" strike="noStrike" spc="-1">
                 <a:solidFill>
                   <a:srgbClr val="000000"/>
                 </a:solidFill>
@@ -5407,20 +5976,20 @@
               </a:lnSpc>
               <a:buNone/>
               <a:tabLst>
-                <a:tab algn="l" pos="0"/>
+                <a:tab pos="0" algn="l"/>
               </a:tabLst>
             </a:pPr>
             <a:fld id="{8BC38C1E-1229-425C-97FA-0C7FB74BE54F}" type="slidenum">
-              <a:rPr b="0" lang="pt-BR" sz="1400" spc="-1" strike="noStrike">
+              <a:rPr lang="pt-BR" sz="1400" b="0" strike="noStrike" spc="-1">
                 <a:solidFill>
                   <a:srgbClr val="000000"/>
                 </a:solidFill>
                 <a:latin typeface="Arial"/>
                 <a:ea typeface="Arial"/>
               </a:rPr>
-              <a:t>&lt;number&gt;</a:t>
+              <a:t>‹nº›</a:t>
             </a:fld>
-            <a:endParaRPr b="0" lang="pt-BR" sz="1400" spc="-1" strike="noStrike">
+            <a:endParaRPr lang="pt-BR" sz="1400" b="0" strike="noStrike" spc="-1">
               <a:solidFill>
                 <a:srgbClr val="000000"/>
               </a:solidFill>
@@ -5453,13 +6022,13 @@
           </a:ln>
         </p:spPr>
         <p:txBody>
-          <a:bodyPr lIns="90000" rIns="90000" tIns="-45000" bIns="-45000" anchor="t">
+          <a:bodyPr lIns="90000" tIns="-45000" rIns="90000" bIns="-45000" anchor="t">
             <a:noAutofit/>
           </a:bodyPr>
           <a:lstStyle>
             <a:lvl1pPr indent="0">
               <a:buNone/>
-              <a:defRPr b="0" lang="pt-BR" sz="1400" spc="-1" strike="noStrike">
+              <a:defRPr lang="pt-BR" sz="1400" b="0" strike="noStrike" spc="-1">
                 <a:solidFill>
                   <a:srgbClr val="000000"/>
                 </a:solidFill>
@@ -5472,7 +6041,7 @@
               <a:buNone/>
             </a:pPr>
             <a:r>
-              <a:rPr b="0" lang="pt-BR" sz="1400" spc="-1" strike="noStrike">
+              <a:rPr lang="pt-BR" sz="1400" b="0" strike="noStrike" spc="-1">
                 <a:solidFill>
                   <a:srgbClr val="000000"/>
                 </a:solidFill>
@@ -5480,12 +6049,6 @@
               </a:rPr>
               <a:t>&lt;date/time&gt;</a:t>
             </a:r>
-            <a:endParaRPr b="0" lang="pt-BR" sz="1400" spc="-1" strike="noStrike">
-              <a:solidFill>
-                <a:srgbClr val="000000"/>
-              </a:solidFill>
-              <a:latin typeface="Times New Roman"/>
-            </a:endParaRPr>
           </a:p>
         </p:txBody>
       </p:sp>
@@ -5513,15 +6076,16 @@
           </a:ln>
         </p:spPr>
         <p:txBody>
-          <a:bodyPr lIns="0" rIns="0" tIns="0" bIns="0" anchor="ctr">
+          <a:bodyPr lIns="0" tIns="0" rIns="0" bIns="0" anchor="ctr">
             <a:noAutofit/>
           </a:bodyPr>
+          <a:lstStyle/>
           <a:p>
             <a:pPr indent="0" algn="ctr">
               <a:buNone/>
             </a:pPr>
             <a:r>
-              <a:rPr b="0" lang="pt-BR" sz="4400" spc="-1" strike="noStrike">
+              <a:rPr lang="pt-BR" sz="4400" b="0" strike="noStrike" spc="-1">
                 <a:solidFill>
                   <a:srgbClr val="000000"/>
                 </a:solidFill>
@@ -5529,12 +6093,6 @@
               </a:rPr>
               <a:t>Click to edit the title text format</a:t>
             </a:r>
-            <a:endParaRPr b="0" lang="pt-BR" sz="4400" spc="-1" strike="noStrike">
-              <a:solidFill>
-                <a:srgbClr val="000000"/>
-              </a:solidFill>
-              <a:latin typeface="Arial"/>
-            </a:endParaRPr>
           </a:p>
         </p:txBody>
       </p:sp>
@@ -5562,9 +6120,10 @@
           </a:ln>
         </p:spPr>
         <p:txBody>
-          <a:bodyPr lIns="0" rIns="0" tIns="0" bIns="0" anchor="t">
+          <a:bodyPr lIns="0" tIns="0" rIns="0" bIns="0" anchor="t">
             <a:normAutofit/>
           </a:bodyPr>
+          <a:lstStyle/>
           <a:p>
             <a:pPr marL="432000" indent="-324000">
               <a:spcBef>
@@ -5578,7 +6137,7 @@
               <a:buChar char=""/>
             </a:pPr>
             <a:r>
-              <a:rPr b="0" lang="pt-BR" sz="3200" spc="-1" strike="noStrike">
+              <a:rPr lang="pt-BR" sz="3200" b="0" strike="noStrike" spc="-1">
                 <a:solidFill>
                   <a:srgbClr val="000000"/>
                 </a:solidFill>
@@ -5586,15 +6145,9 @@
               </a:rPr>
               <a:t>Click to edit the outline text format</a:t>
             </a:r>
-            <a:endParaRPr b="0" lang="pt-BR" sz="3200" spc="-1" strike="noStrike">
-              <a:solidFill>
-                <a:srgbClr val="000000"/>
-              </a:solidFill>
-              <a:latin typeface="Arial"/>
-            </a:endParaRPr>
-          </a:p>
-          <a:p>
-            <a:pPr lvl="1" marL="864000" indent="-324000">
+          </a:p>
+          <a:p>
+            <a:pPr marL="864000" lvl="1" indent="-324000">
               <a:spcBef>
                 <a:spcPts val="1134"/>
               </a:spcBef>
@@ -5606,7 +6159,7 @@
               <a:buChar char=""/>
             </a:pPr>
             <a:r>
-              <a:rPr b="0" lang="pt-BR" sz="2800" spc="-1" strike="noStrike">
+              <a:rPr lang="pt-BR" sz="2800" b="0" strike="noStrike" spc="-1">
                 <a:solidFill>
                   <a:srgbClr val="000000"/>
                 </a:solidFill>
@@ -5614,15 +6167,9 @@
               </a:rPr>
               <a:t>Second Outline Level</a:t>
             </a:r>
-            <a:endParaRPr b="0" lang="pt-BR" sz="2800" spc="-1" strike="noStrike">
-              <a:solidFill>
-                <a:srgbClr val="000000"/>
-              </a:solidFill>
-              <a:latin typeface="Arial"/>
-            </a:endParaRPr>
-          </a:p>
-          <a:p>
-            <a:pPr lvl="2" marL="1296000" indent="-288000">
+          </a:p>
+          <a:p>
+            <a:pPr marL="1296000" lvl="2" indent="-288000">
               <a:spcBef>
                 <a:spcPts val="850"/>
               </a:spcBef>
@@ -5634,7 +6181,7 @@
               <a:buChar char=""/>
             </a:pPr>
             <a:r>
-              <a:rPr b="0" lang="pt-BR" sz="2400" spc="-1" strike="noStrike">
+              <a:rPr lang="pt-BR" sz="2400" b="0" strike="noStrike" spc="-1">
                 <a:solidFill>
                   <a:srgbClr val="000000"/>
                 </a:solidFill>
@@ -5642,15 +6189,9 @@
               </a:rPr>
               <a:t>Third Outline Level</a:t>
             </a:r>
-            <a:endParaRPr b="0" lang="pt-BR" sz="2400" spc="-1" strike="noStrike">
-              <a:solidFill>
-                <a:srgbClr val="000000"/>
-              </a:solidFill>
-              <a:latin typeface="Arial"/>
-            </a:endParaRPr>
-          </a:p>
-          <a:p>
-            <a:pPr lvl="3" marL="1728000" indent="-216000">
+          </a:p>
+          <a:p>
+            <a:pPr marL="1728000" lvl="3" indent="-216000">
               <a:spcBef>
                 <a:spcPts val="567"/>
               </a:spcBef>
@@ -5662,7 +6203,7 @@
               <a:buChar char=""/>
             </a:pPr>
             <a:r>
-              <a:rPr b="0" lang="pt-BR" sz="2000" spc="-1" strike="noStrike">
+              <a:rPr lang="pt-BR" sz="2000" b="0" strike="noStrike" spc="-1">
                 <a:solidFill>
                   <a:srgbClr val="000000"/>
                 </a:solidFill>
@@ -5670,15 +6211,9 @@
               </a:rPr>
               <a:t>Fourth Outline Level</a:t>
             </a:r>
-            <a:endParaRPr b="0" lang="pt-BR" sz="2000" spc="-1" strike="noStrike">
-              <a:solidFill>
-                <a:srgbClr val="000000"/>
-              </a:solidFill>
-              <a:latin typeface="Arial"/>
-            </a:endParaRPr>
-          </a:p>
-          <a:p>
-            <a:pPr lvl="4" marL="2160000" indent="-216000">
+          </a:p>
+          <a:p>
+            <a:pPr marL="2160000" lvl="4" indent="-216000">
               <a:spcBef>
                 <a:spcPts val="283"/>
               </a:spcBef>
@@ -5690,7 +6225,7 @@
               <a:buChar char=""/>
             </a:pPr>
             <a:r>
-              <a:rPr b="0" lang="pt-BR" sz="2000" spc="-1" strike="noStrike">
+              <a:rPr lang="pt-BR" sz="2000" b="0" strike="noStrike" spc="-1">
                 <a:solidFill>
                   <a:srgbClr val="000000"/>
                 </a:solidFill>
@@ -5698,15 +6233,9 @@
               </a:rPr>
               <a:t>Fifth Outline Level</a:t>
             </a:r>
-            <a:endParaRPr b="0" lang="pt-BR" sz="2000" spc="-1" strike="noStrike">
-              <a:solidFill>
-                <a:srgbClr val="000000"/>
-              </a:solidFill>
-              <a:latin typeface="Arial"/>
-            </a:endParaRPr>
-          </a:p>
-          <a:p>
-            <a:pPr lvl="5" marL="2592000" indent="-216000">
+          </a:p>
+          <a:p>
+            <a:pPr marL="2592000" lvl="5" indent="-216000">
               <a:spcBef>
                 <a:spcPts val="283"/>
               </a:spcBef>
@@ -5718,7 +6247,7 @@
               <a:buChar char=""/>
             </a:pPr>
             <a:r>
-              <a:rPr b="0" lang="pt-BR" sz="2000" spc="-1" strike="noStrike">
+              <a:rPr lang="pt-BR" sz="2000" b="0" strike="noStrike" spc="-1">
                 <a:solidFill>
                   <a:srgbClr val="000000"/>
                 </a:solidFill>
@@ -5726,15 +6255,9 @@
               </a:rPr>
               <a:t>Sixth Outline Level</a:t>
             </a:r>
-            <a:endParaRPr b="0" lang="pt-BR" sz="2000" spc="-1" strike="noStrike">
-              <a:solidFill>
-                <a:srgbClr val="000000"/>
-              </a:solidFill>
-              <a:latin typeface="Arial"/>
-            </a:endParaRPr>
-          </a:p>
-          <a:p>
-            <a:pPr lvl="6" marL="3024000" indent="-216000">
+          </a:p>
+          <a:p>
+            <a:pPr marL="3024000" lvl="6" indent="-216000">
               <a:spcBef>
                 <a:spcPts val="283"/>
               </a:spcBef>
@@ -5746,7 +6269,7 @@
               <a:buChar char=""/>
             </a:pPr>
             <a:r>
-              <a:rPr b="0" lang="pt-BR" sz="2000" spc="-1" strike="noStrike">
+              <a:rPr lang="pt-BR" sz="2000" b="0" strike="noStrike" spc="-1">
                 <a:solidFill>
                   <a:srgbClr val="000000"/>
                 </a:solidFill>
@@ -5754,37 +6277,311 @@
               </a:rPr>
               <a:t>Seventh Outline Level</a:t>
             </a:r>
-            <a:endParaRPr b="0" lang="pt-BR" sz="2000" spc="-1" strike="noStrike">
-              <a:solidFill>
-                <a:srgbClr val="000000"/>
-              </a:solidFill>
-              <a:latin typeface="Arial"/>
-            </a:endParaRPr>
           </a:p>
         </p:txBody>
       </p:sp>
     </p:spTree>
   </p:cSld>
-  <p:clrMap bg1="lt1" bg2="lt2" tx1="dk1" tx2="dk2" accent1="accent1" accent2="accent2" accent3="accent3" accent4="accent4" accent5="accent5" accent6="accent6" hlink="hlink" folHlink="folHlink"/>
+  <p:clrMap bg1="lt1" tx1="dk1" bg2="lt2" tx2="dk2" accent1="accent1" accent2="accent2" accent3="accent3" accent4="accent4" accent5="accent5" accent6="accent6" hlink="hlink" folHlink="folHlink"/>
   <p:sldLayoutIdLst>
-    <p:sldLayoutId id="2147483662" r:id="rId2"/>
-    <p:sldLayoutId id="2147483663" r:id="rId3"/>
-    <p:sldLayoutId id="2147483664" r:id="rId4"/>
-    <p:sldLayoutId id="2147483665" r:id="rId5"/>
-    <p:sldLayoutId id="2147483666" r:id="rId6"/>
-    <p:sldLayoutId id="2147483667" r:id="rId7"/>
-    <p:sldLayoutId id="2147483668" r:id="rId8"/>
-    <p:sldLayoutId id="2147483669" r:id="rId9"/>
-    <p:sldLayoutId id="2147483670" r:id="rId10"/>
-    <p:sldLayoutId id="2147483671" r:id="rId11"/>
-    <p:sldLayoutId id="2147483672" r:id="rId12"/>
-    <p:sldLayoutId id="2147483673" r:id="rId13"/>
+    <p:sldLayoutId id="2147483662" r:id="rId1"/>
+    <p:sldLayoutId id="2147483663" r:id="rId2"/>
+    <p:sldLayoutId id="2147483664" r:id="rId3"/>
+    <p:sldLayoutId id="2147483665" r:id="rId4"/>
+    <p:sldLayoutId id="2147483666" r:id="rId5"/>
+    <p:sldLayoutId id="2147483667" r:id="rId6"/>
+    <p:sldLayoutId id="2147483668" r:id="rId7"/>
+    <p:sldLayoutId id="2147483669" r:id="rId8"/>
+    <p:sldLayoutId id="2147483670" r:id="rId9"/>
+    <p:sldLayoutId id="2147483671" r:id="rId10"/>
+    <p:sldLayoutId id="2147483672" r:id="rId11"/>
+    <p:sldLayoutId id="2147483673" r:id="rId12"/>
   </p:sldLayoutIdLst>
+  <p:txStyles>
+    <p:titleStyle>
+      <a:lvl1pPr algn="l" defTabSz="914400" rtl="0" eaLnBrk="1" latinLnBrk="0" hangingPunct="1">
+        <a:lnSpc>
+          <a:spcPct val="90000"/>
+        </a:lnSpc>
+        <a:spcBef>
+          <a:spcPct val="0"/>
+        </a:spcBef>
+        <a:buNone/>
+        <a:defRPr sz="4400" kern="1200">
+          <a:solidFill>
+            <a:schemeClr val="tx1"/>
+          </a:solidFill>
+          <a:latin typeface="+mj-lt"/>
+          <a:ea typeface="+mj-ea"/>
+          <a:cs typeface="+mj-cs"/>
+        </a:defRPr>
+      </a:lvl1pPr>
+    </p:titleStyle>
+    <p:bodyStyle>
+      <a:lvl1pPr marL="228600" indent="-228600" algn="l" defTabSz="914400" rtl="0" eaLnBrk="1" latinLnBrk="0" hangingPunct="1">
+        <a:lnSpc>
+          <a:spcPct val="90000"/>
+        </a:lnSpc>
+        <a:spcBef>
+          <a:spcPts val="1000"/>
+        </a:spcBef>
+        <a:buFont typeface="Arial" panose="020B0604020202020204" pitchFamily="34" charset="0"/>
+        <a:buChar char="•"/>
+        <a:defRPr sz="2800" kern="1200">
+          <a:solidFill>
+            <a:schemeClr val="tx1"/>
+          </a:solidFill>
+          <a:latin typeface="+mn-lt"/>
+          <a:ea typeface="+mn-ea"/>
+          <a:cs typeface="+mn-cs"/>
+        </a:defRPr>
+      </a:lvl1pPr>
+      <a:lvl2pPr marL="685800" indent="-228600" algn="l" defTabSz="914400" rtl="0" eaLnBrk="1" latinLnBrk="0" hangingPunct="1">
+        <a:lnSpc>
+          <a:spcPct val="90000"/>
+        </a:lnSpc>
+        <a:spcBef>
+          <a:spcPts val="500"/>
+        </a:spcBef>
+        <a:buFont typeface="Arial" panose="020B0604020202020204" pitchFamily="34" charset="0"/>
+        <a:buChar char="•"/>
+        <a:defRPr sz="2400" kern="1200">
+          <a:solidFill>
+            <a:schemeClr val="tx1"/>
+          </a:solidFill>
+          <a:latin typeface="+mn-lt"/>
+          <a:ea typeface="+mn-ea"/>
+          <a:cs typeface="+mn-cs"/>
+        </a:defRPr>
+      </a:lvl2pPr>
+      <a:lvl3pPr marL="1143000" indent="-228600" algn="l" defTabSz="914400" rtl="0" eaLnBrk="1" latinLnBrk="0" hangingPunct="1">
+        <a:lnSpc>
+          <a:spcPct val="90000"/>
+        </a:lnSpc>
+        <a:spcBef>
+          <a:spcPts val="500"/>
+        </a:spcBef>
+        <a:buFont typeface="Arial" panose="020B0604020202020204" pitchFamily="34" charset="0"/>
+        <a:buChar char="•"/>
+        <a:defRPr sz="2000" kern="1200">
+          <a:solidFill>
+            <a:schemeClr val="tx1"/>
+          </a:solidFill>
+          <a:latin typeface="+mn-lt"/>
+          <a:ea typeface="+mn-ea"/>
+          <a:cs typeface="+mn-cs"/>
+        </a:defRPr>
+      </a:lvl3pPr>
+      <a:lvl4pPr marL="1600200" indent="-228600" algn="l" defTabSz="914400" rtl="0" eaLnBrk="1" latinLnBrk="0" hangingPunct="1">
+        <a:lnSpc>
+          <a:spcPct val="90000"/>
+        </a:lnSpc>
+        <a:spcBef>
+          <a:spcPts val="500"/>
+        </a:spcBef>
+        <a:buFont typeface="Arial" panose="020B0604020202020204" pitchFamily="34" charset="0"/>
+        <a:buChar char="•"/>
+        <a:defRPr sz="1800" kern="1200">
+          <a:solidFill>
+            <a:schemeClr val="tx1"/>
+          </a:solidFill>
+          <a:latin typeface="+mn-lt"/>
+          <a:ea typeface="+mn-ea"/>
+          <a:cs typeface="+mn-cs"/>
+        </a:defRPr>
+      </a:lvl4pPr>
+      <a:lvl5pPr marL="2057400" indent="-228600" algn="l" defTabSz="914400" rtl="0" eaLnBrk="1" latinLnBrk="0" hangingPunct="1">
+        <a:lnSpc>
+          <a:spcPct val="90000"/>
+        </a:lnSpc>
+        <a:spcBef>
+          <a:spcPts val="500"/>
+        </a:spcBef>
+        <a:buFont typeface="Arial" panose="020B0604020202020204" pitchFamily="34" charset="0"/>
+        <a:buChar char="•"/>
+        <a:defRPr sz="1800" kern="1200">
+          <a:solidFill>
+            <a:schemeClr val="tx1"/>
+          </a:solidFill>
+          <a:latin typeface="+mn-lt"/>
+          <a:ea typeface="+mn-ea"/>
+          <a:cs typeface="+mn-cs"/>
+        </a:defRPr>
+      </a:lvl5pPr>
+      <a:lvl6pPr marL="2514600" indent="-228600" algn="l" defTabSz="914400" rtl="0" eaLnBrk="1" latinLnBrk="0" hangingPunct="1">
+        <a:lnSpc>
+          <a:spcPct val="90000"/>
+        </a:lnSpc>
+        <a:spcBef>
+          <a:spcPts val="500"/>
+        </a:spcBef>
+        <a:buFont typeface="Arial" panose="020B0604020202020204" pitchFamily="34" charset="0"/>
+        <a:buChar char="•"/>
+        <a:defRPr sz="1800" kern="1200">
+          <a:solidFill>
+            <a:schemeClr val="tx1"/>
+          </a:solidFill>
+          <a:latin typeface="+mn-lt"/>
+          <a:ea typeface="+mn-ea"/>
+          <a:cs typeface="+mn-cs"/>
+        </a:defRPr>
+      </a:lvl6pPr>
+      <a:lvl7pPr marL="2971800" indent="-228600" algn="l" defTabSz="914400" rtl="0" eaLnBrk="1" latinLnBrk="0" hangingPunct="1">
+        <a:lnSpc>
+          <a:spcPct val="90000"/>
+        </a:lnSpc>
+        <a:spcBef>
+          <a:spcPts val="500"/>
+        </a:spcBef>
+        <a:buFont typeface="Arial" panose="020B0604020202020204" pitchFamily="34" charset="0"/>
+        <a:buChar char="•"/>
+        <a:defRPr sz="1800" kern="1200">
+          <a:solidFill>
+            <a:schemeClr val="tx1"/>
+          </a:solidFill>
+          <a:latin typeface="+mn-lt"/>
+          <a:ea typeface="+mn-ea"/>
+          <a:cs typeface="+mn-cs"/>
+        </a:defRPr>
+      </a:lvl7pPr>
+      <a:lvl8pPr marL="3429000" indent="-228600" algn="l" defTabSz="914400" rtl="0" eaLnBrk="1" latinLnBrk="0" hangingPunct="1">
+        <a:lnSpc>
+          <a:spcPct val="90000"/>
+        </a:lnSpc>
+        <a:spcBef>
+          <a:spcPts val="500"/>
+        </a:spcBef>
+        <a:buFont typeface="Arial" panose="020B0604020202020204" pitchFamily="34" charset="0"/>
+        <a:buChar char="•"/>
+        <a:defRPr sz="1800" kern="1200">
+          <a:solidFill>
+            <a:schemeClr val="tx1"/>
+          </a:solidFill>
+          <a:latin typeface="+mn-lt"/>
+          <a:ea typeface="+mn-ea"/>
+          <a:cs typeface="+mn-cs"/>
+        </a:defRPr>
+      </a:lvl8pPr>
+      <a:lvl9pPr marL="3886200" indent="-228600" algn="l" defTabSz="914400" rtl="0" eaLnBrk="1" latinLnBrk="0" hangingPunct="1">
+        <a:lnSpc>
+          <a:spcPct val="90000"/>
+        </a:lnSpc>
+        <a:spcBef>
+          <a:spcPts val="500"/>
+        </a:spcBef>
+        <a:buFont typeface="Arial" panose="020B0604020202020204" pitchFamily="34" charset="0"/>
+        <a:buChar char="•"/>
+        <a:defRPr sz="1800" kern="1200">
+          <a:solidFill>
+            <a:schemeClr val="tx1"/>
+          </a:solidFill>
+          <a:latin typeface="+mn-lt"/>
+          <a:ea typeface="+mn-ea"/>
+          <a:cs typeface="+mn-cs"/>
+        </a:defRPr>
+      </a:lvl9pPr>
+    </p:bodyStyle>
+    <p:otherStyle>
+      <a:defPPr>
+        <a:defRPr lang="pt-BR"/>
+      </a:defPPr>
+      <a:lvl1pPr marL="0" algn="l" defTabSz="914400" rtl="0" eaLnBrk="1" latinLnBrk="0" hangingPunct="1">
+        <a:defRPr sz="1800" kern="1200">
+          <a:solidFill>
+            <a:schemeClr val="tx1"/>
+          </a:solidFill>
+          <a:latin typeface="+mn-lt"/>
+          <a:ea typeface="+mn-ea"/>
+          <a:cs typeface="+mn-cs"/>
+        </a:defRPr>
+      </a:lvl1pPr>
+      <a:lvl2pPr marL="457200" algn="l" defTabSz="914400" rtl="0" eaLnBrk="1" latinLnBrk="0" hangingPunct="1">
+        <a:defRPr sz="1800" kern="1200">
+          <a:solidFill>
+            <a:schemeClr val="tx1"/>
+          </a:solidFill>
+          <a:latin typeface="+mn-lt"/>
+          <a:ea typeface="+mn-ea"/>
+          <a:cs typeface="+mn-cs"/>
+        </a:defRPr>
+      </a:lvl2pPr>
+      <a:lvl3pPr marL="914400" algn="l" defTabSz="914400" rtl="0" eaLnBrk="1" latinLnBrk="0" hangingPunct="1">
+        <a:defRPr sz="1800" kern="1200">
+          <a:solidFill>
+            <a:schemeClr val="tx1"/>
+          </a:solidFill>
+          <a:latin typeface="+mn-lt"/>
+          <a:ea typeface="+mn-ea"/>
+          <a:cs typeface="+mn-cs"/>
+        </a:defRPr>
+      </a:lvl3pPr>
+      <a:lvl4pPr marL="1371600" algn="l" defTabSz="914400" rtl="0" eaLnBrk="1" latinLnBrk="0" hangingPunct="1">
+        <a:defRPr sz="1800" kern="1200">
+          <a:solidFill>
+            <a:schemeClr val="tx1"/>
+          </a:solidFill>
+          <a:latin typeface="+mn-lt"/>
+          <a:ea typeface="+mn-ea"/>
+          <a:cs typeface="+mn-cs"/>
+        </a:defRPr>
+      </a:lvl4pPr>
+      <a:lvl5pPr marL="1828800" algn="l" defTabSz="914400" rtl="0" eaLnBrk="1" latinLnBrk="0" hangingPunct="1">
+        <a:defRPr sz="1800" kern="1200">
+          <a:solidFill>
+            <a:schemeClr val="tx1"/>
+          </a:solidFill>
+          <a:latin typeface="+mn-lt"/>
+          <a:ea typeface="+mn-ea"/>
+          <a:cs typeface="+mn-cs"/>
+        </a:defRPr>
+      </a:lvl5pPr>
+      <a:lvl6pPr marL="2286000" algn="l" defTabSz="914400" rtl="0" eaLnBrk="1" latinLnBrk="0" hangingPunct="1">
+        <a:defRPr sz="1800" kern="1200">
+          <a:solidFill>
+            <a:schemeClr val="tx1"/>
+          </a:solidFill>
+          <a:latin typeface="+mn-lt"/>
+          <a:ea typeface="+mn-ea"/>
+          <a:cs typeface="+mn-cs"/>
+        </a:defRPr>
+      </a:lvl6pPr>
+      <a:lvl7pPr marL="2743200" algn="l" defTabSz="914400" rtl="0" eaLnBrk="1" latinLnBrk="0" hangingPunct="1">
+        <a:defRPr sz="1800" kern="1200">
+          <a:solidFill>
+            <a:schemeClr val="tx1"/>
+          </a:solidFill>
+          <a:latin typeface="+mn-lt"/>
+          <a:ea typeface="+mn-ea"/>
+          <a:cs typeface="+mn-cs"/>
+        </a:defRPr>
+      </a:lvl7pPr>
+      <a:lvl8pPr marL="3200400" algn="l" defTabSz="914400" rtl="0" eaLnBrk="1" latinLnBrk="0" hangingPunct="1">
+        <a:defRPr sz="1800" kern="1200">
+          <a:solidFill>
+            <a:schemeClr val="tx1"/>
+          </a:solidFill>
+          <a:latin typeface="+mn-lt"/>
+          <a:ea typeface="+mn-ea"/>
+          <a:cs typeface="+mn-cs"/>
+        </a:defRPr>
+      </a:lvl8pPr>
+      <a:lvl9pPr marL="3657600" algn="l" defTabSz="914400" rtl="0" eaLnBrk="1" latinLnBrk="0" hangingPunct="1">
+        <a:defRPr sz="1800" kern="1200">
+          <a:solidFill>
+            <a:schemeClr val="tx1"/>
+          </a:solidFill>
+          <a:latin typeface="+mn-lt"/>
+          <a:ea typeface="+mn-ea"/>
+          <a:cs typeface="+mn-cs"/>
+        </a:defRPr>
+      </a:lvl9pPr>
+    </p:otherStyle>
+  </p:txStyles>
 </p:sldMaster>
 </file>
 
 <file path=ppt/slides/slide1.xml><?xml version="1.0" encoding="utf-8"?>
-<p:sld xmlns:a="http://schemas.openxmlformats.org/drawingml/2006/main" xmlns:p="http://schemas.openxmlformats.org/presentationml/2006/main" xmlns:r="http://schemas.openxmlformats.org/officeDocument/2006/relationships" xmlns:p14="http://schemas.microsoft.com/office/powerpoint/2010/main" xmlns:p15="http://schemas.microsoft.com/office/powerpoint/2012/main" xmlns:mc="http://schemas.openxmlformats.org/markup-compatibility/2006">
+<p:sld xmlns:a="http://schemas.openxmlformats.org/drawingml/2006/main" xmlns:r="http://schemas.openxmlformats.org/officeDocument/2006/relationships" xmlns:p="http://schemas.openxmlformats.org/presentationml/2006/main">
   <p:cSld>
     <p:spTree>
       <p:nvGrpSpPr>
@@ -5824,9 +6621,10 @@
           </a:ln>
         </p:spPr>
         <p:txBody>
-          <a:bodyPr lIns="0" rIns="0" tIns="91440" bIns="91440" anchor="t">
+          <a:bodyPr lIns="0" tIns="91440" rIns="0" bIns="91440" anchor="t">
             <a:noAutofit/>
           </a:bodyPr>
+          <a:lstStyle/>
           <a:p>
             <a:pPr indent="0">
               <a:lnSpc>
@@ -5834,11 +6632,11 @@
               </a:lnSpc>
               <a:buNone/>
               <a:tabLst>
-                <a:tab algn="l" pos="0"/>
+                <a:tab pos="0" algn="l"/>
               </a:tabLst>
             </a:pPr>
             <a:r>
-              <a:rPr b="1" lang="pt-BR" sz="2000" spc="-1" strike="noStrike">
+              <a:rPr lang="pt-BR" sz="2000" b="1" strike="noStrike" spc="-1">
                 <a:solidFill>
                   <a:schemeClr val="dk1"/>
                 </a:solidFill>
@@ -5848,16 +6646,16 @@
               <a:t>Técnico em Informática </a:t>
             </a:r>
             <a:r>
-              <a:rPr b="1" lang="pt-BR" sz="2000" spc="-1" strike="noStrike">
+              <a:rPr lang="pt-BR" sz="2000" b="1" strike="noStrike" spc="-1">
                 <a:solidFill>
-                  <a:srgbClr val="ffde59"/>
+                  <a:srgbClr val="FFDE59"/>
                 </a:solidFill>
                 <a:latin typeface="Trebuchet MS"/>
                 <a:ea typeface="Overpass"/>
               </a:rPr>
               <a:t>UC13</a:t>
             </a:r>
-            <a:endParaRPr b="0" lang="pt-BR" sz="2000" spc="-1" strike="noStrike">
+            <a:endParaRPr lang="pt-BR" sz="2000" b="0" strike="noStrike" spc="-1">
               <a:solidFill>
                 <a:srgbClr val="000000"/>
               </a:solidFill>
@@ -5890,9 +6688,10 @@
           </a:ln>
         </p:spPr>
         <p:txBody>
-          <a:bodyPr lIns="0" rIns="0" tIns="91440" bIns="91440" anchor="t">
+          <a:bodyPr lIns="0" tIns="91440" rIns="0" bIns="91440" anchor="t">
             <a:noAutofit/>
           </a:bodyPr>
+          <a:lstStyle/>
           <a:p>
             <a:pPr marL="228600" indent="0">
               <a:lnSpc>
@@ -5903,11 +6702,11 @@
               </a:spcBef>
               <a:buNone/>
               <a:tabLst>
-                <a:tab algn="l" pos="0"/>
+                <a:tab pos="0" algn="l"/>
               </a:tabLst>
             </a:pPr>
             <a:r>
-              <a:rPr b="0" lang="pt-BR" sz="2600" spc="-1" strike="noStrike">
+              <a:rPr lang="pt-BR" sz="2600" b="0" strike="noStrike" spc="-1">
                 <a:solidFill>
                   <a:schemeClr val="dk2"/>
                 </a:solidFill>
@@ -5917,7 +6716,7 @@
               <a:t>Prof. Daniel Mesquita </a:t>
             </a:r>
             <a:r>
-              <a:rPr b="0" lang="pt-BR" sz="1200" spc="-1" strike="noStrike">
+              <a:rPr lang="pt-BR" sz="1200" b="0" strike="noStrike" spc="-1">
                 <a:solidFill>
                   <a:schemeClr val="dk2"/>
                 </a:solidFill>
@@ -5927,7 +6726,7 @@
               <a:t>        </a:t>
             </a:r>
             <a:r>
-              <a:rPr b="0" lang="pt-BR" sz="1200" spc="-1" strike="noStrike" u="sng">
+              <a:rPr lang="pt-BR" sz="1200" b="0" u="sng" strike="noStrike" spc="-1">
                 <a:solidFill>
                   <a:schemeClr val="hlink"/>
                 </a:solidFill>
@@ -5937,7 +6736,7 @@
               </a:rPr>
               <a:t>danielme17@gmail.com</a:t>
             </a:r>
-            <a:endParaRPr b="0" lang="pt-BR" sz="1200" spc="-1" strike="noStrike">
+            <a:endParaRPr lang="pt-BR" sz="1200" b="0" strike="noStrike" spc="-1">
               <a:solidFill>
                 <a:srgbClr val="000000"/>
               </a:solidFill>
@@ -5962,7 +6761,7 @@
           </a:prstGeom>
           <a:ln w="28575">
             <a:solidFill>
-              <a:srgbClr val="f8931d"/>
+              <a:srgbClr val="F8931D"/>
             </a:solidFill>
             <a:round/>
           </a:ln>
@@ -5988,26 +6787,33 @@
           </a:ln>
         </p:spPr>
         <p:style>
-          <a:lnRef idx="0"/>
-          <a:fillRef idx="0"/>
-          <a:effectRef idx="0"/>
+          <a:lnRef idx="0">
+            <a:scrgbClr r="0" g="0" b="0"/>
+          </a:lnRef>
+          <a:fillRef idx="0">
+            <a:scrgbClr r="0" g="0" b="0"/>
+          </a:fillRef>
+          <a:effectRef idx="0">
+            <a:scrgbClr r="0" g="0" b="0"/>
+          </a:effectRef>
           <a:fontRef idx="minor"/>
         </p:style>
         <p:txBody>
-          <a:bodyPr lIns="90000" rIns="90000" tIns="91440" bIns="91440" anchor="t">
+          <a:bodyPr lIns="90000" tIns="91440" rIns="90000" bIns="91440" anchor="t">
             <a:noAutofit/>
           </a:bodyPr>
+          <a:lstStyle/>
           <a:p>
             <a:pPr>
               <a:lnSpc>
                 <a:spcPct val="100000"/>
               </a:lnSpc>
               <a:tabLst>
-                <a:tab algn="l" pos="0"/>
+                <a:tab pos="0" algn="l"/>
               </a:tabLst>
             </a:pPr>
             <a:r>
-              <a:rPr b="1" lang="pt-BR" sz="2000" spc="-1" strike="noStrike">
+              <a:rPr lang="pt-BR" sz="2000" b="1" strike="noStrike" spc="-1">
                 <a:solidFill>
                   <a:schemeClr val="dk1"/>
                 </a:solidFill>
@@ -6019,7 +6825,7 @@
             <a:br>
               <a:rPr sz="2000"/>
             </a:br>
-            <a:endParaRPr b="0" lang="pt-BR" sz="2000" spc="-1" strike="noStrike">
+            <a:endParaRPr lang="pt-BR" sz="2000" b="0" strike="noStrike" spc="-1">
               <a:solidFill>
                 <a:srgbClr val="000000"/>
               </a:solidFill>
@@ -6048,26 +6854,33 @@
           </a:ln>
         </p:spPr>
         <p:style>
-          <a:lnRef idx="0"/>
-          <a:fillRef idx="0"/>
-          <a:effectRef idx="0"/>
+          <a:lnRef idx="0">
+            <a:scrgbClr r="0" g="0" b="0"/>
+          </a:lnRef>
+          <a:fillRef idx="0">
+            <a:scrgbClr r="0" g="0" b="0"/>
+          </a:fillRef>
+          <a:effectRef idx="0">
+            <a:scrgbClr r="0" g="0" b="0"/>
+          </a:effectRef>
           <a:fontRef idx="minor"/>
         </p:style>
         <p:txBody>
-          <a:bodyPr lIns="90000" rIns="90000" tIns="91440" bIns="91440" anchor="t">
+          <a:bodyPr lIns="90000" tIns="91440" rIns="90000" bIns="91440" anchor="t">
             <a:noAutofit/>
           </a:bodyPr>
+          <a:lstStyle/>
           <a:p>
             <a:pPr>
               <a:lnSpc>
                 <a:spcPct val="100000"/>
               </a:lnSpc>
               <a:tabLst>
-                <a:tab algn="l" pos="0"/>
+                <a:tab pos="0" algn="l"/>
               </a:tabLst>
             </a:pPr>
             <a:r>
-              <a:rPr b="1" lang="pt-BR" sz="2000" spc="-1" strike="noStrike">
+              <a:rPr lang="pt-BR" sz="2000" b="1" strike="noStrike" spc="-1">
                 <a:solidFill>
                   <a:schemeClr val="dk1"/>
                 </a:solidFill>
@@ -6079,7 +6892,7 @@
             <a:br>
               <a:rPr sz="2000"/>
             </a:br>
-            <a:endParaRPr b="0" lang="pt-BR" sz="2000" spc="-1" strike="noStrike">
+            <a:endParaRPr lang="pt-BR" sz="2000" b="0" strike="noStrike" spc="-1">
               <a:solidFill>
                 <a:srgbClr val="000000"/>
               </a:solidFill>
@@ -6108,15 +6921,22 @@
           </a:ln>
         </p:spPr>
         <p:style>
-          <a:lnRef idx="0"/>
-          <a:fillRef idx="0"/>
-          <a:effectRef idx="0"/>
+          <a:lnRef idx="0">
+            <a:scrgbClr r="0" g="0" b="0"/>
+          </a:lnRef>
+          <a:fillRef idx="0">
+            <a:scrgbClr r="0" g="0" b="0"/>
+          </a:fillRef>
+          <a:effectRef idx="0">
+            <a:scrgbClr r="0" g="0" b="0"/>
+          </a:effectRef>
           <a:fontRef idx="minor"/>
         </p:style>
         <p:txBody>
-          <a:bodyPr lIns="0" rIns="0" tIns="0" bIns="0" anchor="t">
+          <a:bodyPr lIns="0" tIns="0" rIns="0" bIns="0" anchor="t">
             <a:normAutofit/>
           </a:bodyPr>
+          <a:lstStyle/>
           <a:p>
             <a:pPr marL="432000" indent="-324000">
               <a:lnSpc>
@@ -6133,7 +6953,7 @@
               <a:buChar char=""/>
             </a:pPr>
             <a:r>
-              <a:rPr b="0" lang="pt-BR" sz="1400" spc="-1" strike="noStrike">
+              <a:rPr lang="pt-BR" sz="1400" b="0" strike="noStrike" spc="-1">
                 <a:solidFill>
                   <a:srgbClr val="000000"/>
                 </a:solidFill>
@@ -6142,7 +6962,7 @@
               </a:rPr>
               <a:t>A melhor versão do seu código — assim como de você — está sempre em beta, nunca pare de evoluir.</a:t>
             </a:r>
-            <a:endParaRPr b="0" lang="pt-BR" sz="1400" spc="-1" strike="noStrike">
+            <a:endParaRPr lang="pt-BR" sz="1400" b="0" strike="noStrike" spc="-1">
               <a:solidFill>
                 <a:srgbClr val="000000"/>
               </a:solidFill>
@@ -6165,7 +6985,7 @@
               <a:buChar char=""/>
             </a:pPr>
             <a:r>
-              <a:rPr b="0" lang="pt-BR" sz="1400" spc="-1" strike="noStrike">
+              <a:rPr lang="pt-BR" sz="1400" b="0" strike="noStrike" spc="-1">
                 <a:solidFill>
                   <a:srgbClr val="000000"/>
                 </a:solidFill>
@@ -6174,7 +6994,7 @@
               </a:rPr>
               <a:t>O computador obedece ordens, não desejos: por isso, sintaxe importa mais do que intenção.</a:t>
             </a:r>
-            <a:endParaRPr b="0" lang="pt-BR" sz="1400" spc="-1" strike="noStrike">
+            <a:endParaRPr lang="pt-BR" sz="1400" b="0" strike="noStrike" spc="-1">
               <a:solidFill>
                 <a:srgbClr val="000000"/>
               </a:solidFill>
@@ -6185,19 +7005,14 @@
       </p:sp>
     </p:spTree>
   </p:cSld>
-  <mc:AlternateContent>
-    <mc:Choice Requires="p14">
-      <p:transition spd="slow" p14:dur="2000"/>
-    </mc:Choice>
-    <mc:Fallback>
-      <p:transition spd="slow"/>
-    </mc:Fallback>
-  </mc:AlternateContent>
+  <p:clrMapOvr>
+    <a:masterClrMapping/>
+  </p:clrMapOvr>
 </p:sld>
 </file>
 
 <file path=ppt/slides/slide10.xml><?xml version="1.0" encoding="utf-8"?>
-<p:sld xmlns:a="http://schemas.openxmlformats.org/drawingml/2006/main" xmlns:p="http://schemas.openxmlformats.org/presentationml/2006/main" xmlns:r="http://schemas.openxmlformats.org/officeDocument/2006/relationships" xmlns:p14="http://schemas.microsoft.com/office/powerpoint/2010/main" xmlns:p15="http://schemas.microsoft.com/office/powerpoint/2012/main" xmlns:mc="http://schemas.openxmlformats.org/markup-compatibility/2006">
+<p:sld xmlns:a="http://schemas.openxmlformats.org/drawingml/2006/main" xmlns:r="http://schemas.openxmlformats.org/officeDocument/2006/relationships" xmlns:p="http://schemas.openxmlformats.org/presentationml/2006/main">
   <p:cSld>
     <p:spTree>
       <p:nvGrpSpPr>
@@ -6233,15 +7048,22 @@
           </a:ln>
         </p:spPr>
         <p:style>
-          <a:lnRef idx="0"/>
-          <a:fillRef idx="0"/>
-          <a:effectRef idx="0"/>
+          <a:lnRef idx="0">
+            <a:scrgbClr r="0" g="0" b="0"/>
+          </a:lnRef>
+          <a:fillRef idx="0">
+            <a:scrgbClr r="0" g="0" b="0"/>
+          </a:fillRef>
+          <a:effectRef idx="0">
+            <a:scrgbClr r="0" g="0" b="0"/>
+          </a:effectRef>
           <a:fontRef idx="minor"/>
         </p:style>
         <p:txBody>
-          <a:bodyPr lIns="90000" rIns="90000" tIns="91440" bIns="91440" anchor="t">
+          <a:bodyPr lIns="90000" tIns="91440" rIns="90000" bIns="91440" anchor="t">
             <a:noAutofit/>
           </a:bodyPr>
+          <a:lstStyle/>
           <a:p>
             <a:pPr>
               <a:lnSpc>
@@ -6249,7 +7071,7 @@
               </a:lnSpc>
             </a:pPr>
             <a:r>
-              <a:rPr b="1" lang="pt-BR" sz="5400" spc="-1" strike="noStrike">
+              <a:rPr lang="pt-BR" sz="5400" b="1" strike="noStrike" spc="-1">
                 <a:solidFill>
                   <a:srgbClr val="002060"/>
                 </a:solidFill>
@@ -6258,7 +7080,7 @@
               </a:rPr>
               <a:t>Recap POO </a:t>
             </a:r>
-            <a:endParaRPr b="0" lang="pt-BR" sz="5400" spc="-1" strike="noStrike">
+            <a:endParaRPr lang="pt-BR" sz="5400" b="0" strike="noStrike" spc="-1">
               <a:solidFill>
                 <a:srgbClr val="000000"/>
               </a:solidFill>
@@ -6271,7 +7093,7 @@
                 <a:spcPct val="100000"/>
               </a:lnSpc>
             </a:pPr>
-            <a:endParaRPr b="0" lang="pt-BR" sz="5400" spc="-1" strike="noStrike">
+            <a:endParaRPr lang="pt-BR" sz="5400" b="0" strike="noStrike" spc="-1">
               <a:solidFill>
                 <a:srgbClr val="000000"/>
               </a:solidFill>
@@ -6282,36 +7104,36 @@
       </p:sp>
       <p:pic>
         <p:nvPicPr>
-          <p:cNvPr id="117" name="Imagem 7" descr=""/>
-          <p:cNvPicPr/>
-          <p:nvPr/>
-        </p:nvPicPr>
-        <p:blipFill>
-          <a:blip r:embed="rId1"/>
-          <a:srcRect l="0" t="0" r="0" b="20507"/>
-          <a:stretch/>
-        </p:blipFill>
-        <p:spPr>
-          <a:xfrm>
-            <a:off x="8100720" y="900720"/>
-            <a:ext cx="2142720" cy="3603600"/>
-          </a:xfrm>
-          <a:prstGeom prst="rect">
-            <a:avLst/>
-          </a:prstGeom>
-          <a:ln w="0">
-            <a:noFill/>
-          </a:ln>
-        </p:spPr>
-      </p:pic>
-      <p:pic>
-        <p:nvPicPr>
-          <p:cNvPr id="118" name="" descr=""/>
+          <p:cNvPr id="117" name="Imagem 7"/>
           <p:cNvPicPr/>
           <p:nvPr/>
         </p:nvPicPr>
         <p:blipFill>
           <a:blip r:embed="rId2"/>
+          <a:srcRect b="20507"/>
+          <a:stretch/>
+        </p:blipFill>
+        <p:spPr>
+          <a:xfrm>
+            <a:off x="8100720" y="900720"/>
+            <a:ext cx="2142720" cy="3603600"/>
+          </a:xfrm>
+          <a:prstGeom prst="rect">
+            <a:avLst/>
+          </a:prstGeom>
+          <a:ln w="0">
+            <a:noFill/>
+          </a:ln>
+        </p:spPr>
+      </p:pic>
+      <p:pic>
+        <p:nvPicPr>
+          <p:cNvPr id="118" name="Imagem 117"/>
+          <p:cNvPicPr/>
+          <p:nvPr/>
+        </p:nvPicPr>
+        <p:blipFill>
+          <a:blip r:embed="rId3"/>
           <a:stretch/>
         </p:blipFill>
         <p:spPr>
@@ -6329,19 +7151,14 @@
       </p:pic>
     </p:spTree>
   </p:cSld>
-  <mc:AlternateContent>
-    <mc:Choice Requires="p14">
-      <p:transition spd="slow" p14:dur="2000"/>
-    </mc:Choice>
-    <mc:Fallback>
-      <p:transition spd="slow"/>
-    </mc:Fallback>
-  </mc:AlternateContent>
+  <p:clrMapOvr>
+    <a:masterClrMapping/>
+  </p:clrMapOvr>
 </p:sld>
 </file>
 
 <file path=ppt/slides/slide11.xml><?xml version="1.0" encoding="utf-8"?>
-<p:sld xmlns:a="http://schemas.openxmlformats.org/drawingml/2006/main" xmlns:p="http://schemas.openxmlformats.org/presentationml/2006/main" xmlns:r="http://schemas.openxmlformats.org/officeDocument/2006/relationships" xmlns:p14="http://schemas.microsoft.com/office/powerpoint/2010/main" xmlns:p15="http://schemas.microsoft.com/office/powerpoint/2012/main" xmlns:mc="http://schemas.openxmlformats.org/markup-compatibility/2006">
+<p:sld xmlns:a="http://schemas.openxmlformats.org/drawingml/2006/main" xmlns:r="http://schemas.openxmlformats.org/officeDocument/2006/relationships" xmlns:p="http://schemas.openxmlformats.org/presentationml/2006/main">
   <p:cSld>
     <p:spTree>
       <p:nvGrpSpPr>
@@ -6377,15 +7194,22 @@
           </a:ln>
         </p:spPr>
         <p:style>
-          <a:lnRef idx="0"/>
-          <a:fillRef idx="0"/>
-          <a:effectRef idx="0"/>
+          <a:lnRef idx="0">
+            <a:scrgbClr r="0" g="0" b="0"/>
+          </a:lnRef>
+          <a:fillRef idx="0">
+            <a:scrgbClr r="0" g="0" b="0"/>
+          </a:fillRef>
+          <a:effectRef idx="0">
+            <a:scrgbClr r="0" g="0" b="0"/>
+          </a:effectRef>
           <a:fontRef idx="minor"/>
         </p:style>
         <p:txBody>
-          <a:bodyPr lIns="90000" rIns="90000" tIns="91440" bIns="91440" anchor="t">
+          <a:bodyPr lIns="90000" tIns="91440" rIns="90000" bIns="91440" anchor="t">
             <a:noAutofit/>
           </a:bodyPr>
+          <a:lstStyle/>
           <a:p>
             <a:pPr>
               <a:lnSpc>
@@ -6393,7 +7217,7 @@
               </a:lnSpc>
             </a:pPr>
             <a:r>
-              <a:rPr b="1" lang="pt-BR" sz="5400" spc="-1" strike="noStrike">
+              <a:rPr lang="pt-BR" sz="5400" b="1" strike="noStrike" spc="-1">
                 <a:solidFill>
                   <a:srgbClr val="002060"/>
                 </a:solidFill>
@@ -6402,7 +7226,7 @@
               </a:rPr>
               <a:t>Recap POO </a:t>
             </a:r>
-            <a:endParaRPr b="0" lang="pt-BR" sz="5400" spc="-1" strike="noStrike">
+            <a:endParaRPr lang="pt-BR" sz="5400" b="0" strike="noStrike" spc="-1">
               <a:solidFill>
                 <a:srgbClr val="000000"/>
               </a:solidFill>
@@ -6415,7 +7239,7 @@
                 <a:spcPct val="100000"/>
               </a:lnSpc>
             </a:pPr>
-            <a:endParaRPr b="0" lang="pt-BR" sz="5400" spc="-1" strike="noStrike">
+            <a:endParaRPr lang="pt-BR" sz="5400" b="0" strike="noStrike" spc="-1">
               <a:solidFill>
                 <a:srgbClr val="000000"/>
               </a:solidFill>
@@ -6426,36 +7250,36 @@
       </p:sp>
       <p:pic>
         <p:nvPicPr>
-          <p:cNvPr id="120" name="Imagem 6" descr=""/>
-          <p:cNvPicPr/>
-          <p:nvPr/>
-        </p:nvPicPr>
-        <p:blipFill>
-          <a:blip r:embed="rId1"/>
-          <a:srcRect l="0" t="0" r="0" b="20507"/>
-          <a:stretch/>
-        </p:blipFill>
-        <p:spPr>
-          <a:xfrm>
-            <a:off x="8100720" y="900720"/>
-            <a:ext cx="2142720" cy="3603600"/>
-          </a:xfrm>
-          <a:prstGeom prst="rect">
-            <a:avLst/>
-          </a:prstGeom>
-          <a:ln w="0">
-            <a:noFill/>
-          </a:ln>
-        </p:spPr>
-      </p:pic>
-      <p:pic>
-        <p:nvPicPr>
-          <p:cNvPr id="121" name="" descr=""/>
+          <p:cNvPr id="120" name="Imagem 6"/>
           <p:cNvPicPr/>
           <p:nvPr/>
         </p:nvPicPr>
         <p:blipFill>
           <a:blip r:embed="rId2"/>
+          <a:srcRect b="20507"/>
+          <a:stretch/>
+        </p:blipFill>
+        <p:spPr>
+          <a:xfrm>
+            <a:off x="8100720" y="900720"/>
+            <a:ext cx="2142720" cy="3603600"/>
+          </a:xfrm>
+          <a:prstGeom prst="rect">
+            <a:avLst/>
+          </a:prstGeom>
+          <a:ln w="0">
+            <a:noFill/>
+          </a:ln>
+        </p:spPr>
+      </p:pic>
+      <p:pic>
+        <p:nvPicPr>
+          <p:cNvPr id="121" name="Imagem 120"/>
+          <p:cNvPicPr/>
+          <p:nvPr/>
+        </p:nvPicPr>
+        <p:blipFill>
+          <a:blip r:embed="rId3"/>
           <a:stretch/>
         </p:blipFill>
         <p:spPr>
@@ -6473,19 +7297,14 @@
       </p:pic>
     </p:spTree>
   </p:cSld>
-  <mc:AlternateContent>
-    <mc:Choice Requires="p14">
-      <p:transition spd="slow" p14:dur="2000"/>
-    </mc:Choice>
-    <mc:Fallback>
-      <p:transition spd="slow"/>
-    </mc:Fallback>
-  </mc:AlternateContent>
+  <p:clrMapOvr>
+    <a:masterClrMapping/>
+  </p:clrMapOvr>
 </p:sld>
 </file>
 
 <file path=ppt/slides/slide12.xml><?xml version="1.0" encoding="utf-8"?>
-<p:sld xmlns:a="http://schemas.openxmlformats.org/drawingml/2006/main" xmlns:p="http://schemas.openxmlformats.org/presentationml/2006/main" xmlns:r="http://schemas.openxmlformats.org/officeDocument/2006/relationships" xmlns:p14="http://schemas.microsoft.com/office/powerpoint/2010/main" xmlns:p15="http://schemas.microsoft.com/office/powerpoint/2012/main" xmlns:mc="http://schemas.openxmlformats.org/markup-compatibility/2006">
+<p:sld xmlns:a="http://schemas.openxmlformats.org/drawingml/2006/main" xmlns:r="http://schemas.openxmlformats.org/officeDocument/2006/relationships" xmlns:p="http://schemas.openxmlformats.org/presentationml/2006/main">
   <p:cSld>
     <p:spTree>
       <p:nvGrpSpPr>
@@ -6521,15 +7340,22 @@
           </a:ln>
         </p:spPr>
         <p:style>
-          <a:lnRef idx="0"/>
-          <a:fillRef idx="0"/>
-          <a:effectRef idx="0"/>
+          <a:lnRef idx="0">
+            <a:scrgbClr r="0" g="0" b="0"/>
+          </a:lnRef>
+          <a:fillRef idx="0">
+            <a:scrgbClr r="0" g="0" b="0"/>
+          </a:fillRef>
+          <a:effectRef idx="0">
+            <a:scrgbClr r="0" g="0" b="0"/>
+          </a:effectRef>
           <a:fontRef idx="minor"/>
         </p:style>
         <p:txBody>
-          <a:bodyPr lIns="90000" rIns="90000" tIns="91440" bIns="91440" anchor="t">
+          <a:bodyPr lIns="90000" tIns="91440" rIns="90000" bIns="91440" anchor="t">
             <a:noAutofit/>
           </a:bodyPr>
+          <a:lstStyle/>
           <a:p>
             <a:pPr>
               <a:lnSpc>
@@ -6537,7 +7363,7 @@
               </a:lnSpc>
             </a:pPr>
             <a:r>
-              <a:rPr b="1" lang="pt-BR" sz="5400" spc="-1" strike="noStrike">
+              <a:rPr lang="pt-BR" sz="5400" b="1" strike="noStrike" spc="-1">
                 <a:solidFill>
                   <a:srgbClr val="002060"/>
                 </a:solidFill>
@@ -6546,7 +7372,7 @@
               </a:rPr>
               <a:t>Recap POO </a:t>
             </a:r>
-            <a:endParaRPr b="0" lang="pt-BR" sz="5400" spc="-1" strike="noStrike">
+            <a:endParaRPr lang="pt-BR" sz="5400" b="0" strike="noStrike" spc="-1">
               <a:solidFill>
                 <a:srgbClr val="000000"/>
               </a:solidFill>
@@ -6559,7 +7385,7 @@
                 <a:spcPct val="100000"/>
               </a:lnSpc>
             </a:pPr>
-            <a:endParaRPr b="0" lang="pt-BR" sz="5400" spc="-1" strike="noStrike">
+            <a:endParaRPr lang="pt-BR" sz="5400" b="0" strike="noStrike" spc="-1">
               <a:solidFill>
                 <a:srgbClr val="000000"/>
               </a:solidFill>
@@ -6570,36 +7396,36 @@
       </p:sp>
       <p:pic>
         <p:nvPicPr>
-          <p:cNvPr id="123" name="Imagem 18" descr=""/>
-          <p:cNvPicPr/>
-          <p:nvPr/>
-        </p:nvPicPr>
-        <p:blipFill>
-          <a:blip r:embed="rId1"/>
-          <a:srcRect l="0" t="0" r="0" b="20507"/>
-          <a:stretch/>
-        </p:blipFill>
-        <p:spPr>
-          <a:xfrm>
-            <a:off x="8100720" y="900720"/>
-            <a:ext cx="2142720" cy="3603600"/>
-          </a:xfrm>
-          <a:prstGeom prst="rect">
-            <a:avLst/>
-          </a:prstGeom>
-          <a:ln w="0">
-            <a:noFill/>
-          </a:ln>
-        </p:spPr>
-      </p:pic>
-      <p:pic>
-        <p:nvPicPr>
-          <p:cNvPr id="124" name="" descr=""/>
+          <p:cNvPr id="123" name="Imagem 18"/>
           <p:cNvPicPr/>
           <p:nvPr/>
         </p:nvPicPr>
         <p:blipFill>
           <a:blip r:embed="rId2"/>
+          <a:srcRect b="20507"/>
+          <a:stretch/>
+        </p:blipFill>
+        <p:spPr>
+          <a:xfrm>
+            <a:off x="8100720" y="900720"/>
+            <a:ext cx="2142720" cy="3603600"/>
+          </a:xfrm>
+          <a:prstGeom prst="rect">
+            <a:avLst/>
+          </a:prstGeom>
+          <a:ln w="0">
+            <a:noFill/>
+          </a:ln>
+        </p:spPr>
+      </p:pic>
+      <p:pic>
+        <p:nvPicPr>
+          <p:cNvPr id="124" name="Imagem 123"/>
+          <p:cNvPicPr/>
+          <p:nvPr/>
+        </p:nvPicPr>
+        <p:blipFill>
+          <a:blip r:embed="rId3"/>
           <a:stretch/>
         </p:blipFill>
         <p:spPr>
@@ -6617,19 +7443,14 @@
       </p:pic>
     </p:spTree>
   </p:cSld>
-  <mc:AlternateContent>
-    <mc:Choice Requires="p14">
-      <p:transition spd="slow" p14:dur="2000"/>
-    </mc:Choice>
-    <mc:Fallback>
-      <p:transition spd="slow"/>
-    </mc:Fallback>
-  </mc:AlternateContent>
+  <p:clrMapOvr>
+    <a:masterClrMapping/>
+  </p:clrMapOvr>
 </p:sld>
 </file>
 
 <file path=ppt/slides/slide13.xml><?xml version="1.0" encoding="utf-8"?>
-<p:sld xmlns:a="http://schemas.openxmlformats.org/drawingml/2006/main" xmlns:p="http://schemas.openxmlformats.org/presentationml/2006/main" xmlns:r="http://schemas.openxmlformats.org/officeDocument/2006/relationships" xmlns:p14="http://schemas.microsoft.com/office/powerpoint/2010/main" xmlns:p15="http://schemas.microsoft.com/office/powerpoint/2012/main" xmlns:mc="http://schemas.openxmlformats.org/markup-compatibility/2006">
+<p:sld xmlns:a="http://schemas.openxmlformats.org/drawingml/2006/main" xmlns:r="http://schemas.openxmlformats.org/officeDocument/2006/relationships" xmlns:p="http://schemas.openxmlformats.org/presentationml/2006/main">
   <p:cSld>
     <p:spTree>
       <p:nvGrpSpPr>
@@ -6665,15 +7486,22 @@
           </a:ln>
         </p:spPr>
         <p:style>
-          <a:lnRef idx="0"/>
-          <a:fillRef idx="0"/>
-          <a:effectRef idx="0"/>
+          <a:lnRef idx="0">
+            <a:scrgbClr r="0" g="0" b="0"/>
+          </a:lnRef>
+          <a:fillRef idx="0">
+            <a:scrgbClr r="0" g="0" b="0"/>
+          </a:fillRef>
+          <a:effectRef idx="0">
+            <a:scrgbClr r="0" g="0" b="0"/>
+          </a:effectRef>
           <a:fontRef idx="minor"/>
         </p:style>
         <p:txBody>
-          <a:bodyPr lIns="90000" rIns="90000" tIns="91440" bIns="91440" anchor="t">
+          <a:bodyPr lIns="90000" tIns="91440" rIns="90000" bIns="91440" anchor="t">
             <a:noAutofit/>
           </a:bodyPr>
+          <a:lstStyle/>
           <a:p>
             <a:pPr>
               <a:lnSpc>
@@ -6681,7 +7509,7 @@
               </a:lnSpc>
             </a:pPr>
             <a:r>
-              <a:rPr b="1" lang="pt-BR" sz="5400" spc="-1" strike="noStrike">
+              <a:rPr lang="pt-BR" sz="5400" b="1" strike="noStrike" spc="-1">
                 <a:solidFill>
                   <a:srgbClr val="002060"/>
                 </a:solidFill>
@@ -6690,7 +7518,7 @@
               </a:rPr>
               <a:t>Recap POO </a:t>
             </a:r>
-            <a:endParaRPr b="0" lang="pt-BR" sz="5400" spc="-1" strike="noStrike">
+            <a:endParaRPr lang="pt-BR" sz="5400" b="0" strike="noStrike" spc="-1">
               <a:solidFill>
                 <a:srgbClr val="000000"/>
               </a:solidFill>
@@ -6703,7 +7531,7 @@
                 <a:spcPct val="100000"/>
               </a:lnSpc>
             </a:pPr>
-            <a:endParaRPr b="0" lang="pt-BR" sz="5400" spc="-1" strike="noStrike">
+            <a:endParaRPr lang="pt-BR" sz="5400" b="0" strike="noStrike" spc="-1">
               <a:solidFill>
                 <a:srgbClr val="000000"/>
               </a:solidFill>
@@ -6714,36 +7542,36 @@
       </p:sp>
       <p:pic>
         <p:nvPicPr>
-          <p:cNvPr id="126" name="Imagem 17" descr=""/>
-          <p:cNvPicPr/>
-          <p:nvPr/>
-        </p:nvPicPr>
-        <p:blipFill>
-          <a:blip r:embed="rId1"/>
-          <a:srcRect l="0" t="0" r="0" b="20507"/>
-          <a:stretch/>
-        </p:blipFill>
-        <p:spPr>
-          <a:xfrm>
-            <a:off x="8100720" y="900720"/>
-            <a:ext cx="2142720" cy="3603600"/>
-          </a:xfrm>
-          <a:prstGeom prst="rect">
-            <a:avLst/>
-          </a:prstGeom>
-          <a:ln w="0">
-            <a:noFill/>
-          </a:ln>
-        </p:spPr>
-      </p:pic>
-      <p:pic>
-        <p:nvPicPr>
-          <p:cNvPr id="127" name="" descr=""/>
+          <p:cNvPr id="126" name="Imagem 17"/>
           <p:cNvPicPr/>
           <p:nvPr/>
         </p:nvPicPr>
         <p:blipFill>
           <a:blip r:embed="rId2"/>
+          <a:srcRect b="20507"/>
+          <a:stretch/>
+        </p:blipFill>
+        <p:spPr>
+          <a:xfrm>
+            <a:off x="8100720" y="900720"/>
+            <a:ext cx="2142720" cy="3603600"/>
+          </a:xfrm>
+          <a:prstGeom prst="rect">
+            <a:avLst/>
+          </a:prstGeom>
+          <a:ln w="0">
+            <a:noFill/>
+          </a:ln>
+        </p:spPr>
+      </p:pic>
+      <p:pic>
+        <p:nvPicPr>
+          <p:cNvPr id="127" name="Imagem 126"/>
+          <p:cNvPicPr/>
+          <p:nvPr/>
+        </p:nvPicPr>
+        <p:blipFill>
+          <a:blip r:embed="rId3"/>
           <a:stretch/>
         </p:blipFill>
         <p:spPr>
@@ -6761,19 +7589,14 @@
       </p:pic>
     </p:spTree>
   </p:cSld>
-  <mc:AlternateContent>
-    <mc:Choice Requires="p14">
-      <p:transition spd="slow" p14:dur="2000"/>
-    </mc:Choice>
-    <mc:Fallback>
-      <p:transition spd="slow"/>
-    </mc:Fallback>
-  </mc:AlternateContent>
+  <p:clrMapOvr>
+    <a:masterClrMapping/>
+  </p:clrMapOvr>
 </p:sld>
 </file>
 
 <file path=ppt/slides/slide14.xml><?xml version="1.0" encoding="utf-8"?>
-<p:sld xmlns:a="http://schemas.openxmlformats.org/drawingml/2006/main" xmlns:p="http://schemas.openxmlformats.org/presentationml/2006/main" xmlns:r="http://schemas.openxmlformats.org/officeDocument/2006/relationships" xmlns:p14="http://schemas.microsoft.com/office/powerpoint/2010/main" xmlns:p15="http://schemas.microsoft.com/office/powerpoint/2012/main" xmlns:mc="http://schemas.openxmlformats.org/markup-compatibility/2006">
+<p:sld xmlns:a="http://schemas.openxmlformats.org/drawingml/2006/main" xmlns:r="http://schemas.openxmlformats.org/officeDocument/2006/relationships" xmlns:p="http://schemas.openxmlformats.org/presentationml/2006/main">
   <p:cSld>
     <p:spTree>
       <p:nvGrpSpPr>
@@ -6809,15 +7632,22 @@
           </a:ln>
         </p:spPr>
         <p:style>
-          <a:lnRef idx="0"/>
-          <a:fillRef idx="0"/>
-          <a:effectRef idx="0"/>
+          <a:lnRef idx="0">
+            <a:scrgbClr r="0" g="0" b="0"/>
+          </a:lnRef>
+          <a:fillRef idx="0">
+            <a:scrgbClr r="0" g="0" b="0"/>
+          </a:fillRef>
+          <a:effectRef idx="0">
+            <a:scrgbClr r="0" g="0" b="0"/>
+          </a:effectRef>
           <a:fontRef idx="minor"/>
         </p:style>
         <p:txBody>
-          <a:bodyPr lIns="90000" rIns="90000" tIns="91440" bIns="91440" anchor="t">
+          <a:bodyPr lIns="90000" tIns="91440" rIns="90000" bIns="91440" anchor="t">
             <a:noAutofit/>
           </a:bodyPr>
+          <a:lstStyle/>
           <a:p>
             <a:pPr>
               <a:lnSpc>
@@ -6825,7 +7655,7 @@
               </a:lnSpc>
             </a:pPr>
             <a:r>
-              <a:rPr b="1" lang="pt-BR" sz="5400" spc="-1" strike="noStrike">
+              <a:rPr lang="pt-BR" sz="5400" b="1" strike="noStrike" spc="-1">
                 <a:solidFill>
                   <a:srgbClr val="002060"/>
                 </a:solidFill>
@@ -6834,7 +7664,7 @@
               </a:rPr>
               <a:t>Recap POO </a:t>
             </a:r>
-            <a:endParaRPr b="0" lang="pt-BR" sz="5400" spc="-1" strike="noStrike">
+            <a:endParaRPr lang="pt-BR" sz="5400" b="0" strike="noStrike" spc="-1">
               <a:solidFill>
                 <a:srgbClr val="000000"/>
               </a:solidFill>
@@ -6847,7 +7677,7 @@
                 <a:spcPct val="100000"/>
               </a:lnSpc>
             </a:pPr>
-            <a:endParaRPr b="0" lang="pt-BR" sz="5400" spc="-1" strike="noStrike">
+            <a:endParaRPr lang="pt-BR" sz="5400" b="0" strike="noStrike" spc="-1">
               <a:solidFill>
                 <a:srgbClr val="000000"/>
               </a:solidFill>
@@ -6858,36 +7688,36 @@
       </p:sp>
       <p:pic>
         <p:nvPicPr>
-          <p:cNvPr id="129" name="Imagem 20" descr=""/>
-          <p:cNvPicPr/>
-          <p:nvPr/>
-        </p:nvPicPr>
-        <p:blipFill>
-          <a:blip r:embed="rId1"/>
-          <a:srcRect l="0" t="0" r="0" b="20507"/>
-          <a:stretch/>
-        </p:blipFill>
-        <p:spPr>
-          <a:xfrm>
-            <a:off x="8100720" y="900720"/>
-            <a:ext cx="2142720" cy="3603600"/>
-          </a:xfrm>
-          <a:prstGeom prst="rect">
-            <a:avLst/>
-          </a:prstGeom>
-          <a:ln w="0">
-            <a:noFill/>
-          </a:ln>
-        </p:spPr>
-      </p:pic>
-      <p:pic>
-        <p:nvPicPr>
-          <p:cNvPr id="130" name="" descr=""/>
+          <p:cNvPr id="129" name="Imagem 20"/>
           <p:cNvPicPr/>
           <p:nvPr/>
         </p:nvPicPr>
         <p:blipFill>
           <a:blip r:embed="rId2"/>
+          <a:srcRect b="20507"/>
+          <a:stretch/>
+        </p:blipFill>
+        <p:spPr>
+          <a:xfrm>
+            <a:off x="8100720" y="900720"/>
+            <a:ext cx="2142720" cy="3603600"/>
+          </a:xfrm>
+          <a:prstGeom prst="rect">
+            <a:avLst/>
+          </a:prstGeom>
+          <a:ln w="0">
+            <a:noFill/>
+          </a:ln>
+        </p:spPr>
+      </p:pic>
+      <p:pic>
+        <p:nvPicPr>
+          <p:cNvPr id="130" name="Imagem 129"/>
+          <p:cNvPicPr/>
+          <p:nvPr/>
+        </p:nvPicPr>
+        <p:blipFill>
+          <a:blip r:embed="rId3"/>
           <a:stretch/>
         </p:blipFill>
         <p:spPr>
@@ -6905,19 +7735,14 @@
       </p:pic>
     </p:spTree>
   </p:cSld>
-  <mc:AlternateContent>
-    <mc:Choice Requires="p14">
-      <p:transition spd="slow" p14:dur="2000"/>
-    </mc:Choice>
-    <mc:Fallback>
-      <p:transition spd="slow"/>
-    </mc:Fallback>
-  </mc:AlternateContent>
+  <p:clrMapOvr>
+    <a:masterClrMapping/>
+  </p:clrMapOvr>
 </p:sld>
 </file>
 
 <file path=ppt/slides/slide15.xml><?xml version="1.0" encoding="utf-8"?>
-<p:sld xmlns:a="http://schemas.openxmlformats.org/drawingml/2006/main" xmlns:p="http://schemas.openxmlformats.org/presentationml/2006/main" xmlns:r="http://schemas.openxmlformats.org/officeDocument/2006/relationships" xmlns:p14="http://schemas.microsoft.com/office/powerpoint/2010/main" xmlns:p15="http://schemas.microsoft.com/office/powerpoint/2012/main" xmlns:mc="http://schemas.openxmlformats.org/markup-compatibility/2006">
+<p:sld xmlns:a="http://schemas.openxmlformats.org/drawingml/2006/main" xmlns:r="http://schemas.openxmlformats.org/officeDocument/2006/relationships" xmlns:p="http://schemas.openxmlformats.org/presentationml/2006/main">
   <p:cSld>
     <p:spTree>
       <p:nvGrpSpPr>
@@ -6953,15 +7778,22 @@
           </a:ln>
         </p:spPr>
         <p:style>
-          <a:lnRef idx="0"/>
-          <a:fillRef idx="0"/>
-          <a:effectRef idx="0"/>
+          <a:lnRef idx="0">
+            <a:scrgbClr r="0" g="0" b="0"/>
+          </a:lnRef>
+          <a:fillRef idx="0">
+            <a:scrgbClr r="0" g="0" b="0"/>
+          </a:fillRef>
+          <a:effectRef idx="0">
+            <a:scrgbClr r="0" g="0" b="0"/>
+          </a:effectRef>
           <a:fontRef idx="minor"/>
         </p:style>
         <p:txBody>
-          <a:bodyPr lIns="90000" rIns="90000" tIns="91440" bIns="91440" anchor="t">
+          <a:bodyPr lIns="90000" tIns="91440" rIns="90000" bIns="91440" anchor="t">
             <a:noAutofit/>
           </a:bodyPr>
+          <a:lstStyle/>
           <a:p>
             <a:pPr>
               <a:lnSpc>
@@ -6969,7 +7801,7 @@
               </a:lnSpc>
             </a:pPr>
             <a:r>
-              <a:rPr b="1" lang="pt-BR" sz="5400" spc="-1" strike="noStrike">
+              <a:rPr lang="pt-BR" sz="5400" b="1" strike="noStrike" spc="-1">
                 <a:solidFill>
                   <a:srgbClr val="002060"/>
                 </a:solidFill>
@@ -6978,7 +7810,7 @@
               </a:rPr>
               <a:t>Recap POO </a:t>
             </a:r>
-            <a:endParaRPr b="0" lang="pt-BR" sz="5400" spc="-1" strike="noStrike">
+            <a:endParaRPr lang="pt-BR" sz="5400" b="0" strike="noStrike" spc="-1">
               <a:solidFill>
                 <a:srgbClr val="000000"/>
               </a:solidFill>
@@ -6991,7 +7823,7 @@
                 <a:spcPct val="100000"/>
               </a:lnSpc>
             </a:pPr>
-            <a:endParaRPr b="0" lang="pt-BR" sz="5400" spc="-1" strike="noStrike">
+            <a:endParaRPr lang="pt-BR" sz="5400" b="0" strike="noStrike" spc="-1">
               <a:solidFill>
                 <a:srgbClr val="000000"/>
               </a:solidFill>
@@ -7002,36 +7834,36 @@
       </p:sp>
       <p:pic>
         <p:nvPicPr>
-          <p:cNvPr id="132" name="Imagem 19" descr=""/>
-          <p:cNvPicPr/>
-          <p:nvPr/>
-        </p:nvPicPr>
-        <p:blipFill>
-          <a:blip r:embed="rId1"/>
-          <a:srcRect l="0" t="0" r="0" b="20507"/>
-          <a:stretch/>
-        </p:blipFill>
-        <p:spPr>
-          <a:xfrm>
-            <a:off x="8100720" y="900720"/>
-            <a:ext cx="2142720" cy="3603600"/>
-          </a:xfrm>
-          <a:prstGeom prst="rect">
-            <a:avLst/>
-          </a:prstGeom>
-          <a:ln w="0">
-            <a:noFill/>
-          </a:ln>
-        </p:spPr>
-      </p:pic>
-      <p:pic>
-        <p:nvPicPr>
-          <p:cNvPr id="133" name="" descr=""/>
+          <p:cNvPr id="132" name="Imagem 19"/>
           <p:cNvPicPr/>
           <p:nvPr/>
         </p:nvPicPr>
         <p:blipFill>
           <a:blip r:embed="rId2"/>
+          <a:srcRect b="20507"/>
+          <a:stretch/>
+        </p:blipFill>
+        <p:spPr>
+          <a:xfrm>
+            <a:off x="8100720" y="900720"/>
+            <a:ext cx="2142720" cy="3603600"/>
+          </a:xfrm>
+          <a:prstGeom prst="rect">
+            <a:avLst/>
+          </a:prstGeom>
+          <a:ln w="0">
+            <a:noFill/>
+          </a:ln>
+        </p:spPr>
+      </p:pic>
+      <p:pic>
+        <p:nvPicPr>
+          <p:cNvPr id="133" name="Imagem 132"/>
+          <p:cNvPicPr/>
+          <p:nvPr/>
+        </p:nvPicPr>
+        <p:blipFill>
+          <a:blip r:embed="rId3"/>
           <a:stretch/>
         </p:blipFill>
         <p:spPr>
@@ -7049,19 +7881,14 @@
       </p:pic>
     </p:spTree>
   </p:cSld>
-  <mc:AlternateContent>
-    <mc:Choice Requires="p14">
-      <p:transition spd="slow" p14:dur="2000"/>
-    </mc:Choice>
-    <mc:Fallback>
-      <p:transition spd="slow"/>
-    </mc:Fallback>
-  </mc:AlternateContent>
+  <p:clrMapOvr>
+    <a:masterClrMapping/>
+  </p:clrMapOvr>
 </p:sld>
 </file>
 
 <file path=ppt/slides/slide16.xml><?xml version="1.0" encoding="utf-8"?>
-<p:sld xmlns:a="http://schemas.openxmlformats.org/drawingml/2006/main" xmlns:p="http://schemas.openxmlformats.org/presentationml/2006/main" xmlns:r="http://schemas.openxmlformats.org/officeDocument/2006/relationships" xmlns:p14="http://schemas.microsoft.com/office/powerpoint/2010/main" xmlns:p15="http://schemas.microsoft.com/office/powerpoint/2012/main" xmlns:mc="http://schemas.openxmlformats.org/markup-compatibility/2006">
+<p:sld xmlns:a="http://schemas.openxmlformats.org/drawingml/2006/main" xmlns:r="http://schemas.openxmlformats.org/officeDocument/2006/relationships" xmlns:p="http://schemas.openxmlformats.org/presentationml/2006/main">
   <p:cSld>
     <p:spTree>
       <p:nvGrpSpPr>
@@ -7097,15 +7924,22 @@
           </a:ln>
         </p:spPr>
         <p:style>
-          <a:lnRef idx="0"/>
-          <a:fillRef idx="0"/>
-          <a:effectRef idx="0"/>
+          <a:lnRef idx="0">
+            <a:scrgbClr r="0" g="0" b="0"/>
+          </a:lnRef>
+          <a:fillRef idx="0">
+            <a:scrgbClr r="0" g="0" b="0"/>
+          </a:fillRef>
+          <a:effectRef idx="0">
+            <a:scrgbClr r="0" g="0" b="0"/>
+          </a:effectRef>
           <a:fontRef idx="minor"/>
         </p:style>
         <p:txBody>
-          <a:bodyPr lIns="90000" rIns="90000" tIns="91440" bIns="91440" anchor="t">
+          <a:bodyPr lIns="90000" tIns="91440" rIns="90000" bIns="91440" anchor="t">
             <a:noAutofit/>
           </a:bodyPr>
+          <a:lstStyle/>
           <a:p>
             <a:pPr>
               <a:lnSpc>
@@ -7113,7 +7947,7 @@
               </a:lnSpc>
             </a:pPr>
             <a:r>
-              <a:rPr b="1" lang="pt-BR" sz="5400" spc="-1" strike="noStrike">
+              <a:rPr lang="pt-BR" sz="5400" b="1" strike="noStrike" spc="-1">
                 <a:solidFill>
                   <a:srgbClr val="002060"/>
                 </a:solidFill>
@@ -7122,7 +7956,7 @@
               </a:rPr>
               <a:t>Recap POO </a:t>
             </a:r>
-            <a:endParaRPr b="0" lang="pt-BR" sz="5400" spc="-1" strike="noStrike">
+            <a:endParaRPr lang="pt-BR" sz="5400" b="0" strike="noStrike" spc="-1">
               <a:solidFill>
                 <a:srgbClr val="000000"/>
               </a:solidFill>
@@ -7135,7 +7969,7 @@
                 <a:spcPct val="100000"/>
               </a:lnSpc>
             </a:pPr>
-            <a:endParaRPr b="0" lang="pt-BR" sz="5400" spc="-1" strike="noStrike">
+            <a:endParaRPr lang="pt-BR" sz="5400" b="0" strike="noStrike" spc="-1">
               <a:solidFill>
                 <a:srgbClr val="000000"/>
               </a:solidFill>
@@ -7146,36 +7980,36 @@
       </p:sp>
       <p:pic>
         <p:nvPicPr>
-          <p:cNvPr id="135" name="Imagem 22" descr=""/>
-          <p:cNvPicPr/>
-          <p:nvPr/>
-        </p:nvPicPr>
-        <p:blipFill>
-          <a:blip r:embed="rId1"/>
-          <a:srcRect l="0" t="0" r="0" b="20507"/>
-          <a:stretch/>
-        </p:blipFill>
-        <p:spPr>
-          <a:xfrm>
-            <a:off x="8100720" y="900720"/>
-            <a:ext cx="2142720" cy="3603600"/>
-          </a:xfrm>
-          <a:prstGeom prst="rect">
-            <a:avLst/>
-          </a:prstGeom>
-          <a:ln w="0">
-            <a:noFill/>
-          </a:ln>
-        </p:spPr>
-      </p:pic>
-      <p:pic>
-        <p:nvPicPr>
-          <p:cNvPr id="136" name="" descr=""/>
+          <p:cNvPr id="135" name="Imagem 22"/>
           <p:cNvPicPr/>
           <p:nvPr/>
         </p:nvPicPr>
         <p:blipFill>
           <a:blip r:embed="rId2"/>
+          <a:srcRect b="20507"/>
+          <a:stretch/>
+        </p:blipFill>
+        <p:spPr>
+          <a:xfrm>
+            <a:off x="8100720" y="900720"/>
+            <a:ext cx="2142720" cy="3603600"/>
+          </a:xfrm>
+          <a:prstGeom prst="rect">
+            <a:avLst/>
+          </a:prstGeom>
+          <a:ln w="0">
+            <a:noFill/>
+          </a:ln>
+        </p:spPr>
+      </p:pic>
+      <p:pic>
+        <p:nvPicPr>
+          <p:cNvPr id="136" name="Imagem 135"/>
+          <p:cNvPicPr/>
+          <p:nvPr/>
+        </p:nvPicPr>
+        <p:blipFill>
+          <a:blip r:embed="rId3"/>
           <a:stretch/>
         </p:blipFill>
         <p:spPr>
@@ -7193,19 +8027,14 @@
       </p:pic>
     </p:spTree>
   </p:cSld>
-  <mc:AlternateContent>
-    <mc:Choice Requires="p14">
-      <p:transition spd="slow" p14:dur="2000"/>
-    </mc:Choice>
-    <mc:Fallback>
-      <p:transition spd="slow"/>
-    </mc:Fallback>
-  </mc:AlternateContent>
+  <p:clrMapOvr>
+    <a:masterClrMapping/>
+  </p:clrMapOvr>
 </p:sld>
 </file>
 
 <file path=ppt/slides/slide17.xml><?xml version="1.0" encoding="utf-8"?>
-<p:sld xmlns:a="http://schemas.openxmlformats.org/drawingml/2006/main" xmlns:p="http://schemas.openxmlformats.org/presentationml/2006/main" xmlns:r="http://schemas.openxmlformats.org/officeDocument/2006/relationships" xmlns:p14="http://schemas.microsoft.com/office/powerpoint/2010/main" xmlns:p15="http://schemas.microsoft.com/office/powerpoint/2012/main" xmlns:mc="http://schemas.openxmlformats.org/markup-compatibility/2006">
+<p:sld xmlns:a="http://schemas.openxmlformats.org/drawingml/2006/main" xmlns:r="http://schemas.openxmlformats.org/officeDocument/2006/relationships" xmlns:p="http://schemas.openxmlformats.org/presentationml/2006/main">
   <p:cSld>
     <p:spTree>
       <p:nvGrpSpPr>
@@ -7241,15 +8070,22 @@
           </a:ln>
         </p:spPr>
         <p:style>
-          <a:lnRef idx="0"/>
-          <a:fillRef idx="0"/>
-          <a:effectRef idx="0"/>
+          <a:lnRef idx="0">
+            <a:scrgbClr r="0" g="0" b="0"/>
+          </a:lnRef>
+          <a:fillRef idx="0">
+            <a:scrgbClr r="0" g="0" b="0"/>
+          </a:fillRef>
+          <a:effectRef idx="0">
+            <a:scrgbClr r="0" g="0" b="0"/>
+          </a:effectRef>
           <a:fontRef idx="minor"/>
         </p:style>
         <p:txBody>
-          <a:bodyPr lIns="90000" rIns="90000" tIns="91440" bIns="91440" anchor="t">
+          <a:bodyPr lIns="90000" tIns="91440" rIns="90000" bIns="91440" anchor="t">
             <a:noAutofit/>
           </a:bodyPr>
+          <a:lstStyle/>
           <a:p>
             <a:pPr>
               <a:lnSpc>
@@ -7257,7 +8093,7 @@
               </a:lnSpc>
             </a:pPr>
             <a:r>
-              <a:rPr b="1" lang="pt-BR" sz="5400" spc="-1" strike="noStrike">
+              <a:rPr lang="pt-BR" sz="5400" b="1" strike="noStrike" spc="-1">
                 <a:solidFill>
                   <a:srgbClr val="002060"/>
                 </a:solidFill>
@@ -7266,7 +8102,7 @@
               </a:rPr>
               <a:t>Recap POO </a:t>
             </a:r>
-            <a:endParaRPr b="0" lang="pt-BR" sz="5400" spc="-1" strike="noStrike">
+            <a:endParaRPr lang="pt-BR" sz="5400" b="0" strike="noStrike" spc="-1">
               <a:solidFill>
                 <a:srgbClr val="000000"/>
               </a:solidFill>
@@ -7279,7 +8115,7 @@
                 <a:spcPct val="100000"/>
               </a:lnSpc>
             </a:pPr>
-            <a:endParaRPr b="0" lang="pt-BR" sz="5400" spc="-1" strike="noStrike">
+            <a:endParaRPr lang="pt-BR" sz="5400" b="0" strike="noStrike" spc="-1">
               <a:solidFill>
                 <a:srgbClr val="000000"/>
               </a:solidFill>
@@ -7290,36 +8126,36 @@
       </p:sp>
       <p:pic>
         <p:nvPicPr>
-          <p:cNvPr id="138" name="Imagem 21" descr=""/>
-          <p:cNvPicPr/>
-          <p:nvPr/>
-        </p:nvPicPr>
-        <p:blipFill>
-          <a:blip r:embed="rId1"/>
-          <a:srcRect l="0" t="0" r="0" b="20507"/>
-          <a:stretch/>
-        </p:blipFill>
-        <p:spPr>
-          <a:xfrm>
-            <a:off x="8100720" y="900720"/>
-            <a:ext cx="2142720" cy="3603600"/>
-          </a:xfrm>
-          <a:prstGeom prst="rect">
-            <a:avLst/>
-          </a:prstGeom>
-          <a:ln w="0">
-            <a:noFill/>
-          </a:ln>
-        </p:spPr>
-      </p:pic>
-      <p:pic>
-        <p:nvPicPr>
-          <p:cNvPr id="139" name="" descr=""/>
+          <p:cNvPr id="138" name="Imagem 21"/>
           <p:cNvPicPr/>
           <p:nvPr/>
         </p:nvPicPr>
         <p:blipFill>
           <a:blip r:embed="rId2"/>
+          <a:srcRect b="20507"/>
+          <a:stretch/>
+        </p:blipFill>
+        <p:spPr>
+          <a:xfrm>
+            <a:off x="8100720" y="900720"/>
+            <a:ext cx="2142720" cy="3603600"/>
+          </a:xfrm>
+          <a:prstGeom prst="rect">
+            <a:avLst/>
+          </a:prstGeom>
+          <a:ln w="0">
+            <a:noFill/>
+          </a:ln>
+        </p:spPr>
+      </p:pic>
+      <p:pic>
+        <p:nvPicPr>
+          <p:cNvPr id="139" name="Imagem 138"/>
+          <p:cNvPicPr/>
+          <p:nvPr/>
+        </p:nvPicPr>
+        <p:blipFill>
+          <a:blip r:embed="rId3"/>
           <a:stretch/>
         </p:blipFill>
         <p:spPr>
@@ -7337,19 +8173,14 @@
       </p:pic>
     </p:spTree>
   </p:cSld>
-  <mc:AlternateContent>
-    <mc:Choice Requires="p14">
-      <p:transition spd="slow" p14:dur="2000"/>
-    </mc:Choice>
-    <mc:Fallback>
-      <p:transition spd="slow"/>
-    </mc:Fallback>
-  </mc:AlternateContent>
+  <p:clrMapOvr>
+    <a:masterClrMapping/>
+  </p:clrMapOvr>
 </p:sld>
 </file>
 
 <file path=ppt/slides/slide18.xml><?xml version="1.0" encoding="utf-8"?>
-<p:sld xmlns:a="http://schemas.openxmlformats.org/drawingml/2006/main" xmlns:p="http://schemas.openxmlformats.org/presentationml/2006/main" xmlns:r="http://schemas.openxmlformats.org/officeDocument/2006/relationships" xmlns:p14="http://schemas.microsoft.com/office/powerpoint/2010/main" xmlns:p15="http://schemas.microsoft.com/office/powerpoint/2012/main" xmlns:mc="http://schemas.openxmlformats.org/markup-compatibility/2006">
+<p:sld xmlns:a="http://schemas.openxmlformats.org/drawingml/2006/main" xmlns:r="http://schemas.openxmlformats.org/officeDocument/2006/relationships" xmlns:p="http://schemas.openxmlformats.org/presentationml/2006/main">
   <p:cSld>
     <p:spTree>
       <p:nvGrpSpPr>
@@ -7385,15 +8216,22 @@
           </a:ln>
         </p:spPr>
         <p:style>
-          <a:lnRef idx="0"/>
-          <a:fillRef idx="0"/>
-          <a:effectRef idx="0"/>
+          <a:lnRef idx="0">
+            <a:scrgbClr r="0" g="0" b="0"/>
+          </a:lnRef>
+          <a:fillRef idx="0">
+            <a:scrgbClr r="0" g="0" b="0"/>
+          </a:fillRef>
+          <a:effectRef idx="0">
+            <a:scrgbClr r="0" g="0" b="0"/>
+          </a:effectRef>
           <a:fontRef idx="minor"/>
         </p:style>
         <p:txBody>
-          <a:bodyPr lIns="90000" rIns="90000" tIns="91440" bIns="91440" anchor="t">
+          <a:bodyPr lIns="90000" tIns="91440" rIns="90000" bIns="91440" anchor="t">
             <a:noAutofit/>
           </a:bodyPr>
+          <a:lstStyle/>
           <a:p>
             <a:pPr>
               <a:lnSpc>
@@ -7401,7 +8239,7 @@
               </a:lnSpc>
             </a:pPr>
             <a:r>
-              <a:rPr b="1" lang="pt-BR" sz="5400" spc="-1" strike="noStrike">
+              <a:rPr lang="pt-BR" sz="5400" b="1" strike="noStrike" spc="-1">
                 <a:solidFill>
                   <a:srgbClr val="002060"/>
                 </a:solidFill>
@@ -7410,7 +8248,7 @@
               </a:rPr>
               <a:t>Recap POO </a:t>
             </a:r>
-            <a:endParaRPr b="0" lang="pt-BR" sz="5400" spc="-1" strike="noStrike">
+            <a:endParaRPr lang="pt-BR" sz="5400" b="0" strike="noStrike" spc="-1">
               <a:solidFill>
                 <a:srgbClr val="000000"/>
               </a:solidFill>
@@ -7423,7 +8261,7 @@
                 <a:spcPct val="100000"/>
               </a:lnSpc>
             </a:pPr>
-            <a:endParaRPr b="0" lang="pt-BR" sz="5400" spc="-1" strike="noStrike">
+            <a:endParaRPr lang="pt-BR" sz="5400" b="0" strike="noStrike" spc="-1">
               <a:solidFill>
                 <a:srgbClr val="000000"/>
               </a:solidFill>
@@ -7434,36 +8272,36 @@
       </p:sp>
       <p:pic>
         <p:nvPicPr>
-          <p:cNvPr id="141" name="Imagem 15" descr=""/>
-          <p:cNvPicPr/>
-          <p:nvPr/>
-        </p:nvPicPr>
-        <p:blipFill>
-          <a:blip r:embed="rId1"/>
-          <a:srcRect l="0" t="0" r="0" b="20507"/>
-          <a:stretch/>
-        </p:blipFill>
-        <p:spPr>
-          <a:xfrm>
-            <a:off x="8100720" y="900720"/>
-            <a:ext cx="2142720" cy="3603600"/>
-          </a:xfrm>
-          <a:prstGeom prst="rect">
-            <a:avLst/>
-          </a:prstGeom>
-          <a:ln w="0">
-            <a:noFill/>
-          </a:ln>
-        </p:spPr>
-      </p:pic>
-      <p:pic>
-        <p:nvPicPr>
-          <p:cNvPr id="142" name="" descr=""/>
+          <p:cNvPr id="141" name="Imagem 15"/>
           <p:cNvPicPr/>
           <p:nvPr/>
         </p:nvPicPr>
         <p:blipFill>
           <a:blip r:embed="rId2"/>
+          <a:srcRect b="20507"/>
+          <a:stretch/>
+        </p:blipFill>
+        <p:spPr>
+          <a:xfrm>
+            <a:off x="8100720" y="900720"/>
+            <a:ext cx="2142720" cy="3603600"/>
+          </a:xfrm>
+          <a:prstGeom prst="rect">
+            <a:avLst/>
+          </a:prstGeom>
+          <a:ln w="0">
+            <a:noFill/>
+          </a:ln>
+        </p:spPr>
+      </p:pic>
+      <p:pic>
+        <p:nvPicPr>
+          <p:cNvPr id="142" name="Imagem 141"/>
+          <p:cNvPicPr/>
+          <p:nvPr/>
+        </p:nvPicPr>
+        <p:blipFill>
+          <a:blip r:embed="rId3"/>
           <a:stretch/>
         </p:blipFill>
         <p:spPr>
@@ -7481,19 +8319,14 @@
       </p:pic>
     </p:spTree>
   </p:cSld>
-  <mc:AlternateContent>
-    <mc:Choice Requires="p14">
-      <p:transition spd="slow" p14:dur="2000"/>
-    </mc:Choice>
-    <mc:Fallback>
-      <p:transition spd="slow"/>
-    </mc:Fallback>
-  </mc:AlternateContent>
+  <p:clrMapOvr>
+    <a:masterClrMapping/>
+  </p:clrMapOvr>
 </p:sld>
 </file>
 
 <file path=ppt/slides/slide19.xml><?xml version="1.0" encoding="utf-8"?>
-<p:sld xmlns:a="http://schemas.openxmlformats.org/drawingml/2006/main" xmlns:p="http://schemas.openxmlformats.org/presentationml/2006/main" xmlns:r="http://schemas.openxmlformats.org/officeDocument/2006/relationships" xmlns:p14="http://schemas.microsoft.com/office/powerpoint/2010/main" xmlns:p15="http://schemas.microsoft.com/office/powerpoint/2012/main" xmlns:mc="http://schemas.openxmlformats.org/markup-compatibility/2006">
+<p:sld xmlns:a="http://schemas.openxmlformats.org/drawingml/2006/main" xmlns:r="http://schemas.openxmlformats.org/officeDocument/2006/relationships" xmlns:p="http://schemas.openxmlformats.org/presentationml/2006/main">
   <p:cSld>
     <p:spTree>
       <p:nvGrpSpPr>
@@ -7529,15 +8362,22 @@
           </a:ln>
         </p:spPr>
         <p:style>
-          <a:lnRef idx="0"/>
-          <a:fillRef idx="0"/>
-          <a:effectRef idx="0"/>
+          <a:lnRef idx="0">
+            <a:scrgbClr r="0" g="0" b="0"/>
+          </a:lnRef>
+          <a:fillRef idx="0">
+            <a:scrgbClr r="0" g="0" b="0"/>
+          </a:fillRef>
+          <a:effectRef idx="0">
+            <a:scrgbClr r="0" g="0" b="0"/>
+          </a:effectRef>
           <a:fontRef idx="minor"/>
         </p:style>
         <p:txBody>
-          <a:bodyPr lIns="90000" rIns="90000" tIns="91440" bIns="91440" anchor="t">
+          <a:bodyPr lIns="90000" tIns="91440" rIns="90000" bIns="91440" anchor="t">
             <a:noAutofit/>
           </a:bodyPr>
+          <a:lstStyle/>
           <a:p>
             <a:pPr>
               <a:lnSpc>
@@ -7545,7 +8385,7 @@
               </a:lnSpc>
             </a:pPr>
             <a:r>
-              <a:rPr b="1" lang="pt-BR" sz="5400" spc="-1" strike="noStrike">
+              <a:rPr lang="pt-BR" sz="5400" b="1" strike="noStrike" spc="-1">
                 <a:solidFill>
                   <a:srgbClr val="002060"/>
                 </a:solidFill>
@@ -7554,7 +8394,7 @@
               </a:rPr>
               <a:t>Let’s Work</a:t>
             </a:r>
-            <a:endParaRPr b="0" lang="pt-BR" sz="5400" spc="-1" strike="noStrike">
+            <a:endParaRPr lang="pt-BR" sz="5400" b="0" strike="noStrike" spc="-1">
               <a:solidFill>
                 <a:srgbClr val="000000"/>
               </a:solidFill>
@@ -7565,12 +8405,12 @@
       </p:sp>
       <p:pic>
         <p:nvPicPr>
-          <p:cNvPr id="144" name="Imagem 24" descr=""/>
+          <p:cNvPr id="144" name="Imagem 24"/>
           <p:cNvPicPr/>
           <p:nvPr/>
         </p:nvPicPr>
         <p:blipFill>
-          <a:blip r:embed="rId1"/>
+          <a:blip r:embed="rId2"/>
           <a:stretch/>
         </p:blipFill>
         <p:spPr>
@@ -7595,7 +8435,7 @@
         <p:spPr>
           <a:xfrm>
             <a:off x="180000" y="900000"/>
-            <a:ext cx="7419600" cy="2612520"/>
+            <a:ext cx="7419600" cy="2930759"/>
           </a:xfrm>
           <a:prstGeom prst="rect">
             <a:avLst/>
@@ -7606,15 +8446,22 @@
           </a:ln>
         </p:spPr>
         <p:style>
-          <a:lnRef idx="0"/>
-          <a:fillRef idx="0"/>
-          <a:effectRef idx="0"/>
+          <a:lnRef idx="0">
+            <a:scrgbClr r="0" g="0" b="0"/>
+          </a:lnRef>
+          <a:fillRef idx="0">
+            <a:scrgbClr r="0" g="0" b="0"/>
+          </a:fillRef>
+          <a:effectRef idx="0">
+            <a:scrgbClr r="0" g="0" b="0"/>
+          </a:effectRef>
           <a:fontRef idx="minor"/>
         </p:style>
         <p:txBody>
-          <a:bodyPr lIns="90000" rIns="90000" tIns="45000" bIns="45000" anchor="t">
+          <a:bodyPr lIns="90000" tIns="45000" rIns="90000" bIns="45000" anchor="t">
             <a:spAutoFit/>
           </a:bodyPr>
+          <a:lstStyle/>
           <a:p>
             <a:pPr marL="216000" indent="-216000" algn="just">
               <a:lnSpc>
@@ -7627,24 +8474,34 @@
               <a:buChar char="●"/>
             </a:pPr>
             <a:r>
-              <a:rPr b="0" lang="pt-BR" sz="1800" spc="-1" strike="noStrike">
+              <a:rPr lang="pt-BR" sz="1800" b="0" strike="noStrike" spc="-1" dirty="0" err="1">
                 <a:solidFill>
-                  <a:srgbClr val="01498e"/>
+                  <a:srgbClr val="01498E"/>
                 </a:solidFill>
                 <a:latin typeface="Arial"/>
                 <a:ea typeface="Calibri"/>
               </a:rPr>
-              <a:t>Ativ 01: </a:t>
+              <a:t>Ativ</a:t>
             </a:r>
-            <a:endParaRPr b="0" lang="pt-BR" sz="1800" spc="-1" strike="noStrike">
-              <a:solidFill>
-                <a:srgbClr val="000000"/>
-              </a:solidFill>
-              <a:latin typeface="Arial"/>
-            </a:endParaRPr>
-          </a:p>
-          <a:p>
-            <a:pPr lvl="1" marL="432000" indent="-216000" algn="just">
+            <a:r>
+              <a:rPr lang="pt-BR" sz="1800" b="0" strike="noStrike" spc="-1" dirty="0">
+                <a:solidFill>
+                  <a:srgbClr val="01498E"/>
+                </a:solidFill>
+                <a:latin typeface="Arial"/>
+                <a:ea typeface="Calibri"/>
+              </a:rPr>
+              <a:t> 01: </a:t>
+            </a:r>
+            <a:endParaRPr lang="pt-BR" sz="1800" b="0" strike="noStrike" spc="-1" dirty="0">
+              <a:solidFill>
+                <a:srgbClr val="000000"/>
+              </a:solidFill>
+              <a:latin typeface="Arial"/>
+            </a:endParaRPr>
+          </a:p>
+          <a:p>
+            <a:pPr marL="432000" lvl="1" indent="-216000" algn="just">
               <a:lnSpc>
                 <a:spcPct val="115000"/>
               </a:lnSpc>
@@ -7656,24 +8513,24 @@
               <a:buChar char=""/>
             </a:pPr>
             <a:r>
-              <a:rPr b="0" lang="pt-BR" sz="1800" spc="-1" strike="noStrike">
+              <a:rPr lang="pt-BR" sz="1800" b="0" strike="noStrike" spc="-1" dirty="0">
                 <a:solidFill>
-                  <a:srgbClr val="01498e"/>
+                  <a:srgbClr val="01498E"/>
                 </a:solidFill>
                 <a:latin typeface="Arial"/>
                 <a:ea typeface="Calibri"/>
               </a:rPr>
               <a:t>Atualize o programa de alunos na pasta Ativ01</a:t>
             </a:r>
-            <a:endParaRPr b="0" lang="pt-BR" sz="1800" spc="-1" strike="noStrike">
-              <a:solidFill>
-                <a:srgbClr val="000000"/>
-              </a:solidFill>
-              <a:latin typeface="Arial"/>
-            </a:endParaRPr>
-          </a:p>
-          <a:p>
-            <a:pPr lvl="2" marL="648000" indent="-216000" algn="just">
+            <a:endParaRPr lang="pt-BR" sz="1800" b="0" strike="noStrike" spc="-1" dirty="0">
+              <a:solidFill>
+                <a:srgbClr val="000000"/>
+              </a:solidFill>
+              <a:latin typeface="Arial"/>
+            </a:endParaRPr>
+          </a:p>
+          <a:p>
+            <a:pPr marL="648000" lvl="2" indent="-216000" algn="just">
               <a:lnSpc>
                 <a:spcPct val="115000"/>
               </a:lnSpc>
@@ -7685,24 +8542,18 @@
               <a:buChar char=""/>
             </a:pPr>
             <a:r>
-              <a:rPr b="0" lang="pt-BR" sz="1800" spc="-1" strike="noStrike">
+              <a:rPr lang="pt-BR" sz="1800" b="0" strike="noStrike" spc="-1" dirty="0">
                 <a:solidFill>
-                  <a:srgbClr val="01498e"/>
+                  <a:srgbClr val="01498E"/>
                 </a:solidFill>
                 <a:latin typeface="Arial"/>
                 <a:ea typeface="Calibri"/>
               </a:rPr>
               <a:t>Armazene o log de alterações de pontuação do aluno com a data e hora</a:t>
             </a:r>
-            <a:endParaRPr b="0" lang="pt-BR" sz="1800" spc="-1" strike="noStrike">
-              <a:solidFill>
-                <a:srgbClr val="000000"/>
-              </a:solidFill>
-              <a:latin typeface="Arial"/>
-            </a:endParaRPr>
-          </a:p>
-          <a:p>
-            <a:pPr lvl="2" marL="648000" indent="-216000" algn="just">
+          </a:p>
+          <a:p>
+            <a:pPr marL="648000" lvl="2" indent="-216000" algn="just">
               <a:lnSpc>
                 <a:spcPct val="115000"/>
               </a:lnSpc>
@@ -7714,16 +8565,97 @@
               <a:buChar char=""/>
             </a:pPr>
             <a:r>
-              <a:rPr b="0" lang="pt-BR" sz="1800" spc="-1" strike="noStrike">
+              <a:rPr lang="pt-BR" spc="-1" dirty="0" err="1">
+                <a:latin typeface="Arial"/>
+                <a:ea typeface="Calibri"/>
+              </a:rPr>
+              <a:t>pip</a:t>
+            </a:r>
+            <a:r>
+              <a:rPr lang="pt-BR" spc="-1" dirty="0">
+                <a:latin typeface="Arial"/>
+                <a:ea typeface="Calibri"/>
+              </a:rPr>
+              <a:t> </a:t>
+            </a:r>
+            <a:r>
+              <a:rPr lang="pt-BR" spc="-1" dirty="0" err="1">
+                <a:latin typeface="Arial"/>
+                <a:ea typeface="Calibri"/>
+              </a:rPr>
+              <a:t>install</a:t>
+            </a:r>
+            <a:r>
+              <a:rPr lang="pt-BR" spc="-1" dirty="0">
+                <a:latin typeface="Arial"/>
+                <a:ea typeface="Calibri"/>
+              </a:rPr>
+              <a:t> </a:t>
+            </a:r>
+            <a:r>
+              <a:rPr lang="pt-BR" spc="-1" dirty="0" err="1">
+                <a:latin typeface="Arial"/>
+                <a:ea typeface="Calibri"/>
+              </a:rPr>
+              <a:t>tabulate</a:t>
+            </a:r>
+            <a:endParaRPr lang="pt-BR" sz="1800" b="0" strike="noStrike" spc="-1" dirty="0">
+              <a:latin typeface="Arial"/>
+            </a:endParaRPr>
+          </a:p>
+          <a:p>
+            <a:pPr marL="648000" lvl="2" indent="-216000" algn="just">
+              <a:lnSpc>
+                <a:spcPct val="115000"/>
+              </a:lnSpc>
+              <a:buClr>
+                <a:srgbClr val="000000"/>
+              </a:buClr>
+              <a:buSzPct val="45000"/>
+              <a:buFont typeface="Wingdings" charset="2"/>
+              <a:buChar char=""/>
+            </a:pPr>
+            <a:r>
+              <a:rPr lang="pt-BR" sz="1800" b="0" strike="noStrike" spc="-1" dirty="0">
                 <a:solidFill>
-                  <a:srgbClr val="01498e"/>
+                  <a:srgbClr val="01498E"/>
                 </a:solidFill>
                 <a:latin typeface="Arial"/>
                 <a:ea typeface="Calibri"/>
               </a:rPr>
-              <a:t>Atualize crie um metodo que mostre os logs e uma opção no menu para chamar esse metodo</a:t>
+              <a:t>Atualize crie um </a:t>
             </a:r>
-            <a:endParaRPr b="0" lang="pt-BR" sz="1800" spc="-1" strike="noStrike">
+            <a:r>
+              <a:rPr lang="pt-BR" sz="1800" b="0" strike="noStrike" spc="-1" dirty="0" err="1">
+                <a:solidFill>
+                  <a:srgbClr val="01498E"/>
+                </a:solidFill>
+                <a:latin typeface="Arial"/>
+                <a:ea typeface="Calibri"/>
+              </a:rPr>
+              <a:t>metodo</a:t>
+            </a:r>
+            <a:r>
+              <a:rPr lang="pt-BR" sz="1800" b="0" strike="noStrike" spc="-1" dirty="0">
+                <a:solidFill>
+                  <a:srgbClr val="01498E"/>
+                </a:solidFill>
+                <a:latin typeface="Arial"/>
+                <a:ea typeface="Calibri"/>
+              </a:rPr>
+              <a:t> que mostre os logs e uma opção no menu para chamar esse </a:t>
+            </a:r>
+            <a:r>
+              <a:rPr lang="pt-BR" sz="1800" b="0" strike="noStrike" spc="-1" dirty="0" err="1">
+                <a:solidFill>
+                  <a:srgbClr val="01498E"/>
+                </a:solidFill>
+                <a:latin typeface="Arial"/>
+                <a:ea typeface="Calibri"/>
+              </a:rPr>
+              <a:t>metodo</a:t>
+            </a:r>
+            <a:endParaRPr lang="pt-BR" sz="1800" b="0" strike="noStrike" spc="-1" dirty="0">
               <a:solidFill>
                 <a:srgbClr val="000000"/>
               </a:solidFill>
@@ -7736,7 +8668,7 @@
                 <a:spcPct val="115000"/>
               </a:lnSpc>
             </a:pPr>
-            <a:endParaRPr b="0" lang="pt-BR" sz="1800" spc="-1" strike="noStrike">
+            <a:endParaRPr lang="pt-BR" sz="1800" b="0" strike="noStrike" spc="-1" dirty="0">
               <a:solidFill>
                 <a:srgbClr val="000000"/>
               </a:solidFill>
@@ -7749,7 +8681,7 @@
                 <a:spcPct val="115000"/>
               </a:lnSpc>
             </a:pPr>
-            <a:endParaRPr b="0" lang="pt-BR" sz="1800" spc="-1" strike="noStrike">
+            <a:endParaRPr lang="pt-BR" sz="1800" b="0" strike="noStrike" spc="-1" dirty="0">
               <a:solidFill>
                 <a:srgbClr val="000000"/>
               </a:solidFill>
@@ -7760,19 +8692,14 @@
       </p:sp>
     </p:spTree>
   </p:cSld>
-  <mc:AlternateContent>
-    <mc:Choice Requires="p14">
-      <p:transition spd="slow" p14:dur="2000"/>
-    </mc:Choice>
-    <mc:Fallback>
-      <p:transition spd="slow"/>
-    </mc:Fallback>
-  </mc:AlternateContent>
+  <p:clrMapOvr>
+    <a:masterClrMapping/>
+  </p:clrMapOvr>
 </p:sld>
 </file>
 
 <file path=ppt/slides/slide2.xml><?xml version="1.0" encoding="utf-8"?>
-<p:sld xmlns:a="http://schemas.openxmlformats.org/drawingml/2006/main" xmlns:p="http://schemas.openxmlformats.org/presentationml/2006/main" xmlns:r="http://schemas.openxmlformats.org/officeDocument/2006/relationships" xmlns:p14="http://schemas.microsoft.com/office/powerpoint/2010/main" xmlns:p15="http://schemas.microsoft.com/office/powerpoint/2012/main" xmlns:mc="http://schemas.openxmlformats.org/markup-compatibility/2006">
+<p:sld xmlns:a="http://schemas.openxmlformats.org/drawingml/2006/main" xmlns:r="http://schemas.openxmlformats.org/officeDocument/2006/relationships" xmlns:p="http://schemas.openxmlformats.org/presentationml/2006/main">
   <p:cSld>
     <p:spTree>
       <p:nvGrpSpPr>
@@ -7808,15 +8735,22 @@
           </a:ln>
         </p:spPr>
         <p:style>
-          <a:lnRef idx="0"/>
-          <a:fillRef idx="0"/>
-          <a:effectRef idx="0"/>
+          <a:lnRef idx="0">
+            <a:scrgbClr r="0" g="0" b="0"/>
+          </a:lnRef>
+          <a:fillRef idx="0">
+            <a:scrgbClr r="0" g="0" b="0"/>
+          </a:fillRef>
+          <a:effectRef idx="0">
+            <a:scrgbClr r="0" g="0" b="0"/>
+          </a:effectRef>
           <a:fontRef idx="minor"/>
         </p:style>
         <p:txBody>
-          <a:bodyPr lIns="90000" rIns="90000" tIns="91440" bIns="91440" anchor="t">
+          <a:bodyPr lIns="90000" tIns="91440" rIns="90000" bIns="91440" anchor="t">
             <a:noAutofit/>
           </a:bodyPr>
+          <a:lstStyle/>
           <a:p>
             <a:pPr>
               <a:lnSpc>
@@ -7824,7 +8758,7 @@
               </a:lnSpc>
             </a:pPr>
             <a:r>
-              <a:rPr b="1" lang="pt-BR" sz="5400" spc="-1" strike="noStrike">
+              <a:rPr lang="pt-BR" sz="5400" b="1" strike="noStrike" spc="-1">
                 <a:solidFill>
                   <a:srgbClr val="002060"/>
                 </a:solidFill>
@@ -7833,7 +8767,7 @@
               </a:rPr>
               <a:t>Recap POO </a:t>
             </a:r>
-            <a:endParaRPr b="0" lang="pt-BR" sz="5400" spc="-1" strike="noStrike">
+            <a:endParaRPr lang="pt-BR" sz="5400" b="0" strike="noStrike" spc="-1">
               <a:solidFill>
                 <a:srgbClr val="000000"/>
               </a:solidFill>
@@ -7846,7 +8780,7 @@
                 <a:spcPct val="100000"/>
               </a:lnSpc>
             </a:pPr>
-            <a:endParaRPr b="0" lang="pt-BR" sz="5400" spc="-1" strike="noStrike">
+            <a:endParaRPr lang="pt-BR" sz="5400" b="0" strike="noStrike" spc="-1">
               <a:solidFill>
                 <a:srgbClr val="000000"/>
               </a:solidFill>
@@ -7857,13 +8791,13 @@
       </p:sp>
       <p:pic>
         <p:nvPicPr>
-          <p:cNvPr id="93" name="Imagem 16" descr=""/>
+          <p:cNvPr id="93" name="Imagem 16"/>
           <p:cNvPicPr/>
           <p:nvPr/>
         </p:nvPicPr>
         <p:blipFill>
-          <a:blip r:embed="rId1"/>
-          <a:srcRect l="0" t="0" r="0" b="20507"/>
+          <a:blip r:embed="rId2"/>
+          <a:srcRect b="20507"/>
           <a:stretch/>
         </p:blipFill>
         <p:spPr>
@@ -7899,15 +8833,22 @@
           </a:ln>
         </p:spPr>
         <p:style>
-          <a:lnRef idx="0"/>
-          <a:fillRef idx="0"/>
-          <a:effectRef idx="0"/>
+          <a:lnRef idx="0">
+            <a:scrgbClr r="0" g="0" b="0"/>
+          </a:lnRef>
+          <a:fillRef idx="0">
+            <a:scrgbClr r="0" g="0" b="0"/>
+          </a:fillRef>
+          <a:effectRef idx="0">
+            <a:scrgbClr r="0" g="0" b="0"/>
+          </a:effectRef>
           <a:fontRef idx="minor"/>
         </p:style>
         <p:txBody>
-          <a:bodyPr lIns="90000" rIns="90000" tIns="45000" bIns="45000" anchor="t">
+          <a:bodyPr lIns="90000" tIns="45000" rIns="90000" bIns="45000" anchor="t">
             <a:spAutoFit/>
           </a:bodyPr>
+          <a:lstStyle/>
           <a:p>
             <a:pPr marL="216000" indent="-216000" algn="just">
               <a:lnSpc>
@@ -7920,24 +8861,24 @@
               <a:buChar char="●"/>
             </a:pPr>
             <a:r>
-              <a:rPr b="0" lang="pt-BR" sz="1800" spc="-1" strike="noStrike">
+              <a:rPr lang="pt-BR" sz="1800" b="0" strike="noStrike" spc="-1" dirty="0">
                 <a:solidFill>
-                  <a:srgbClr val="01498e"/>
+                  <a:srgbClr val="01498E"/>
                 </a:solidFill>
                 <a:latin typeface="Arial"/>
                 <a:ea typeface="Calibri"/>
               </a:rPr>
               <a:t>Programação Orientada a Objeto.</a:t>
             </a:r>
-            <a:endParaRPr b="0" lang="pt-BR" sz="1800" spc="-1" strike="noStrike">
-              <a:solidFill>
-                <a:srgbClr val="000000"/>
-              </a:solidFill>
-              <a:latin typeface="Arial"/>
-            </a:endParaRPr>
-          </a:p>
-          <a:p>
-            <a:pPr lvl="1" marL="432000" indent="-216000" algn="just">
+            <a:endParaRPr lang="pt-BR" sz="1800" b="0" strike="noStrike" spc="-1" dirty="0">
+              <a:solidFill>
+                <a:srgbClr val="000000"/>
+              </a:solidFill>
+              <a:latin typeface="Arial"/>
+            </a:endParaRPr>
+          </a:p>
+          <a:p>
+            <a:pPr marL="432000" lvl="1" indent="-216000" algn="just">
               <a:lnSpc>
                 <a:spcPct val="115000"/>
               </a:lnSpc>
@@ -7949,16 +8890,16 @@
               <a:buChar char=""/>
             </a:pPr>
             <a:r>
-              <a:rPr b="0" lang="pt-BR" sz="1800" spc="-1" strike="noStrike">
+              <a:rPr lang="pt-BR" sz="1800" b="0" strike="noStrike" spc="-1" dirty="0">
                 <a:solidFill>
-                  <a:srgbClr val="01498e"/>
+                  <a:srgbClr val="01498E"/>
                 </a:solidFill>
                 <a:latin typeface="Arial"/>
                 <a:ea typeface="Calibri"/>
               </a:rPr>
               <a:t>https://www.youtube.com/watch?v=97A_Cyyh-eU</a:t>
             </a:r>
-            <a:endParaRPr b="0" lang="pt-BR" sz="1800" spc="-1" strike="noStrike">
+            <a:endParaRPr lang="pt-BR" sz="1800" b="0" strike="noStrike" spc="-1" dirty="0">
               <a:solidFill>
                 <a:srgbClr val="000000"/>
               </a:solidFill>
@@ -7971,7 +8912,7 @@
                 <a:spcPct val="115000"/>
               </a:lnSpc>
             </a:pPr>
-            <a:endParaRPr b="0" lang="pt-BR" sz="1800" spc="-1" strike="noStrike">
+            <a:endParaRPr lang="pt-BR" sz="1800" b="0" strike="noStrike" spc="-1" dirty="0">
               <a:solidFill>
                 <a:srgbClr val="000000"/>
               </a:solidFill>
@@ -7984,7 +8925,7 @@
                 <a:spcPct val="115000"/>
               </a:lnSpc>
             </a:pPr>
-            <a:endParaRPr b="0" lang="pt-BR" sz="1800" spc="-1" strike="noStrike">
+            <a:endParaRPr lang="pt-BR" sz="1800" b="0" strike="noStrike" spc="-1" dirty="0">
               <a:solidFill>
                 <a:srgbClr val="000000"/>
               </a:solidFill>
@@ -7997,7 +8938,7 @@
                 <a:spcPct val="115000"/>
               </a:lnSpc>
             </a:pPr>
-            <a:endParaRPr b="0" lang="pt-BR" sz="1800" spc="-1" strike="noStrike">
+            <a:endParaRPr lang="pt-BR" sz="1800" b="0" strike="noStrike" spc="-1" dirty="0">
               <a:solidFill>
                 <a:srgbClr val="000000"/>
               </a:solidFill>
@@ -8010,7 +8951,7 @@
                 <a:spcPct val="115000"/>
               </a:lnSpc>
             </a:pPr>
-            <a:endParaRPr b="0" lang="pt-BR" sz="1800" spc="-1" strike="noStrike">
+            <a:endParaRPr lang="pt-BR" sz="1800" b="0" strike="noStrike" spc="-1" dirty="0">
               <a:solidFill>
                 <a:srgbClr val="000000"/>
               </a:solidFill>
@@ -8021,19 +8962,14 @@
       </p:sp>
     </p:spTree>
   </p:cSld>
-  <mc:AlternateContent>
-    <mc:Choice Requires="p14">
-      <p:transition spd="slow" p14:dur="2000"/>
-    </mc:Choice>
-    <mc:Fallback>
-      <p:transition spd="slow"/>
-    </mc:Fallback>
-  </mc:AlternateContent>
+  <p:clrMapOvr>
+    <a:masterClrMapping/>
+  </p:clrMapOvr>
 </p:sld>
 </file>
 
 <file path=ppt/slides/slide20.xml><?xml version="1.0" encoding="utf-8"?>
-<p:sld xmlns:a="http://schemas.openxmlformats.org/drawingml/2006/main" xmlns:p="http://schemas.openxmlformats.org/presentationml/2006/main" xmlns:r="http://schemas.openxmlformats.org/officeDocument/2006/relationships" xmlns:p14="http://schemas.microsoft.com/office/powerpoint/2010/main" xmlns:p15="http://schemas.microsoft.com/office/powerpoint/2012/main" xmlns:mc="http://schemas.openxmlformats.org/markup-compatibility/2006">
+<p:sld xmlns:a="http://schemas.openxmlformats.org/drawingml/2006/main" xmlns:r="http://schemas.openxmlformats.org/officeDocument/2006/relationships" xmlns:p="http://schemas.openxmlformats.org/presentationml/2006/main">
   <p:cSld>
     <p:spTree>
       <p:nvGrpSpPr>
@@ -8069,15 +9005,22 @@
           </a:ln>
         </p:spPr>
         <p:style>
-          <a:lnRef idx="0"/>
-          <a:fillRef idx="0"/>
-          <a:effectRef idx="0"/>
+          <a:lnRef idx="0">
+            <a:scrgbClr r="0" g="0" b="0"/>
+          </a:lnRef>
+          <a:fillRef idx="0">
+            <a:scrgbClr r="0" g="0" b="0"/>
+          </a:fillRef>
+          <a:effectRef idx="0">
+            <a:scrgbClr r="0" g="0" b="0"/>
+          </a:effectRef>
           <a:fontRef idx="minor"/>
         </p:style>
         <p:txBody>
-          <a:bodyPr lIns="90000" rIns="90000" tIns="91440" bIns="91440" anchor="t">
+          <a:bodyPr lIns="90000" tIns="91440" rIns="90000" bIns="91440" anchor="t">
             <a:noAutofit/>
           </a:bodyPr>
+          <a:lstStyle/>
           <a:p>
             <a:pPr>
               <a:lnSpc>
@@ -8085,7 +9028,7 @@
               </a:lnSpc>
             </a:pPr>
             <a:r>
-              <a:rPr b="1" lang="pt-BR" sz="5400" spc="-1" strike="noStrike">
+              <a:rPr lang="pt-BR" sz="5400" b="1" strike="noStrike" spc="-1">
                 <a:solidFill>
                   <a:srgbClr val="002060"/>
                 </a:solidFill>
@@ -8094,7 +9037,7 @@
               </a:rPr>
               <a:t>Let’s Work</a:t>
             </a:r>
-            <a:endParaRPr b="0" lang="pt-BR" sz="5400" spc="-1" strike="noStrike">
+            <a:endParaRPr lang="pt-BR" sz="5400" b="0" strike="noStrike" spc="-1">
               <a:solidFill>
                 <a:srgbClr val="000000"/>
               </a:solidFill>
@@ -8105,12 +9048,12 @@
       </p:sp>
       <p:pic>
         <p:nvPicPr>
-          <p:cNvPr id="147" name="Imagem 2" descr=""/>
+          <p:cNvPr id="147" name="Imagem 2"/>
           <p:cNvPicPr/>
           <p:nvPr/>
         </p:nvPicPr>
         <p:blipFill>
-          <a:blip r:embed="rId1"/>
+          <a:blip r:embed="rId2"/>
           <a:stretch/>
         </p:blipFill>
         <p:spPr>
@@ -8146,15 +9089,22 @@
           </a:ln>
         </p:spPr>
         <p:style>
-          <a:lnRef idx="0"/>
-          <a:fillRef idx="0"/>
-          <a:effectRef idx="0"/>
+          <a:lnRef idx="0">
+            <a:scrgbClr r="0" g="0" b="0"/>
+          </a:lnRef>
+          <a:fillRef idx="0">
+            <a:scrgbClr r="0" g="0" b="0"/>
+          </a:fillRef>
+          <a:effectRef idx="0">
+            <a:scrgbClr r="0" g="0" b="0"/>
+          </a:effectRef>
           <a:fontRef idx="minor"/>
         </p:style>
         <p:txBody>
-          <a:bodyPr lIns="90000" rIns="90000" tIns="45000" bIns="45000" anchor="t">
+          <a:bodyPr lIns="90000" tIns="45000" rIns="90000" bIns="45000" anchor="t">
             <a:spAutoFit/>
           </a:bodyPr>
+          <a:lstStyle/>
           <a:p>
             <a:pPr marL="216000" indent="-216000" algn="just">
               <a:lnSpc>
@@ -8167,24 +9117,24 @@
               <a:buChar char="●"/>
             </a:pPr>
             <a:r>
-              <a:rPr b="0" lang="pt-BR" sz="1800" spc="-1" strike="noStrike">
+              <a:rPr lang="pt-BR" sz="1800" b="0" strike="noStrike" spc="-1">
                 <a:solidFill>
-                  <a:srgbClr val="01498e"/>
+                  <a:srgbClr val="01498E"/>
                 </a:solidFill>
                 <a:latin typeface="Arial"/>
                 <a:ea typeface="Calibri"/>
               </a:rPr>
               <a:t>Ativ 02: </a:t>
             </a:r>
-            <a:endParaRPr b="0" lang="pt-BR" sz="1800" spc="-1" strike="noStrike">
-              <a:solidFill>
-                <a:srgbClr val="000000"/>
-              </a:solidFill>
-              <a:latin typeface="Arial"/>
-            </a:endParaRPr>
-          </a:p>
-          <a:p>
-            <a:pPr lvl="1" marL="432000" indent="-216000" algn="just">
+            <a:endParaRPr lang="pt-BR" sz="1800" b="0" strike="noStrike" spc="-1">
+              <a:solidFill>
+                <a:srgbClr val="000000"/>
+              </a:solidFill>
+              <a:latin typeface="Arial"/>
+            </a:endParaRPr>
+          </a:p>
+          <a:p>
+            <a:pPr marL="432000" lvl="1" indent="-216000" algn="just">
               <a:lnSpc>
                 <a:spcPct val="115000"/>
               </a:lnSpc>
@@ -8196,26 +9146,16 @@
               <a:buChar char=""/>
             </a:pPr>
             <a:r>
-              <a:rPr b="0" lang="pt-BR" sz="1800" spc="-1" strike="noStrike">
+              <a:rPr lang="pt-BR" sz="1800" b="0" strike="noStrike" spc="-1">
                 <a:solidFill>
-                  <a:srgbClr val="01498e"/>
+                  <a:srgbClr val="01498E"/>
                 </a:solidFill>
                 <a:latin typeface="Arial"/>
                 <a:ea typeface="Calibri"/>
               </a:rPr>
-              <a:t>Complete a classe Receita e crie um menu para utiliza-la mais </a:t>
+              <a:t>Complete a classe Receita e crie um menu para utiliza-la mais facilmente, com as funções cadastrar, listar e mostrar</a:t>
             </a:r>
-            <a:r>
-              <a:rPr b="0" lang="pt-BR" sz="1800" spc="-1" strike="noStrike">
-                <a:solidFill>
-                  <a:srgbClr val="01498e"/>
-                </a:solidFill>
-                <a:latin typeface="Arial"/>
-                <a:ea typeface="Calibri"/>
-              </a:rPr>
-              <a:t>facilmente, com as funções cadastrar, listar e mostrar</a:t>
-            </a:r>
-            <a:endParaRPr b="0" lang="pt-BR" sz="1800" spc="-1" strike="noStrike">
+            <a:endParaRPr lang="pt-BR" sz="1800" b="0" strike="noStrike" spc="-1">
               <a:solidFill>
                 <a:srgbClr val="000000"/>
               </a:solidFill>
@@ -8228,7 +9168,7 @@
                 <a:spcPct val="115000"/>
               </a:lnSpc>
             </a:pPr>
-            <a:endParaRPr b="0" lang="pt-BR" sz="1800" spc="-1" strike="noStrike">
+            <a:endParaRPr lang="pt-BR" sz="1800" b="0" strike="noStrike" spc="-1">
               <a:solidFill>
                 <a:srgbClr val="000000"/>
               </a:solidFill>
@@ -8241,7 +9181,7 @@
                 <a:spcPct val="115000"/>
               </a:lnSpc>
             </a:pPr>
-            <a:endParaRPr b="0" lang="pt-BR" sz="1800" spc="-1" strike="noStrike">
+            <a:endParaRPr lang="pt-BR" sz="1800" b="0" strike="noStrike" spc="-1">
               <a:solidFill>
                 <a:srgbClr val="000000"/>
               </a:solidFill>
@@ -8252,19 +9192,14 @@
       </p:sp>
     </p:spTree>
   </p:cSld>
-  <mc:AlternateContent>
-    <mc:Choice Requires="p14">
-      <p:transition spd="slow" p14:dur="2000"/>
-    </mc:Choice>
-    <mc:Fallback>
-      <p:transition spd="slow"/>
-    </mc:Fallback>
-  </mc:AlternateContent>
+  <p:clrMapOvr>
+    <a:masterClrMapping/>
+  </p:clrMapOvr>
 </p:sld>
 </file>
 
 <file path=ppt/slides/slide21.xml><?xml version="1.0" encoding="utf-8"?>
-<p:sld xmlns:a="http://schemas.openxmlformats.org/drawingml/2006/main" xmlns:p="http://schemas.openxmlformats.org/presentationml/2006/main" xmlns:r="http://schemas.openxmlformats.org/officeDocument/2006/relationships" xmlns:p14="http://schemas.microsoft.com/office/powerpoint/2010/main" xmlns:p15="http://schemas.microsoft.com/office/powerpoint/2012/main" xmlns:mc="http://schemas.openxmlformats.org/markup-compatibility/2006">
+<p:sld xmlns:a="http://schemas.openxmlformats.org/drawingml/2006/main" xmlns:r="http://schemas.openxmlformats.org/officeDocument/2006/relationships" xmlns:p="http://schemas.openxmlformats.org/presentationml/2006/main">
   <p:cSld>
     <p:spTree>
       <p:nvGrpSpPr>
@@ -8282,19 +9217,14 @@
       </p:grpSpPr>
     </p:spTree>
   </p:cSld>
-  <mc:AlternateContent>
-    <mc:Choice Requires="p14">
-      <p:transition spd="slow" p14:dur="2000"/>
-    </mc:Choice>
-    <mc:Fallback>
-      <p:transition spd="slow"/>
-    </mc:Fallback>
-  </mc:AlternateContent>
+  <p:clrMapOvr>
+    <a:masterClrMapping/>
+  </p:clrMapOvr>
 </p:sld>
 </file>
 
 <file path=ppt/slides/slide22.xml><?xml version="1.0" encoding="utf-8"?>
-<p:sld xmlns:a="http://schemas.openxmlformats.org/drawingml/2006/main" xmlns:p="http://schemas.openxmlformats.org/presentationml/2006/main" xmlns:r="http://schemas.openxmlformats.org/officeDocument/2006/relationships" xmlns:p14="http://schemas.microsoft.com/office/powerpoint/2010/main" xmlns:p15="http://schemas.microsoft.com/office/powerpoint/2012/main" xmlns:mc="http://schemas.openxmlformats.org/markup-compatibility/2006">
+<p:sld xmlns:a="http://schemas.openxmlformats.org/drawingml/2006/main" xmlns:r="http://schemas.openxmlformats.org/officeDocument/2006/relationships" xmlns:p="http://schemas.openxmlformats.org/presentationml/2006/main">
   <p:cSld>
     <p:spTree>
       <p:nvGrpSpPr>
@@ -8330,15 +9260,22 @@
           </a:ln>
         </p:spPr>
         <p:style>
-          <a:lnRef idx="0"/>
-          <a:fillRef idx="0"/>
-          <a:effectRef idx="0"/>
+          <a:lnRef idx="0">
+            <a:scrgbClr r="0" g="0" b="0"/>
+          </a:lnRef>
+          <a:fillRef idx="0">
+            <a:scrgbClr r="0" g="0" b="0"/>
+          </a:fillRef>
+          <a:effectRef idx="0">
+            <a:scrgbClr r="0" g="0" b="0"/>
+          </a:effectRef>
           <a:fontRef idx="minor"/>
         </p:style>
         <p:txBody>
-          <a:bodyPr lIns="90000" rIns="90000" tIns="91440" bIns="91440" anchor="t">
+          <a:bodyPr lIns="90000" tIns="91440" rIns="90000" bIns="91440" anchor="t">
             <a:noAutofit/>
           </a:bodyPr>
+          <a:lstStyle/>
           <a:p>
             <a:pPr>
               <a:lnSpc>
@@ -8346,7 +9283,7 @@
               </a:lnSpc>
             </a:pPr>
             <a:r>
-              <a:rPr b="1" lang="pt-BR" sz="4200" spc="-1" strike="noStrike">
+              <a:rPr lang="pt-BR" sz="4200" b="1" strike="noStrike" spc="-1">
                 <a:solidFill>
                   <a:srgbClr val="002060"/>
                 </a:solidFill>
@@ -8355,7 +9292,7 @@
               </a:rPr>
               <a:t>Boa noite! </a:t>
             </a:r>
-            <a:endParaRPr b="0" lang="pt-BR" sz="4200" spc="-1" strike="noStrike">
+            <a:endParaRPr lang="pt-BR" sz="4200" b="0" strike="noStrike" spc="-1">
               <a:solidFill>
                 <a:srgbClr val="000000"/>
               </a:solidFill>
@@ -8368,7 +9305,7 @@
                 <a:spcPct val="100000"/>
               </a:lnSpc>
             </a:pPr>
-            <a:endParaRPr b="0" lang="pt-BR" sz="4200" spc="-1" strike="noStrike">
+            <a:endParaRPr lang="pt-BR" sz="4200" b="0" strike="noStrike" spc="-1">
               <a:solidFill>
                 <a:srgbClr val="000000"/>
               </a:solidFill>
@@ -8397,15 +9334,22 @@
           </a:ln>
         </p:spPr>
         <p:style>
-          <a:lnRef idx="0"/>
-          <a:fillRef idx="0"/>
-          <a:effectRef idx="0"/>
+          <a:lnRef idx="0">
+            <a:scrgbClr r="0" g="0" b="0"/>
+          </a:lnRef>
+          <a:fillRef idx="0">
+            <a:scrgbClr r="0" g="0" b="0"/>
+          </a:fillRef>
+          <a:effectRef idx="0">
+            <a:scrgbClr r="0" g="0" b="0"/>
+          </a:effectRef>
           <a:fontRef idx="minor"/>
         </p:style>
         <p:txBody>
-          <a:bodyPr lIns="90000" rIns="90000" tIns="45000" bIns="45000" anchor="t">
+          <a:bodyPr lIns="90000" tIns="45000" rIns="90000" bIns="45000" anchor="t">
             <a:spAutoFit/>
           </a:bodyPr>
+          <a:lstStyle/>
           <a:p>
             <a:pPr marL="216000" indent="-216000" algn="just">
               <a:lnSpc>
@@ -8418,16 +9362,16 @@
               <a:buChar char="●"/>
             </a:pPr>
             <a:r>
-              <a:rPr b="0" lang="pt-BR" sz="1600" spc="-1" strike="noStrike">
+              <a:rPr lang="pt-BR" sz="1600" b="0" strike="noStrike" spc="-1">
                 <a:solidFill>
-                  <a:srgbClr val="01498e"/>
+                  <a:srgbClr val="01498E"/>
                 </a:solidFill>
                 <a:latin typeface="Arial"/>
                 <a:ea typeface="Calibri"/>
               </a:rPr>
               <a:t>Favor salvar o conteúdo de hoje pois vamos utilizar. </a:t>
             </a:r>
-            <a:endParaRPr b="0" lang="pt-BR" sz="1600" spc="-1" strike="noStrike">
+            <a:endParaRPr lang="pt-BR" sz="1600" b="0" strike="noStrike" spc="-1">
               <a:solidFill>
                 <a:srgbClr val="000000"/>
               </a:solidFill>
@@ -8440,7 +9384,7 @@
                 <a:spcPct val="115000"/>
               </a:lnSpc>
             </a:pPr>
-            <a:endParaRPr b="0" lang="pt-BR" sz="1600" spc="-1" strike="noStrike">
+            <a:endParaRPr lang="pt-BR" sz="1600" b="0" strike="noStrike" spc="-1">
               <a:solidFill>
                 <a:srgbClr val="000000"/>
               </a:solidFill>
@@ -8453,7 +9397,7 @@
                 <a:spcPct val="115000"/>
               </a:lnSpc>
             </a:pPr>
-            <a:endParaRPr b="0" lang="pt-BR" sz="1600" spc="-1" strike="noStrike">
+            <a:endParaRPr lang="pt-BR" sz="1600" b="0" strike="noStrike" spc="-1">
               <a:solidFill>
                 <a:srgbClr val="000000"/>
               </a:solidFill>
@@ -8464,13 +9408,13 @@
       </p:sp>
       <p:pic>
         <p:nvPicPr>
-          <p:cNvPr id="151" name="Imagem 11" descr=""/>
+          <p:cNvPr id="151" name="Imagem 11"/>
           <p:cNvPicPr/>
           <p:nvPr/>
         </p:nvPicPr>
         <p:blipFill>
-          <a:blip r:embed="rId1"/>
-          <a:srcRect l="0" t="0" r="0" b="20507"/>
+          <a:blip r:embed="rId2"/>
+          <a:srcRect b="20507"/>
           <a:stretch/>
         </p:blipFill>
         <p:spPr>
@@ -8488,19 +9432,14 @@
       </p:pic>
     </p:spTree>
   </p:cSld>
-  <mc:AlternateContent>
-    <mc:Choice Requires="p14">
-      <p:transition spd="slow" p14:dur="2000"/>
-    </mc:Choice>
-    <mc:Fallback>
-      <p:transition spd="slow"/>
-    </mc:Fallback>
-  </mc:AlternateContent>
+  <p:clrMapOvr>
+    <a:masterClrMapping/>
+  </p:clrMapOvr>
 </p:sld>
 </file>
 
 <file path=ppt/slides/slide3.xml><?xml version="1.0" encoding="utf-8"?>
-<p:sld xmlns:a="http://schemas.openxmlformats.org/drawingml/2006/main" xmlns:p="http://schemas.openxmlformats.org/presentationml/2006/main" xmlns:r="http://schemas.openxmlformats.org/officeDocument/2006/relationships" xmlns:p14="http://schemas.microsoft.com/office/powerpoint/2010/main" xmlns:p15="http://schemas.microsoft.com/office/powerpoint/2012/main" xmlns:mc="http://schemas.openxmlformats.org/markup-compatibility/2006">
+<p:sld xmlns:a="http://schemas.openxmlformats.org/drawingml/2006/main" xmlns:r="http://schemas.openxmlformats.org/officeDocument/2006/relationships" xmlns:p="http://schemas.openxmlformats.org/presentationml/2006/main">
   <p:cSld>
     <p:spTree>
       <p:nvGrpSpPr>
@@ -8536,15 +9475,22 @@
           </a:ln>
         </p:spPr>
         <p:style>
-          <a:lnRef idx="0"/>
-          <a:fillRef idx="0"/>
-          <a:effectRef idx="0"/>
+          <a:lnRef idx="0">
+            <a:scrgbClr r="0" g="0" b="0"/>
+          </a:lnRef>
+          <a:fillRef idx="0">
+            <a:scrgbClr r="0" g="0" b="0"/>
+          </a:fillRef>
+          <a:effectRef idx="0">
+            <a:scrgbClr r="0" g="0" b="0"/>
+          </a:effectRef>
           <a:fontRef idx="minor"/>
         </p:style>
         <p:txBody>
-          <a:bodyPr lIns="90000" rIns="90000" tIns="91440" bIns="91440" anchor="t">
+          <a:bodyPr lIns="90000" tIns="91440" rIns="90000" bIns="91440" anchor="t">
             <a:noAutofit/>
           </a:bodyPr>
+          <a:lstStyle/>
           <a:p>
             <a:pPr>
               <a:lnSpc>
@@ -8552,7 +9498,7 @@
               </a:lnSpc>
             </a:pPr>
             <a:r>
-              <a:rPr b="1" lang="pt-BR" sz="5400" spc="-1" strike="noStrike">
+              <a:rPr lang="pt-BR" sz="5400" b="1" strike="noStrike" spc="-1">
                 <a:solidFill>
                   <a:srgbClr val="002060"/>
                 </a:solidFill>
@@ -8561,7 +9507,7 @@
               </a:rPr>
               <a:t>Recap POO </a:t>
             </a:r>
-            <a:endParaRPr b="0" lang="pt-BR" sz="5400" spc="-1" strike="noStrike">
+            <a:endParaRPr lang="pt-BR" sz="5400" b="0" strike="noStrike" spc="-1">
               <a:solidFill>
                 <a:srgbClr val="000000"/>
               </a:solidFill>
@@ -8574,7 +9520,7 @@
                 <a:spcPct val="100000"/>
               </a:lnSpc>
             </a:pPr>
-            <a:endParaRPr b="0" lang="pt-BR" sz="5400" spc="-1" strike="noStrike">
+            <a:endParaRPr lang="pt-BR" sz="5400" b="0" strike="noStrike" spc="-1">
               <a:solidFill>
                 <a:srgbClr val="000000"/>
               </a:solidFill>
@@ -8585,36 +9531,36 @@
       </p:sp>
       <p:pic>
         <p:nvPicPr>
-          <p:cNvPr id="96" name="Imagem 23" descr=""/>
-          <p:cNvPicPr/>
-          <p:nvPr/>
-        </p:nvPicPr>
-        <p:blipFill>
-          <a:blip r:embed="rId1"/>
-          <a:srcRect l="0" t="0" r="0" b="20507"/>
-          <a:stretch/>
-        </p:blipFill>
-        <p:spPr>
-          <a:xfrm>
-            <a:off x="8100720" y="900720"/>
-            <a:ext cx="2142720" cy="3603600"/>
-          </a:xfrm>
-          <a:prstGeom prst="rect">
-            <a:avLst/>
-          </a:prstGeom>
-          <a:ln w="0">
-            <a:noFill/>
-          </a:ln>
-        </p:spPr>
-      </p:pic>
-      <p:pic>
-        <p:nvPicPr>
-          <p:cNvPr id="97" name="" descr=""/>
+          <p:cNvPr id="96" name="Imagem 23"/>
           <p:cNvPicPr/>
           <p:nvPr/>
         </p:nvPicPr>
         <p:blipFill>
           <a:blip r:embed="rId2"/>
+          <a:srcRect b="20507"/>
+          <a:stretch/>
+        </p:blipFill>
+        <p:spPr>
+          <a:xfrm>
+            <a:off x="8100720" y="900720"/>
+            <a:ext cx="2142720" cy="3603600"/>
+          </a:xfrm>
+          <a:prstGeom prst="rect">
+            <a:avLst/>
+          </a:prstGeom>
+          <a:ln w="0">
+            <a:noFill/>
+          </a:ln>
+        </p:spPr>
+      </p:pic>
+      <p:pic>
+        <p:nvPicPr>
+          <p:cNvPr id="97" name="Imagem 96"/>
+          <p:cNvPicPr/>
+          <p:nvPr/>
+        </p:nvPicPr>
+        <p:blipFill>
+          <a:blip r:embed="rId3"/>
           <a:stretch/>
         </p:blipFill>
         <p:spPr>
@@ -8632,19 +9578,14 @@
       </p:pic>
     </p:spTree>
   </p:cSld>
-  <mc:AlternateContent>
-    <mc:Choice Requires="p14">
-      <p:transition spd="slow" p14:dur="2000"/>
-    </mc:Choice>
-    <mc:Fallback>
-      <p:transition spd="slow"/>
-    </mc:Fallback>
-  </mc:AlternateContent>
+  <p:clrMapOvr>
+    <a:masterClrMapping/>
+  </p:clrMapOvr>
 </p:sld>
 </file>
 
 <file path=ppt/slides/slide4.xml><?xml version="1.0" encoding="utf-8"?>
-<p:sld xmlns:a="http://schemas.openxmlformats.org/drawingml/2006/main" xmlns:p="http://schemas.openxmlformats.org/presentationml/2006/main" xmlns:r="http://schemas.openxmlformats.org/officeDocument/2006/relationships" xmlns:p14="http://schemas.microsoft.com/office/powerpoint/2010/main" xmlns:p15="http://schemas.microsoft.com/office/powerpoint/2012/main" xmlns:mc="http://schemas.openxmlformats.org/markup-compatibility/2006">
+<p:sld xmlns:a="http://schemas.openxmlformats.org/drawingml/2006/main" xmlns:r="http://schemas.openxmlformats.org/officeDocument/2006/relationships" xmlns:p="http://schemas.openxmlformats.org/presentationml/2006/main">
   <p:cSld>
     <p:spTree>
       <p:nvGrpSpPr>
@@ -8680,15 +9621,22 @@
           </a:ln>
         </p:spPr>
         <p:style>
-          <a:lnRef idx="0"/>
-          <a:fillRef idx="0"/>
-          <a:effectRef idx="0"/>
+          <a:lnRef idx="0">
+            <a:scrgbClr r="0" g="0" b="0"/>
+          </a:lnRef>
+          <a:fillRef idx="0">
+            <a:scrgbClr r="0" g="0" b="0"/>
+          </a:fillRef>
+          <a:effectRef idx="0">
+            <a:scrgbClr r="0" g="0" b="0"/>
+          </a:effectRef>
           <a:fontRef idx="minor"/>
         </p:style>
         <p:txBody>
-          <a:bodyPr lIns="90000" rIns="90000" tIns="91440" bIns="91440" anchor="t">
+          <a:bodyPr lIns="90000" tIns="91440" rIns="90000" bIns="91440" anchor="t">
             <a:noAutofit/>
           </a:bodyPr>
+          <a:lstStyle/>
           <a:p>
             <a:pPr>
               <a:lnSpc>
@@ -8696,7 +9644,7 @@
               </a:lnSpc>
             </a:pPr>
             <a:r>
-              <a:rPr b="1" lang="pt-BR" sz="5400" spc="-1" strike="noStrike">
+              <a:rPr lang="pt-BR" sz="5400" b="1" strike="noStrike" spc="-1">
                 <a:solidFill>
                   <a:srgbClr val="002060"/>
                 </a:solidFill>
@@ -8705,7 +9653,7 @@
               </a:rPr>
               <a:t>Recap POO </a:t>
             </a:r>
-            <a:endParaRPr b="0" lang="pt-BR" sz="5400" spc="-1" strike="noStrike">
+            <a:endParaRPr lang="pt-BR" sz="5400" b="0" strike="noStrike" spc="-1">
               <a:solidFill>
                 <a:srgbClr val="000000"/>
               </a:solidFill>
@@ -8718,7 +9666,7 @@
                 <a:spcPct val="100000"/>
               </a:lnSpc>
             </a:pPr>
-            <a:endParaRPr b="0" lang="pt-BR" sz="5400" spc="-1" strike="noStrike">
+            <a:endParaRPr lang="pt-BR" sz="5400" b="0" strike="noStrike" spc="-1">
               <a:solidFill>
                 <a:srgbClr val="000000"/>
               </a:solidFill>
@@ -8729,36 +9677,36 @@
       </p:sp>
       <p:pic>
         <p:nvPicPr>
-          <p:cNvPr id="99" name="Imagem 1" descr=""/>
-          <p:cNvPicPr/>
-          <p:nvPr/>
-        </p:nvPicPr>
-        <p:blipFill>
-          <a:blip r:embed="rId1"/>
-          <a:srcRect l="0" t="0" r="0" b="20507"/>
-          <a:stretch/>
-        </p:blipFill>
-        <p:spPr>
-          <a:xfrm>
-            <a:off x="8100720" y="900720"/>
-            <a:ext cx="2142720" cy="3603600"/>
-          </a:xfrm>
-          <a:prstGeom prst="rect">
-            <a:avLst/>
-          </a:prstGeom>
-          <a:ln w="0">
-            <a:noFill/>
-          </a:ln>
-        </p:spPr>
-      </p:pic>
-      <p:pic>
-        <p:nvPicPr>
-          <p:cNvPr id="100" name="" descr=""/>
+          <p:cNvPr id="99" name="Imagem 1"/>
           <p:cNvPicPr/>
           <p:nvPr/>
         </p:nvPicPr>
         <p:blipFill>
           <a:blip r:embed="rId2"/>
+          <a:srcRect b="20507"/>
+          <a:stretch/>
+        </p:blipFill>
+        <p:spPr>
+          <a:xfrm>
+            <a:off x="8100720" y="900720"/>
+            <a:ext cx="2142720" cy="3603600"/>
+          </a:xfrm>
+          <a:prstGeom prst="rect">
+            <a:avLst/>
+          </a:prstGeom>
+          <a:ln w="0">
+            <a:noFill/>
+          </a:ln>
+        </p:spPr>
+      </p:pic>
+      <p:pic>
+        <p:nvPicPr>
+          <p:cNvPr id="100" name="Imagem 99"/>
+          <p:cNvPicPr/>
+          <p:nvPr/>
+        </p:nvPicPr>
+        <p:blipFill>
+          <a:blip r:embed="rId3"/>
           <a:stretch/>
         </p:blipFill>
         <p:spPr>
@@ -8776,19 +9724,14 @@
       </p:pic>
     </p:spTree>
   </p:cSld>
-  <mc:AlternateContent>
-    <mc:Choice Requires="p14">
-      <p:transition spd="slow" p14:dur="2000"/>
-    </mc:Choice>
-    <mc:Fallback>
-      <p:transition spd="slow"/>
-    </mc:Fallback>
-  </mc:AlternateContent>
+  <p:clrMapOvr>
+    <a:masterClrMapping/>
+  </p:clrMapOvr>
 </p:sld>
 </file>
 
 <file path=ppt/slides/slide5.xml><?xml version="1.0" encoding="utf-8"?>
-<p:sld xmlns:a="http://schemas.openxmlformats.org/drawingml/2006/main" xmlns:p="http://schemas.openxmlformats.org/presentationml/2006/main" xmlns:r="http://schemas.openxmlformats.org/officeDocument/2006/relationships" xmlns:p14="http://schemas.microsoft.com/office/powerpoint/2010/main" xmlns:p15="http://schemas.microsoft.com/office/powerpoint/2012/main" xmlns:mc="http://schemas.openxmlformats.org/markup-compatibility/2006">
+<p:sld xmlns:a="http://schemas.openxmlformats.org/drawingml/2006/main" xmlns:r="http://schemas.openxmlformats.org/officeDocument/2006/relationships" xmlns:p="http://schemas.openxmlformats.org/presentationml/2006/main">
   <p:cSld>
     <p:spTree>
       <p:nvGrpSpPr>
@@ -8824,15 +9767,22 @@
           </a:ln>
         </p:spPr>
         <p:style>
-          <a:lnRef idx="0"/>
-          <a:fillRef idx="0"/>
-          <a:effectRef idx="0"/>
+          <a:lnRef idx="0">
+            <a:scrgbClr r="0" g="0" b="0"/>
+          </a:lnRef>
+          <a:fillRef idx="0">
+            <a:scrgbClr r="0" g="0" b="0"/>
+          </a:fillRef>
+          <a:effectRef idx="0">
+            <a:scrgbClr r="0" g="0" b="0"/>
+          </a:effectRef>
           <a:fontRef idx="minor"/>
         </p:style>
         <p:txBody>
-          <a:bodyPr lIns="90000" rIns="90000" tIns="91440" bIns="91440" anchor="t">
+          <a:bodyPr lIns="90000" tIns="91440" rIns="90000" bIns="91440" anchor="t">
             <a:noAutofit/>
           </a:bodyPr>
+          <a:lstStyle/>
           <a:p>
             <a:pPr>
               <a:lnSpc>
@@ -8840,7 +9790,7 @@
               </a:lnSpc>
             </a:pPr>
             <a:r>
-              <a:rPr b="1" lang="pt-BR" sz="5400" spc="-1" strike="noStrike">
+              <a:rPr lang="pt-BR" sz="5400" b="1" strike="noStrike" spc="-1">
                 <a:solidFill>
                   <a:srgbClr val="002060"/>
                 </a:solidFill>
@@ -8849,7 +9799,7 @@
               </a:rPr>
               <a:t>Recap POO </a:t>
             </a:r>
-            <a:endParaRPr b="0" lang="pt-BR" sz="5400" spc="-1" strike="noStrike">
+            <a:endParaRPr lang="pt-BR" sz="5400" b="0" strike="noStrike" spc="-1">
               <a:solidFill>
                 <a:srgbClr val="000000"/>
               </a:solidFill>
@@ -8862,7 +9812,7 @@
                 <a:spcPct val="100000"/>
               </a:lnSpc>
             </a:pPr>
-            <a:endParaRPr b="0" lang="pt-BR" sz="5400" spc="-1" strike="noStrike">
+            <a:endParaRPr lang="pt-BR" sz="5400" b="0" strike="noStrike" spc="-1">
               <a:solidFill>
                 <a:srgbClr val="000000"/>
               </a:solidFill>
@@ -8873,36 +9823,36 @@
       </p:sp>
       <p:pic>
         <p:nvPicPr>
-          <p:cNvPr id="102" name="Imagem 10" descr=""/>
-          <p:cNvPicPr/>
-          <p:nvPr/>
-        </p:nvPicPr>
-        <p:blipFill>
-          <a:blip r:embed="rId1"/>
-          <a:srcRect l="0" t="0" r="0" b="20507"/>
-          <a:stretch/>
-        </p:blipFill>
-        <p:spPr>
-          <a:xfrm>
-            <a:off x="8100720" y="900720"/>
-            <a:ext cx="2142720" cy="3603600"/>
-          </a:xfrm>
-          <a:prstGeom prst="rect">
-            <a:avLst/>
-          </a:prstGeom>
-          <a:ln w="0">
-            <a:noFill/>
-          </a:ln>
-        </p:spPr>
-      </p:pic>
-      <p:pic>
-        <p:nvPicPr>
-          <p:cNvPr id="103" name="" descr=""/>
+          <p:cNvPr id="102" name="Imagem 10"/>
           <p:cNvPicPr/>
           <p:nvPr/>
         </p:nvPicPr>
         <p:blipFill>
           <a:blip r:embed="rId2"/>
+          <a:srcRect b="20507"/>
+          <a:stretch/>
+        </p:blipFill>
+        <p:spPr>
+          <a:xfrm>
+            <a:off x="8100720" y="900720"/>
+            <a:ext cx="2142720" cy="3603600"/>
+          </a:xfrm>
+          <a:prstGeom prst="rect">
+            <a:avLst/>
+          </a:prstGeom>
+          <a:ln w="0">
+            <a:noFill/>
+          </a:ln>
+        </p:spPr>
+      </p:pic>
+      <p:pic>
+        <p:nvPicPr>
+          <p:cNvPr id="103" name="Imagem 102"/>
+          <p:cNvPicPr/>
+          <p:nvPr/>
+        </p:nvPicPr>
+        <p:blipFill>
+          <a:blip r:embed="rId3"/>
           <a:stretch/>
         </p:blipFill>
         <p:spPr>
@@ -8920,19 +9870,14 @@
       </p:pic>
     </p:spTree>
   </p:cSld>
-  <mc:AlternateContent>
-    <mc:Choice Requires="p14">
-      <p:transition spd="slow" p14:dur="2000"/>
-    </mc:Choice>
-    <mc:Fallback>
-      <p:transition spd="slow"/>
-    </mc:Fallback>
-  </mc:AlternateContent>
+  <p:clrMapOvr>
+    <a:masterClrMapping/>
+  </p:clrMapOvr>
 </p:sld>
 </file>
 
 <file path=ppt/slides/slide6.xml><?xml version="1.0" encoding="utf-8"?>
-<p:sld xmlns:a="http://schemas.openxmlformats.org/drawingml/2006/main" xmlns:p="http://schemas.openxmlformats.org/presentationml/2006/main" xmlns:r="http://schemas.openxmlformats.org/officeDocument/2006/relationships" xmlns:p14="http://schemas.microsoft.com/office/powerpoint/2010/main" xmlns:p15="http://schemas.microsoft.com/office/powerpoint/2012/main" xmlns:mc="http://schemas.openxmlformats.org/markup-compatibility/2006">
+<p:sld xmlns:a="http://schemas.openxmlformats.org/drawingml/2006/main" xmlns:r="http://schemas.openxmlformats.org/officeDocument/2006/relationships" xmlns:p="http://schemas.openxmlformats.org/presentationml/2006/main">
   <p:cSld>
     <p:spTree>
       <p:nvGrpSpPr>
@@ -8968,15 +9913,22 @@
           </a:ln>
         </p:spPr>
         <p:style>
-          <a:lnRef idx="0"/>
-          <a:fillRef idx="0"/>
-          <a:effectRef idx="0"/>
+          <a:lnRef idx="0">
+            <a:scrgbClr r="0" g="0" b="0"/>
+          </a:lnRef>
+          <a:fillRef idx="0">
+            <a:scrgbClr r="0" g="0" b="0"/>
+          </a:fillRef>
+          <a:effectRef idx="0">
+            <a:scrgbClr r="0" g="0" b="0"/>
+          </a:effectRef>
           <a:fontRef idx="minor"/>
         </p:style>
         <p:txBody>
-          <a:bodyPr lIns="90000" rIns="90000" tIns="91440" bIns="91440" anchor="t">
+          <a:bodyPr lIns="90000" tIns="91440" rIns="90000" bIns="91440" anchor="t">
             <a:noAutofit/>
           </a:bodyPr>
+          <a:lstStyle/>
           <a:p>
             <a:pPr>
               <a:lnSpc>
@@ -8984,7 +9936,7 @@
               </a:lnSpc>
             </a:pPr>
             <a:r>
-              <a:rPr b="1" lang="pt-BR" sz="5400" spc="-1" strike="noStrike">
+              <a:rPr lang="pt-BR" sz="5400" b="1" strike="noStrike" spc="-1">
                 <a:solidFill>
                   <a:srgbClr val="002060"/>
                 </a:solidFill>
@@ -8993,7 +9945,7 @@
               </a:rPr>
               <a:t>Recap POO </a:t>
             </a:r>
-            <a:endParaRPr b="0" lang="pt-BR" sz="5400" spc="-1" strike="noStrike">
+            <a:endParaRPr lang="pt-BR" sz="5400" b="0" strike="noStrike" spc="-1">
               <a:solidFill>
                 <a:srgbClr val="000000"/>
               </a:solidFill>
@@ -9006,7 +9958,7 @@
                 <a:spcPct val="100000"/>
               </a:lnSpc>
             </a:pPr>
-            <a:endParaRPr b="0" lang="pt-BR" sz="5400" spc="-1" strike="noStrike">
+            <a:endParaRPr lang="pt-BR" sz="5400" b="0" strike="noStrike" spc="-1">
               <a:solidFill>
                 <a:srgbClr val="000000"/>
               </a:solidFill>
@@ -9017,36 +9969,36 @@
       </p:sp>
       <p:pic>
         <p:nvPicPr>
-          <p:cNvPr id="105" name="Imagem 9" descr=""/>
-          <p:cNvPicPr/>
-          <p:nvPr/>
-        </p:nvPicPr>
-        <p:blipFill>
-          <a:blip r:embed="rId1"/>
-          <a:srcRect l="0" t="0" r="0" b="20507"/>
-          <a:stretch/>
-        </p:blipFill>
-        <p:spPr>
-          <a:xfrm>
-            <a:off x="8100720" y="900720"/>
-            <a:ext cx="2142720" cy="3603600"/>
-          </a:xfrm>
-          <a:prstGeom prst="rect">
-            <a:avLst/>
-          </a:prstGeom>
-          <a:ln w="0">
-            <a:noFill/>
-          </a:ln>
-        </p:spPr>
-      </p:pic>
-      <p:pic>
-        <p:nvPicPr>
-          <p:cNvPr id="106" name="" descr=""/>
+          <p:cNvPr id="105" name="Imagem 9"/>
           <p:cNvPicPr/>
           <p:nvPr/>
         </p:nvPicPr>
         <p:blipFill>
           <a:blip r:embed="rId2"/>
+          <a:srcRect b="20507"/>
+          <a:stretch/>
+        </p:blipFill>
+        <p:spPr>
+          <a:xfrm>
+            <a:off x="8100720" y="900720"/>
+            <a:ext cx="2142720" cy="3603600"/>
+          </a:xfrm>
+          <a:prstGeom prst="rect">
+            <a:avLst/>
+          </a:prstGeom>
+          <a:ln w="0">
+            <a:noFill/>
+          </a:ln>
+        </p:spPr>
+      </p:pic>
+      <p:pic>
+        <p:nvPicPr>
+          <p:cNvPr id="106" name="Imagem 105"/>
+          <p:cNvPicPr/>
+          <p:nvPr/>
+        </p:nvPicPr>
+        <p:blipFill>
+          <a:blip r:embed="rId3"/>
           <a:stretch/>
         </p:blipFill>
         <p:spPr>
@@ -9064,19 +10016,14 @@
       </p:pic>
     </p:spTree>
   </p:cSld>
-  <mc:AlternateContent>
-    <mc:Choice Requires="p14">
-      <p:transition spd="slow" p14:dur="2000"/>
-    </mc:Choice>
-    <mc:Fallback>
-      <p:transition spd="slow"/>
-    </mc:Fallback>
-  </mc:AlternateContent>
+  <p:clrMapOvr>
+    <a:masterClrMapping/>
+  </p:clrMapOvr>
 </p:sld>
 </file>
 
 <file path=ppt/slides/slide7.xml><?xml version="1.0" encoding="utf-8"?>
-<p:sld xmlns:a="http://schemas.openxmlformats.org/drawingml/2006/main" xmlns:p="http://schemas.openxmlformats.org/presentationml/2006/main" xmlns:r="http://schemas.openxmlformats.org/officeDocument/2006/relationships" xmlns:p14="http://schemas.microsoft.com/office/powerpoint/2010/main" xmlns:p15="http://schemas.microsoft.com/office/powerpoint/2012/main" xmlns:mc="http://schemas.openxmlformats.org/markup-compatibility/2006">
+<p:sld xmlns:a="http://schemas.openxmlformats.org/drawingml/2006/main" xmlns:r="http://schemas.openxmlformats.org/officeDocument/2006/relationships" xmlns:p="http://schemas.openxmlformats.org/presentationml/2006/main">
   <p:cSld>
     <p:spTree>
       <p:nvGrpSpPr>
@@ -9112,15 +10059,22 @@
           </a:ln>
         </p:spPr>
         <p:style>
-          <a:lnRef idx="0"/>
-          <a:fillRef idx="0"/>
-          <a:effectRef idx="0"/>
+          <a:lnRef idx="0">
+            <a:scrgbClr r="0" g="0" b="0"/>
+          </a:lnRef>
+          <a:fillRef idx="0">
+            <a:scrgbClr r="0" g="0" b="0"/>
+          </a:fillRef>
+          <a:effectRef idx="0">
+            <a:scrgbClr r="0" g="0" b="0"/>
+          </a:effectRef>
           <a:fontRef idx="minor"/>
         </p:style>
         <p:txBody>
-          <a:bodyPr lIns="90000" rIns="90000" tIns="91440" bIns="91440" anchor="t">
+          <a:bodyPr lIns="90000" tIns="91440" rIns="90000" bIns="91440" anchor="t">
             <a:noAutofit/>
           </a:bodyPr>
+          <a:lstStyle/>
           <a:p>
             <a:pPr>
               <a:lnSpc>
@@ -9128,7 +10082,7 @@
               </a:lnSpc>
             </a:pPr>
             <a:r>
-              <a:rPr b="1" lang="pt-BR" sz="5400" spc="-1" strike="noStrike">
+              <a:rPr lang="pt-BR" sz="5400" b="1" strike="noStrike" spc="-1">
                 <a:solidFill>
                   <a:srgbClr val="002060"/>
                 </a:solidFill>
@@ -9137,7 +10091,7 @@
               </a:rPr>
               <a:t>Recap POO </a:t>
             </a:r>
-            <a:endParaRPr b="0" lang="pt-BR" sz="5400" spc="-1" strike="noStrike">
+            <a:endParaRPr lang="pt-BR" sz="5400" b="0" strike="noStrike" spc="-1">
               <a:solidFill>
                 <a:srgbClr val="000000"/>
               </a:solidFill>
@@ -9150,7 +10104,7 @@
                 <a:spcPct val="100000"/>
               </a:lnSpc>
             </a:pPr>
-            <a:endParaRPr b="0" lang="pt-BR" sz="5400" spc="-1" strike="noStrike">
+            <a:endParaRPr lang="pt-BR" sz="5400" b="0" strike="noStrike" spc="-1">
               <a:solidFill>
                 <a:srgbClr val="000000"/>
               </a:solidFill>
@@ -9161,36 +10115,36 @@
       </p:sp>
       <p:pic>
         <p:nvPicPr>
-          <p:cNvPr id="108" name="Imagem 8" descr=""/>
-          <p:cNvPicPr/>
-          <p:nvPr/>
-        </p:nvPicPr>
-        <p:blipFill>
-          <a:blip r:embed="rId1"/>
-          <a:srcRect l="0" t="0" r="0" b="20507"/>
-          <a:stretch/>
-        </p:blipFill>
-        <p:spPr>
-          <a:xfrm>
-            <a:off x="8100720" y="900720"/>
-            <a:ext cx="2142720" cy="3603600"/>
-          </a:xfrm>
-          <a:prstGeom prst="rect">
-            <a:avLst/>
-          </a:prstGeom>
-          <a:ln w="0">
-            <a:noFill/>
-          </a:ln>
-        </p:spPr>
-      </p:pic>
-      <p:pic>
-        <p:nvPicPr>
-          <p:cNvPr id="109" name="" descr=""/>
+          <p:cNvPr id="108" name="Imagem 8"/>
           <p:cNvPicPr/>
           <p:nvPr/>
         </p:nvPicPr>
         <p:blipFill>
           <a:blip r:embed="rId2"/>
+          <a:srcRect b="20507"/>
+          <a:stretch/>
+        </p:blipFill>
+        <p:spPr>
+          <a:xfrm>
+            <a:off x="8100720" y="900720"/>
+            <a:ext cx="2142720" cy="3603600"/>
+          </a:xfrm>
+          <a:prstGeom prst="rect">
+            <a:avLst/>
+          </a:prstGeom>
+          <a:ln w="0">
+            <a:noFill/>
+          </a:ln>
+        </p:spPr>
+      </p:pic>
+      <p:pic>
+        <p:nvPicPr>
+          <p:cNvPr id="109" name="Imagem 108"/>
+          <p:cNvPicPr/>
+          <p:nvPr/>
+        </p:nvPicPr>
+        <p:blipFill>
+          <a:blip r:embed="rId3"/>
           <a:stretch/>
         </p:blipFill>
         <p:spPr>
@@ -9208,19 +10162,14 @@
       </p:pic>
     </p:spTree>
   </p:cSld>
-  <mc:AlternateContent>
-    <mc:Choice Requires="p14">
-      <p:transition spd="slow" p14:dur="2000"/>
-    </mc:Choice>
-    <mc:Fallback>
-      <p:transition spd="slow"/>
-    </mc:Fallback>
-  </mc:AlternateContent>
+  <p:clrMapOvr>
+    <a:masterClrMapping/>
+  </p:clrMapOvr>
 </p:sld>
 </file>
 
 <file path=ppt/slides/slide8.xml><?xml version="1.0" encoding="utf-8"?>
-<p:sld xmlns:a="http://schemas.openxmlformats.org/drawingml/2006/main" xmlns:p="http://schemas.openxmlformats.org/presentationml/2006/main" xmlns:r="http://schemas.openxmlformats.org/officeDocument/2006/relationships" xmlns:p14="http://schemas.microsoft.com/office/powerpoint/2010/main" xmlns:p15="http://schemas.microsoft.com/office/powerpoint/2012/main" xmlns:mc="http://schemas.openxmlformats.org/markup-compatibility/2006">
+<p:sld xmlns:a="http://schemas.openxmlformats.org/drawingml/2006/main" xmlns:r="http://schemas.openxmlformats.org/officeDocument/2006/relationships" xmlns:p="http://schemas.openxmlformats.org/presentationml/2006/main">
   <p:cSld>
     <p:spTree>
       <p:nvGrpSpPr>
@@ -9256,15 +10205,22 @@
           </a:ln>
         </p:spPr>
         <p:style>
-          <a:lnRef idx="0"/>
-          <a:fillRef idx="0"/>
-          <a:effectRef idx="0"/>
+          <a:lnRef idx="0">
+            <a:scrgbClr r="0" g="0" b="0"/>
+          </a:lnRef>
+          <a:fillRef idx="0">
+            <a:scrgbClr r="0" g="0" b="0"/>
+          </a:fillRef>
+          <a:effectRef idx="0">
+            <a:scrgbClr r="0" g="0" b="0"/>
+          </a:effectRef>
           <a:fontRef idx="minor"/>
         </p:style>
         <p:txBody>
-          <a:bodyPr lIns="90000" rIns="90000" tIns="91440" bIns="91440" anchor="t">
+          <a:bodyPr lIns="90000" tIns="91440" rIns="90000" bIns="91440" anchor="t">
             <a:noAutofit/>
           </a:bodyPr>
+          <a:lstStyle/>
           <a:p>
             <a:pPr>
               <a:lnSpc>
@@ -9272,7 +10228,7 @@
               </a:lnSpc>
             </a:pPr>
             <a:r>
-              <a:rPr b="1" lang="pt-BR" sz="5400" spc="-1" strike="noStrike">
+              <a:rPr lang="pt-BR" sz="5400" b="1" strike="noStrike" spc="-1">
                 <a:solidFill>
                   <a:srgbClr val="002060"/>
                 </a:solidFill>
@@ -9281,7 +10237,7 @@
               </a:rPr>
               <a:t>Recap POO </a:t>
             </a:r>
-            <a:endParaRPr b="0" lang="pt-BR" sz="5400" spc="-1" strike="noStrike">
+            <a:endParaRPr lang="pt-BR" sz="5400" b="0" strike="noStrike" spc="-1">
               <a:solidFill>
                 <a:srgbClr val="000000"/>
               </a:solidFill>
@@ -9294,7 +10250,7 @@
                 <a:spcPct val="100000"/>
               </a:lnSpc>
             </a:pPr>
-            <a:endParaRPr b="0" lang="pt-BR" sz="5400" spc="-1" strike="noStrike">
+            <a:endParaRPr lang="pt-BR" sz="5400" b="0" strike="noStrike" spc="-1">
               <a:solidFill>
                 <a:srgbClr val="000000"/>
               </a:solidFill>
@@ -9305,36 +10261,36 @@
       </p:sp>
       <p:pic>
         <p:nvPicPr>
-          <p:cNvPr id="111" name="Imagem 12" descr=""/>
-          <p:cNvPicPr/>
-          <p:nvPr/>
-        </p:nvPicPr>
-        <p:blipFill>
-          <a:blip r:embed="rId1"/>
-          <a:srcRect l="0" t="0" r="0" b="20507"/>
-          <a:stretch/>
-        </p:blipFill>
-        <p:spPr>
-          <a:xfrm>
-            <a:off x="8100720" y="900720"/>
-            <a:ext cx="2142720" cy="3603600"/>
-          </a:xfrm>
-          <a:prstGeom prst="rect">
-            <a:avLst/>
-          </a:prstGeom>
-          <a:ln w="0">
-            <a:noFill/>
-          </a:ln>
-        </p:spPr>
-      </p:pic>
-      <p:pic>
-        <p:nvPicPr>
-          <p:cNvPr id="112" name="" descr=""/>
+          <p:cNvPr id="111" name="Imagem 12"/>
           <p:cNvPicPr/>
           <p:nvPr/>
         </p:nvPicPr>
         <p:blipFill>
           <a:blip r:embed="rId2"/>
+          <a:srcRect b="20507"/>
+          <a:stretch/>
+        </p:blipFill>
+        <p:spPr>
+          <a:xfrm>
+            <a:off x="8100720" y="900720"/>
+            <a:ext cx="2142720" cy="3603600"/>
+          </a:xfrm>
+          <a:prstGeom prst="rect">
+            <a:avLst/>
+          </a:prstGeom>
+          <a:ln w="0">
+            <a:noFill/>
+          </a:ln>
+        </p:spPr>
+      </p:pic>
+      <p:pic>
+        <p:nvPicPr>
+          <p:cNvPr id="112" name="Imagem 111"/>
+          <p:cNvPicPr/>
+          <p:nvPr/>
+        </p:nvPicPr>
+        <p:blipFill>
+          <a:blip r:embed="rId3"/>
           <a:stretch/>
         </p:blipFill>
         <p:spPr>
@@ -9352,19 +10308,14 @@
       </p:pic>
     </p:spTree>
   </p:cSld>
-  <mc:AlternateContent>
-    <mc:Choice Requires="p14">
-      <p:transition spd="slow" p14:dur="2000"/>
-    </mc:Choice>
-    <mc:Fallback>
-      <p:transition spd="slow"/>
-    </mc:Fallback>
-  </mc:AlternateContent>
+  <p:clrMapOvr>
+    <a:masterClrMapping/>
+  </p:clrMapOvr>
 </p:sld>
 </file>
 
 <file path=ppt/slides/slide9.xml><?xml version="1.0" encoding="utf-8"?>
-<p:sld xmlns:a="http://schemas.openxmlformats.org/drawingml/2006/main" xmlns:p="http://schemas.openxmlformats.org/presentationml/2006/main" xmlns:r="http://schemas.openxmlformats.org/officeDocument/2006/relationships" xmlns:p14="http://schemas.microsoft.com/office/powerpoint/2010/main" xmlns:p15="http://schemas.microsoft.com/office/powerpoint/2012/main" xmlns:mc="http://schemas.openxmlformats.org/markup-compatibility/2006">
+<p:sld xmlns:a="http://schemas.openxmlformats.org/drawingml/2006/main" xmlns:r="http://schemas.openxmlformats.org/officeDocument/2006/relationships" xmlns:p="http://schemas.openxmlformats.org/presentationml/2006/main">
   <p:cSld>
     <p:spTree>
       <p:nvGrpSpPr>
@@ -9400,15 +10351,22 @@
           </a:ln>
         </p:spPr>
         <p:style>
-          <a:lnRef idx="0"/>
-          <a:fillRef idx="0"/>
-          <a:effectRef idx="0"/>
+          <a:lnRef idx="0">
+            <a:scrgbClr r="0" g="0" b="0"/>
+          </a:lnRef>
+          <a:fillRef idx="0">
+            <a:scrgbClr r="0" g="0" b="0"/>
+          </a:fillRef>
+          <a:effectRef idx="0">
+            <a:scrgbClr r="0" g="0" b="0"/>
+          </a:effectRef>
           <a:fontRef idx="minor"/>
         </p:style>
         <p:txBody>
-          <a:bodyPr lIns="90000" rIns="90000" tIns="91440" bIns="91440" anchor="t">
+          <a:bodyPr lIns="90000" tIns="91440" rIns="90000" bIns="91440" anchor="t">
             <a:noAutofit/>
           </a:bodyPr>
+          <a:lstStyle/>
           <a:p>
             <a:pPr>
               <a:lnSpc>
@@ -9416,7 +10374,7 @@
               </a:lnSpc>
             </a:pPr>
             <a:r>
-              <a:rPr b="1" lang="pt-BR" sz="5400" spc="-1" strike="noStrike">
+              <a:rPr lang="pt-BR" sz="5400" b="1" strike="noStrike" spc="-1">
                 <a:solidFill>
                   <a:srgbClr val="002060"/>
                 </a:solidFill>
@@ -9425,7 +10383,7 @@
               </a:rPr>
               <a:t>Recap POO </a:t>
             </a:r>
-            <a:endParaRPr b="0" lang="pt-BR" sz="5400" spc="-1" strike="noStrike">
+            <a:endParaRPr lang="pt-BR" sz="5400" b="0" strike="noStrike" spc="-1">
               <a:solidFill>
                 <a:srgbClr val="000000"/>
               </a:solidFill>
@@ -9438,7 +10396,7 @@
                 <a:spcPct val="100000"/>
               </a:lnSpc>
             </a:pPr>
-            <a:endParaRPr b="0" lang="pt-BR" sz="5400" spc="-1" strike="noStrike">
+            <a:endParaRPr lang="pt-BR" sz="5400" b="0" strike="noStrike" spc="-1">
               <a:solidFill>
                 <a:srgbClr val="000000"/>
               </a:solidFill>
@@ -9449,36 +10407,36 @@
       </p:sp>
       <p:pic>
         <p:nvPicPr>
-          <p:cNvPr id="114" name="Imagem 13" descr=""/>
-          <p:cNvPicPr/>
-          <p:nvPr/>
-        </p:nvPicPr>
-        <p:blipFill>
-          <a:blip r:embed="rId1"/>
-          <a:srcRect l="0" t="0" r="0" b="20507"/>
-          <a:stretch/>
-        </p:blipFill>
-        <p:spPr>
-          <a:xfrm>
-            <a:off x="8100720" y="900720"/>
-            <a:ext cx="2142720" cy="3603600"/>
-          </a:xfrm>
-          <a:prstGeom prst="rect">
-            <a:avLst/>
-          </a:prstGeom>
-          <a:ln w="0">
-            <a:noFill/>
-          </a:ln>
-        </p:spPr>
-      </p:pic>
-      <p:pic>
-        <p:nvPicPr>
-          <p:cNvPr id="115" name="" descr=""/>
+          <p:cNvPr id="114" name="Imagem 13"/>
           <p:cNvPicPr/>
           <p:nvPr/>
         </p:nvPicPr>
         <p:blipFill>
           <a:blip r:embed="rId2"/>
+          <a:srcRect b="20507"/>
+          <a:stretch/>
+        </p:blipFill>
+        <p:spPr>
+          <a:xfrm>
+            <a:off x="8100720" y="900720"/>
+            <a:ext cx="2142720" cy="3603600"/>
+          </a:xfrm>
+          <a:prstGeom prst="rect">
+            <a:avLst/>
+          </a:prstGeom>
+          <a:ln w="0">
+            <a:noFill/>
+          </a:ln>
+        </p:spPr>
+      </p:pic>
+      <p:pic>
+        <p:nvPicPr>
+          <p:cNvPr id="115" name="Imagem 114"/>
+          <p:cNvPicPr/>
+          <p:nvPr/>
+        </p:nvPicPr>
+        <p:blipFill>
+          <a:blip r:embed="rId3"/>
           <a:stretch/>
         </p:blipFill>
         <p:spPr>
@@ -9496,14 +10454,9 @@
       </p:pic>
     </p:spTree>
   </p:cSld>
-  <mc:AlternateContent>
-    <mc:Choice Requires="p14">
-      <p:transition spd="slow" p14:dur="2000"/>
-    </mc:Choice>
-    <mc:Fallback>
-      <p:transition spd="slow"/>
-    </mc:Fallback>
-  </mc:AlternateContent>
+  <p:clrMapOvr>
+    <a:masterClrMapping/>
+  </p:clrMapOvr>
 </p:sld>
 </file>
 
@@ -9515,37 +10468,37 @@
         <a:srgbClr val="000000"/>
       </a:dk1>
       <a:lt1>
-        <a:srgbClr val="ffffff"/>
+        <a:srgbClr val="FFFFFF"/>
       </a:lt1>
       <a:dk2>
-        <a:srgbClr val="39302a"/>
+        <a:srgbClr val="39302A"/>
       </a:dk2>
       <a:lt2>
-        <a:srgbClr val="e5dedb"/>
+        <a:srgbClr val="E5DEDB"/>
       </a:lt2>
       <a:accent1>
-        <a:srgbClr val="ffca08"/>
+        <a:srgbClr val="FFCA08"/>
       </a:accent1>
       <a:accent2>
-        <a:srgbClr val="f8931d"/>
+        <a:srgbClr val="F8931D"/>
       </a:accent2>
       <a:accent3>
-        <a:srgbClr val="ce8d3e"/>
+        <a:srgbClr val="CE8D3E"/>
       </a:accent3>
       <a:accent4>
-        <a:srgbClr val="ec7016"/>
+        <a:srgbClr val="EC7016"/>
       </a:accent4>
       <a:accent5>
-        <a:srgbClr val="e64823"/>
+        <a:srgbClr val="E64823"/>
       </a:accent5>
       <a:accent6>
-        <a:srgbClr val="9c6a6a"/>
+        <a:srgbClr val="9C6A6A"/>
       </a:accent6>
       <a:hlink>
-        <a:srgbClr val="2998e3"/>
+        <a:srgbClr val="2998E3"/>
       </a:hlink>
       <a:folHlink>
-        <a:srgbClr val="7f723d"/>
+        <a:srgbClr val="7F723D"/>
       </a:folHlink>
     </a:clrScheme>
     <a:fontScheme name="Office">
@@ -9707,6 +10660,8 @@
       </a:bgFillStyleLst>
     </a:fmtScheme>
   </a:themeElements>
+  <a:objectDefaults/>
+  <a:extraClrSchemeLst/>
 </a:theme>
 </file>
 
@@ -9718,37 +10673,37 @@
         <a:srgbClr val="000000"/>
       </a:dk1>
       <a:lt1>
-        <a:srgbClr val="ffffff"/>
+        <a:srgbClr val="FFFFFF"/>
       </a:lt1>
       <a:dk2>
-        <a:srgbClr val="39302a"/>
+        <a:srgbClr val="39302A"/>
       </a:dk2>
       <a:lt2>
-        <a:srgbClr val="e5dedb"/>
+        <a:srgbClr val="E5DEDB"/>
       </a:lt2>
       <a:accent1>
-        <a:srgbClr val="ffca08"/>
+        <a:srgbClr val="FFCA08"/>
       </a:accent1>
       <a:accent2>
-        <a:srgbClr val="f8931d"/>
+        <a:srgbClr val="F8931D"/>
       </a:accent2>
       <a:accent3>
-        <a:srgbClr val="ce8d3e"/>
+        <a:srgbClr val="CE8D3E"/>
       </a:accent3>
       <a:accent4>
-        <a:srgbClr val="ec7016"/>
+        <a:srgbClr val="EC7016"/>
       </a:accent4>
       <a:accent5>
-        <a:srgbClr val="e64823"/>
+        <a:srgbClr val="E64823"/>
       </a:accent5>
       <a:accent6>
-        <a:srgbClr val="9c6a6a"/>
+        <a:srgbClr val="9C6A6A"/>
       </a:accent6>
       <a:hlink>
-        <a:srgbClr val="2998e3"/>
+        <a:srgbClr val="2998E3"/>
       </a:hlink>
       <a:folHlink>
-        <a:srgbClr val="7f723d"/>
+        <a:srgbClr val="7F723D"/>
       </a:folHlink>
     </a:clrScheme>
     <a:fontScheme name="Office">
@@ -9910,6 +10865,8 @@
       </a:bgFillStyleLst>
     </a:fmtScheme>
   </a:themeElements>
+  <a:objectDefaults/>
+  <a:extraClrSchemeLst/>
 </a:theme>
 </file>
 
@@ -9924,34 +10881,34 @@
         <a:sysClr val="window" lastClr="FFFFFF"/>
       </a:lt1>
       <a:dk2>
-        <a:srgbClr val="39302a"/>
+        <a:srgbClr val="39302A"/>
       </a:dk2>
       <a:lt2>
-        <a:srgbClr val="e5dedb"/>
+        <a:srgbClr val="E5DEDB"/>
       </a:lt2>
       <a:accent1>
-        <a:srgbClr val="ffca08"/>
+        <a:srgbClr val="FFCA08"/>
       </a:accent1>
       <a:accent2>
-        <a:srgbClr val="f8931d"/>
+        <a:srgbClr val="F8931D"/>
       </a:accent2>
       <a:accent3>
-        <a:srgbClr val="ce8d3e"/>
+        <a:srgbClr val="CE8D3E"/>
       </a:accent3>
       <a:accent4>
-        <a:srgbClr val="ec7016"/>
+        <a:srgbClr val="EC7016"/>
       </a:accent4>
       <a:accent5>
-        <a:srgbClr val="e64823"/>
+        <a:srgbClr val="E64823"/>
       </a:accent5>
       <a:accent6>
-        <a:srgbClr val="9c6a6a"/>
+        <a:srgbClr val="9C6A6A"/>
       </a:accent6>
       <a:hlink>
-        <a:srgbClr val="2998e3"/>
+        <a:srgbClr val="2998E3"/>
       </a:hlink>
       <a:folHlink>
-        <a:srgbClr val="7f723d"/>
+        <a:srgbClr val="7F723D"/>
       </a:folHlink>
     </a:clrScheme>
     <a:fontScheme name="Office">
@@ -10113,5 +11070,7 @@
       </a:bgFillStyleLst>
     </a:fmtScheme>
   </a:themeElements>
+  <a:objectDefaults/>
+  <a:extraClrSchemeLst/>
 </a:theme>
 </file>